--- a/interim-092024/nmop-chairs-slides.pptx
+++ b/interim-092024/nmop-chairs-slides.pptx
@@ -265,929 +265,6 @@
     </p:ext>
   </p:extLst>
 </p:presentation>
-</file>
-
-<file path=ppt/changesInfos/changesInfo1.xml><?xml version="1.0" encoding="utf-8"?>
-<pc:chgInfo xmlns:a="http://schemas.openxmlformats.org/drawingml/2006/main" xmlns:r="http://schemas.openxmlformats.org/officeDocument/2006/relationships" xmlns:ac="http://schemas.microsoft.com/office/drawing/2013/main/command" xmlns:pc="http://schemas.microsoft.com/office/powerpoint/2013/main/command">
-  <pc:docChgLst>
-    <pc:chgData name="BOUCADAIR Mohamed INNOV/NET" userId="2acbca90-6db1-4111-98c4-832797dda751" providerId="ADAL" clId="{5E7AF159-790E-476D-B646-0EA162FC4C56}"/>
-    <pc:docChg chg="custSel modSld">
-      <pc:chgData name="BOUCADAIR Mohamed INNOV/NET" userId="2acbca90-6db1-4111-98c4-832797dda751" providerId="ADAL" clId="{5E7AF159-790E-476D-B646-0EA162FC4C56}" dt="2024-07-25T10:31:23.642" v="34" actId="207"/>
-      <pc:docMkLst>
-        <pc:docMk/>
-      </pc:docMkLst>
-      <pc:sldChg chg="addSp delSp modSp mod">
-        <pc:chgData name="BOUCADAIR Mohamed INNOV/NET" userId="2acbca90-6db1-4111-98c4-832797dda751" providerId="ADAL" clId="{5E7AF159-790E-476D-B646-0EA162FC4C56}" dt="2024-07-25T10:31:23.642" v="34" actId="207"/>
-        <pc:sldMkLst>
-          <pc:docMk/>
-          <pc:sldMk cId="513082138" sldId="271"/>
-        </pc:sldMkLst>
-        <pc:spChg chg="add del mod">
-          <ac:chgData name="BOUCADAIR Mohamed INNOV/NET" userId="2acbca90-6db1-4111-98c4-832797dda751" providerId="ADAL" clId="{5E7AF159-790E-476D-B646-0EA162FC4C56}" dt="2024-07-25T10:30:18.251" v="6" actId="478"/>
-          <ac:spMkLst>
-            <pc:docMk/>
-            <pc:sldMk cId="513082138" sldId="271"/>
-            <ac:spMk id="7" creationId="{959513DF-7598-B39D-5374-43A00E7C1D11}"/>
-          </ac:spMkLst>
-        </pc:spChg>
-        <pc:spChg chg="add mod">
-          <ac:chgData name="BOUCADAIR Mohamed INNOV/NET" userId="2acbca90-6db1-4111-98c4-832797dda751" providerId="ADAL" clId="{5E7AF159-790E-476D-B646-0EA162FC4C56}" dt="2024-07-25T10:31:06.040" v="19" actId="14100"/>
-          <ac:spMkLst>
-            <pc:docMk/>
-            <pc:sldMk cId="513082138" sldId="271"/>
-            <ac:spMk id="8" creationId="{5DFD05E8-7913-434C-25CA-289688FED3CE}"/>
-          </ac:spMkLst>
-        </pc:spChg>
-        <pc:spChg chg="add mod">
-          <ac:chgData name="BOUCADAIR Mohamed INNOV/NET" userId="2acbca90-6db1-4111-98c4-832797dda751" providerId="ADAL" clId="{5E7AF159-790E-476D-B646-0EA162FC4C56}" dt="2024-07-25T10:31:23.642" v="34" actId="207"/>
-          <ac:spMkLst>
-            <pc:docMk/>
-            <pc:sldMk cId="513082138" sldId="271"/>
-            <ac:spMk id="9" creationId="{2328023F-1C93-51F0-A761-742333E90631}"/>
-          </ac:spMkLst>
-        </pc:spChg>
-        <pc:picChg chg="add mod">
-          <ac:chgData name="BOUCADAIR Mohamed INNOV/NET" userId="2acbca90-6db1-4111-98c4-832797dda751" providerId="ADAL" clId="{5E7AF159-790E-476D-B646-0EA162FC4C56}" dt="2024-07-25T10:29:41.283" v="2" actId="1076"/>
-          <ac:picMkLst>
-            <pc:docMk/>
-            <pc:sldMk cId="513082138" sldId="271"/>
-            <ac:picMk id="5" creationId="{AF5338B3-82EF-B6E1-3E64-A69B18A3C63B}"/>
-          </ac:picMkLst>
-        </pc:picChg>
-        <pc:picChg chg="del">
-          <ac:chgData name="BOUCADAIR Mohamed INNOV/NET" userId="2acbca90-6db1-4111-98c4-832797dda751" providerId="ADAL" clId="{5E7AF159-790E-476D-B646-0EA162FC4C56}" dt="2024-07-25T10:29:38.004" v="0" actId="478"/>
-          <ac:picMkLst>
-            <pc:docMk/>
-            <pc:sldMk cId="513082138" sldId="271"/>
-            <ac:picMk id="6" creationId="{12D77918-8ECB-6E5D-0965-E81951B65AA8}"/>
-          </ac:picMkLst>
-        </pc:picChg>
-      </pc:sldChg>
-    </pc:docChg>
-  </pc:docChgLst>
-  <pc:docChgLst>
-    <pc:chgData name="BOUCADAIR Mohamed INNOV/NET" userId="2acbca90-6db1-4111-98c4-832797dda751" providerId="ADAL" clId="{59F6FDA4-2B5F-4B5B-B88E-9904D84ED0E1}"/>
-    <pc:docChg chg="custSel addSld delSld modSld">
-      <pc:chgData name="BOUCADAIR Mohamed INNOV/NET" userId="2acbca90-6db1-4111-98c4-832797dda751" providerId="ADAL" clId="{59F6FDA4-2B5F-4B5B-B88E-9904D84ED0E1}" dt="2024-07-25T10:26:57.628" v="582" actId="6549"/>
-      <pc:docMkLst>
-        <pc:docMk/>
-      </pc:docMkLst>
-      <pc:sldChg chg="modSp mod">
-        <pc:chgData name="BOUCADAIR Mohamed INNOV/NET" userId="2acbca90-6db1-4111-98c4-832797dda751" providerId="ADAL" clId="{59F6FDA4-2B5F-4B5B-B88E-9904D84ED0E1}" dt="2024-07-25T10:26:57.628" v="582" actId="6549"/>
-        <pc:sldMkLst>
-          <pc:docMk/>
-          <pc:sldMk cId="2749868532" sldId="268"/>
-        </pc:sldMkLst>
-        <pc:spChg chg="mod">
-          <ac:chgData name="BOUCADAIR Mohamed INNOV/NET" userId="2acbca90-6db1-4111-98c4-832797dda751" providerId="ADAL" clId="{59F6FDA4-2B5F-4B5B-B88E-9904D84ED0E1}" dt="2024-07-25T10:26:57.628" v="582" actId="6549"/>
-          <ac:spMkLst>
-            <pc:docMk/>
-            <pc:sldMk cId="2749868532" sldId="268"/>
-            <ac:spMk id="9" creationId="{BB4F778F-8939-B422-821F-330027B1D08E}"/>
-          </ac:spMkLst>
-        </pc:spChg>
-      </pc:sldChg>
-      <pc:sldChg chg="addSp modSp mod">
-        <pc:chgData name="BOUCADAIR Mohamed INNOV/NET" userId="2acbca90-6db1-4111-98c4-832797dda751" providerId="ADAL" clId="{59F6FDA4-2B5F-4B5B-B88E-9904D84ED0E1}" dt="2024-07-25T10:26:22.246" v="567"/>
-        <pc:sldMkLst>
-          <pc:docMk/>
-          <pc:sldMk cId="3664032414" sldId="270"/>
-        </pc:sldMkLst>
-        <pc:spChg chg="add mod">
-          <ac:chgData name="BOUCADAIR Mohamed INNOV/NET" userId="2acbca90-6db1-4111-98c4-832797dda751" providerId="ADAL" clId="{59F6FDA4-2B5F-4B5B-B88E-9904D84ED0E1}" dt="2024-07-25T10:26:22.246" v="567"/>
-          <ac:spMkLst>
-            <pc:docMk/>
-            <pc:sldMk cId="3664032414" sldId="270"/>
-            <ac:spMk id="3" creationId="{FB0EA3CF-BB8A-1C4E-7A3A-DC28DBA68DD9}"/>
-          </ac:spMkLst>
-        </pc:spChg>
-      </pc:sldChg>
-      <pc:sldChg chg="modSp mod">
-        <pc:chgData name="BOUCADAIR Mohamed INNOV/NET" userId="2acbca90-6db1-4111-98c4-832797dda751" providerId="ADAL" clId="{59F6FDA4-2B5F-4B5B-B88E-9904D84ED0E1}" dt="2024-07-25T10:26:31.140" v="569"/>
-        <pc:sldMkLst>
-          <pc:docMk/>
-          <pc:sldMk cId="514278596" sldId="274"/>
-        </pc:sldMkLst>
-        <pc:spChg chg="mod">
-          <ac:chgData name="BOUCADAIR Mohamed INNOV/NET" userId="2acbca90-6db1-4111-98c4-832797dda751" providerId="ADAL" clId="{59F6FDA4-2B5F-4B5B-B88E-9904D84ED0E1}" dt="2024-07-25T10:26:31.140" v="569"/>
-          <ac:spMkLst>
-            <pc:docMk/>
-            <pc:sldMk cId="514278596" sldId="274"/>
-            <ac:spMk id="5" creationId="{3856129A-94B9-0425-E3E2-66E6DE494147}"/>
-          </ac:spMkLst>
-        </pc:spChg>
-      </pc:sldChg>
-      <pc:sldChg chg="addSp delSp modSp new del mod">
-        <pc:chgData name="BOUCADAIR Mohamed INNOV/NET" userId="2acbca90-6db1-4111-98c4-832797dda751" providerId="ADAL" clId="{59F6FDA4-2B5F-4B5B-B88E-9904D84ED0E1}" dt="2024-07-25T10:24:29.805" v="528" actId="47"/>
-        <pc:sldMkLst>
-          <pc:docMk/>
-          <pc:sldMk cId="1210538029" sldId="276"/>
-        </pc:sldMkLst>
-        <pc:spChg chg="mod">
-          <ac:chgData name="BOUCADAIR Mohamed INNOV/NET" userId="2acbca90-6db1-4111-98c4-832797dda751" providerId="ADAL" clId="{59F6FDA4-2B5F-4B5B-B88E-9904D84ED0E1}" dt="2024-07-25T10:22:05.753" v="475" actId="20577"/>
-          <ac:spMkLst>
-            <pc:docMk/>
-            <pc:sldMk cId="1210538029" sldId="276"/>
-            <ac:spMk id="2" creationId="{8D0A9E63-A403-35AB-D257-445F2EB3A880}"/>
-          </ac:spMkLst>
-        </pc:spChg>
-        <pc:spChg chg="del">
-          <ac:chgData name="BOUCADAIR Mohamed INNOV/NET" userId="2acbca90-6db1-4111-98c4-832797dda751" providerId="ADAL" clId="{59F6FDA4-2B5F-4B5B-B88E-9904D84ED0E1}" dt="2024-07-25T10:21:46.178" v="467" actId="478"/>
-          <ac:spMkLst>
-            <pc:docMk/>
-            <pc:sldMk cId="1210538029" sldId="276"/>
-            <ac:spMk id="3" creationId="{63CE1D58-85E9-DF46-42CD-DDE5467A2C8D}"/>
-          </ac:spMkLst>
-        </pc:spChg>
-        <pc:spChg chg="add mod">
-          <ac:chgData name="BOUCADAIR Mohamed INNOV/NET" userId="2acbca90-6db1-4111-98c4-832797dda751" providerId="ADAL" clId="{59F6FDA4-2B5F-4B5B-B88E-9904D84ED0E1}" dt="2024-07-25T10:22:39.318" v="482" actId="208"/>
-          <ac:spMkLst>
-            <pc:docMk/>
-            <pc:sldMk cId="1210538029" sldId="276"/>
-            <ac:spMk id="7" creationId="{D1B45DFC-0642-CD92-0761-37A3232DD028}"/>
-          </ac:spMkLst>
-        </pc:spChg>
-        <pc:spChg chg="add mod">
-          <ac:chgData name="BOUCADAIR Mohamed INNOV/NET" userId="2acbca90-6db1-4111-98c4-832797dda751" providerId="ADAL" clId="{59F6FDA4-2B5F-4B5B-B88E-9904D84ED0E1}" dt="2024-07-25T10:22:45.686" v="483" actId="1076"/>
-          <ac:spMkLst>
-            <pc:docMk/>
-            <pc:sldMk cId="1210538029" sldId="276"/>
-            <ac:spMk id="8" creationId="{322AA1CE-42C4-221C-C03C-3ADDE5E9428A}"/>
-          </ac:spMkLst>
-        </pc:spChg>
-        <pc:spChg chg="add mod">
-          <ac:chgData name="BOUCADAIR Mohamed INNOV/NET" userId="2acbca90-6db1-4111-98c4-832797dda751" providerId="ADAL" clId="{59F6FDA4-2B5F-4B5B-B88E-9904D84ED0E1}" dt="2024-07-25T10:24:21.471" v="527" actId="14100"/>
-          <ac:spMkLst>
-            <pc:docMk/>
-            <pc:sldMk cId="1210538029" sldId="276"/>
-            <ac:spMk id="9" creationId="{AE3EC158-B6C2-83CD-C9E4-0C689DEC06B5}"/>
-          </ac:spMkLst>
-        </pc:spChg>
-        <pc:picChg chg="add mod">
-          <ac:chgData name="BOUCADAIR Mohamed INNOV/NET" userId="2acbca90-6db1-4111-98c4-832797dda751" providerId="ADAL" clId="{59F6FDA4-2B5F-4B5B-B88E-9904D84ED0E1}" dt="2024-07-25T10:22:03.394" v="473" actId="1076"/>
-          <ac:picMkLst>
-            <pc:docMk/>
-            <pc:sldMk cId="1210538029" sldId="276"/>
-            <ac:picMk id="6" creationId="{841BE516-3EF8-8CC1-7182-2872E92DC3D4}"/>
-          </ac:picMkLst>
-        </pc:picChg>
-      </pc:sldChg>
-    </pc:docChg>
-  </pc:docChgLst>
-  <pc:docChgLst>
-    <pc:chgData name="BOUCADAIR Mohamed INNOV/NET" userId="2acbca90-6db1-4111-98c4-832797dda751" providerId="ADAL" clId="{40AA09E1-26BA-45C8-8F45-A3257F5F94CD}"/>
-    <pc:docChg chg="addSld modSld">
-      <pc:chgData name="BOUCADAIR Mohamed INNOV/NET" userId="2acbca90-6db1-4111-98c4-832797dda751" providerId="ADAL" clId="{40AA09E1-26BA-45C8-8F45-A3257F5F94CD}" dt="2024-07-26T16:49:37.571" v="94" actId="207"/>
-      <pc:docMkLst>
-        <pc:docMk/>
-      </pc:docMkLst>
-      <pc:sldChg chg="modSp new mod">
-        <pc:chgData name="BOUCADAIR Mohamed INNOV/NET" userId="2acbca90-6db1-4111-98c4-832797dda751" providerId="ADAL" clId="{40AA09E1-26BA-45C8-8F45-A3257F5F94CD}" dt="2024-07-26T16:49:28.106" v="92" actId="207"/>
-        <pc:sldMkLst>
-          <pc:docMk/>
-          <pc:sldMk cId="1594230437" sldId="276"/>
-        </pc:sldMkLst>
-        <pc:spChg chg="mod">
-          <ac:chgData name="BOUCADAIR Mohamed INNOV/NET" userId="2acbca90-6db1-4111-98c4-832797dda751" providerId="ADAL" clId="{40AA09E1-26BA-45C8-8F45-A3257F5F94CD}" dt="2024-07-26T16:47:13.796" v="15" actId="20577"/>
-          <ac:spMkLst>
-            <pc:docMk/>
-            <pc:sldMk cId="1594230437" sldId="276"/>
-            <ac:spMk id="2" creationId="{5F704634-0654-8909-B1A1-3A41DEE45E3D}"/>
-          </ac:spMkLst>
-        </pc:spChg>
-        <pc:spChg chg="mod">
-          <ac:chgData name="BOUCADAIR Mohamed INNOV/NET" userId="2acbca90-6db1-4111-98c4-832797dda751" providerId="ADAL" clId="{40AA09E1-26BA-45C8-8F45-A3257F5F94CD}" dt="2024-07-26T16:49:28.106" v="92" actId="207"/>
-          <ac:spMkLst>
-            <pc:docMk/>
-            <pc:sldMk cId="1594230437" sldId="276"/>
-            <ac:spMk id="3" creationId="{9C2E9E4F-D2DD-BA7E-1A8C-6271BFE87061}"/>
-          </ac:spMkLst>
-        </pc:spChg>
-      </pc:sldChg>
-      <pc:sldChg chg="modSp new mod">
-        <pc:chgData name="BOUCADAIR Mohamed INNOV/NET" userId="2acbca90-6db1-4111-98c4-832797dda751" providerId="ADAL" clId="{40AA09E1-26BA-45C8-8F45-A3257F5F94CD}" dt="2024-07-26T16:49:34.205" v="93" actId="207"/>
-        <pc:sldMkLst>
-          <pc:docMk/>
-          <pc:sldMk cId="1522662956" sldId="277"/>
-        </pc:sldMkLst>
-        <pc:spChg chg="mod">
-          <ac:chgData name="BOUCADAIR Mohamed INNOV/NET" userId="2acbca90-6db1-4111-98c4-832797dda751" providerId="ADAL" clId="{40AA09E1-26BA-45C8-8F45-A3257F5F94CD}" dt="2024-07-26T16:48:16.246" v="69" actId="20577"/>
-          <ac:spMkLst>
-            <pc:docMk/>
-            <pc:sldMk cId="1522662956" sldId="277"/>
-            <ac:spMk id="2" creationId="{B171D4B6-37B5-F97A-A308-F6929BAA3B22}"/>
-          </ac:spMkLst>
-        </pc:spChg>
-        <pc:spChg chg="mod">
-          <ac:chgData name="BOUCADAIR Mohamed INNOV/NET" userId="2acbca90-6db1-4111-98c4-832797dda751" providerId="ADAL" clId="{40AA09E1-26BA-45C8-8F45-A3257F5F94CD}" dt="2024-07-26T16:49:34.205" v="93" actId="207"/>
-          <ac:spMkLst>
-            <pc:docMk/>
-            <pc:sldMk cId="1522662956" sldId="277"/>
-            <ac:spMk id="3" creationId="{02F0270B-B543-0040-43B9-7A918D540129}"/>
-          </ac:spMkLst>
-        </pc:spChg>
-      </pc:sldChg>
-      <pc:sldChg chg="modSp new mod">
-        <pc:chgData name="BOUCADAIR Mohamed INNOV/NET" userId="2acbca90-6db1-4111-98c4-832797dda751" providerId="ADAL" clId="{40AA09E1-26BA-45C8-8F45-A3257F5F94CD}" dt="2024-07-26T16:49:37.571" v="94" actId="207"/>
-        <pc:sldMkLst>
-          <pc:docMk/>
-          <pc:sldMk cId="482176988" sldId="278"/>
-        </pc:sldMkLst>
-        <pc:spChg chg="mod">
-          <ac:chgData name="BOUCADAIR Mohamed INNOV/NET" userId="2acbca90-6db1-4111-98c4-832797dda751" providerId="ADAL" clId="{40AA09E1-26BA-45C8-8F45-A3257F5F94CD}" dt="2024-07-26T16:49:37.571" v="94" actId="207"/>
-          <ac:spMkLst>
-            <pc:docMk/>
-            <pc:sldMk cId="482176988" sldId="278"/>
-            <ac:spMk id="3" creationId="{354D1E93-08D4-7AF9-1B2D-B84F0A60F806}"/>
-          </ac:spMkLst>
-        </pc:spChg>
-      </pc:sldChg>
-    </pc:docChg>
-  </pc:docChgLst>
-  <pc:docChgLst>
-    <pc:chgData name="BOUCADAIR Mohamed INNOV/NET" userId="2acbca90-6db1-4111-98c4-832797dda751" providerId="ADAL" clId="{D2F81640-DBF7-4596-A85C-8BBE2BAACBF2}"/>
-    <pc:docChg chg="custSel modSld">
-      <pc:chgData name="BOUCADAIR Mohamed INNOV/NET" userId="2acbca90-6db1-4111-98c4-832797dda751" providerId="ADAL" clId="{D2F81640-DBF7-4596-A85C-8BBE2BAACBF2}" dt="2024-07-16T10:18:13.267" v="236" actId="20577"/>
-      <pc:docMkLst>
-        <pc:docMk/>
-      </pc:docMkLst>
-      <pc:sldChg chg="addSp delSp modSp mod">
-        <pc:chgData name="BOUCADAIR Mohamed INNOV/NET" userId="2acbca90-6db1-4111-98c4-832797dda751" providerId="ADAL" clId="{D2F81640-DBF7-4596-A85C-8BBE2BAACBF2}" dt="2024-07-16T10:15:03.546" v="116" actId="207"/>
-        <pc:sldMkLst>
-          <pc:docMk/>
-          <pc:sldMk cId="19349701" sldId="263"/>
-        </pc:sldMkLst>
-        <pc:spChg chg="mod">
-          <ac:chgData name="BOUCADAIR Mohamed INNOV/NET" userId="2acbca90-6db1-4111-98c4-832797dda751" providerId="ADAL" clId="{D2F81640-DBF7-4596-A85C-8BBE2BAACBF2}" dt="2024-07-16T10:13:55.185" v="81" actId="1076"/>
-          <ac:spMkLst>
-            <pc:docMk/>
-            <pc:sldMk cId="19349701" sldId="263"/>
-            <ac:spMk id="3" creationId="{83D20BE9-2246-7E23-23A9-3B3575F16427}"/>
-          </ac:spMkLst>
-        </pc:spChg>
-        <pc:spChg chg="add del mod">
-          <ac:chgData name="BOUCADAIR Mohamed INNOV/NET" userId="2acbca90-6db1-4111-98c4-832797dda751" providerId="ADAL" clId="{D2F81640-DBF7-4596-A85C-8BBE2BAACBF2}" dt="2024-07-16T10:12:38.365" v="43" actId="478"/>
-          <ac:spMkLst>
-            <pc:docMk/>
-            <pc:sldMk cId="19349701" sldId="263"/>
-            <ac:spMk id="5" creationId="{D704E20F-8DE7-83C2-C8DB-53E580978B4E}"/>
-          </ac:spMkLst>
-        </pc:spChg>
-        <pc:spChg chg="add mod">
-          <ac:chgData name="BOUCADAIR Mohamed INNOV/NET" userId="2acbca90-6db1-4111-98c4-832797dda751" providerId="ADAL" clId="{D2F81640-DBF7-4596-A85C-8BBE2BAACBF2}" dt="2024-07-16T10:14:40.571" v="113" actId="207"/>
-          <ac:spMkLst>
-            <pc:docMk/>
-            <pc:sldMk cId="19349701" sldId="263"/>
-            <ac:spMk id="6" creationId="{BCA2001A-51BF-45CB-C2B7-BB9B0CA4A33D}"/>
-          </ac:spMkLst>
-        </pc:spChg>
-        <pc:spChg chg="add mod ord">
-          <ac:chgData name="BOUCADAIR Mohamed INNOV/NET" userId="2acbca90-6db1-4111-98c4-832797dda751" providerId="ADAL" clId="{D2F81640-DBF7-4596-A85C-8BBE2BAACBF2}" dt="2024-07-16T10:14:05.825" v="108" actId="1037"/>
-          <ac:spMkLst>
-            <pc:docMk/>
-            <pc:sldMk cId="19349701" sldId="263"/>
-            <ac:spMk id="7" creationId="{2B7E25EF-AEAB-D46F-394B-F805E54DA742}"/>
-          </ac:spMkLst>
-        </pc:spChg>
-        <pc:spChg chg="add mod">
-          <ac:chgData name="BOUCADAIR Mohamed INNOV/NET" userId="2acbca90-6db1-4111-98c4-832797dda751" providerId="ADAL" clId="{D2F81640-DBF7-4596-A85C-8BBE2BAACBF2}" dt="2024-07-16T10:15:03.546" v="116" actId="207"/>
-          <ac:spMkLst>
-            <pc:docMk/>
-            <pc:sldMk cId="19349701" sldId="263"/>
-            <ac:spMk id="8" creationId="{43CBEF85-868C-DB6D-8E15-BC44095515A0}"/>
-          </ac:spMkLst>
-        </pc:spChg>
-      </pc:sldChg>
-      <pc:sldChg chg="addSp delSp modSp mod">
-        <pc:chgData name="BOUCADAIR Mohamed INNOV/NET" userId="2acbca90-6db1-4111-98c4-832797dda751" providerId="ADAL" clId="{D2F81640-DBF7-4596-A85C-8BBE2BAACBF2}" dt="2024-07-16T10:18:13.267" v="236" actId="20577"/>
-        <pc:sldMkLst>
-          <pc:docMk/>
-          <pc:sldMk cId="514278596" sldId="274"/>
-        </pc:sldMkLst>
-        <pc:spChg chg="mod">
-          <ac:chgData name="BOUCADAIR Mohamed INNOV/NET" userId="2acbca90-6db1-4111-98c4-832797dda751" providerId="ADAL" clId="{D2F81640-DBF7-4596-A85C-8BBE2BAACBF2}" dt="2024-07-16T10:18:13.267" v="236" actId="20577"/>
-          <ac:spMkLst>
-            <pc:docMk/>
-            <pc:sldMk cId="514278596" sldId="274"/>
-            <ac:spMk id="5" creationId="{3856129A-94B9-0425-E3E2-66E6DE494147}"/>
-          </ac:spMkLst>
-        </pc:spChg>
-        <pc:spChg chg="add del mod">
-          <ac:chgData name="BOUCADAIR Mohamed INNOV/NET" userId="2acbca90-6db1-4111-98c4-832797dda751" providerId="ADAL" clId="{D2F81640-DBF7-4596-A85C-8BBE2BAACBF2}" dt="2024-07-16T10:17:47.377" v="230" actId="478"/>
-          <ac:spMkLst>
-            <pc:docMk/>
-            <pc:sldMk cId="514278596" sldId="274"/>
-            <ac:spMk id="6" creationId="{2AF546A0-30B2-8592-4398-B35176E22E58}"/>
-          </ac:spMkLst>
-        </pc:spChg>
-        <pc:spChg chg="add del mod">
-          <ac:chgData name="BOUCADAIR Mohamed INNOV/NET" userId="2acbca90-6db1-4111-98c4-832797dda751" providerId="ADAL" clId="{D2F81640-DBF7-4596-A85C-8BBE2BAACBF2}" dt="2024-07-16T10:17:49.657" v="231" actId="478"/>
-          <ac:spMkLst>
-            <pc:docMk/>
-            <pc:sldMk cId="514278596" sldId="274"/>
-            <ac:spMk id="7" creationId="{DCD64453-FCEB-586A-5A4E-B232DB3AEA38}"/>
-          </ac:spMkLst>
-        </pc:spChg>
-      </pc:sldChg>
-    </pc:docChg>
-  </pc:docChgLst>
-  <pc:docChgLst>
-    <pc:chgData name="BOUCADAIR Mohamed INNOV/NET" userId="2acbca90-6db1-4111-98c4-832797dda751" providerId="ADAL" clId="{04B23A7E-399E-471A-AF15-99BD7BD17AB6}"/>
-    <pc:docChg chg="undo custSel addSld delSld modSld">
-      <pc:chgData name="BOUCADAIR Mohamed INNOV/NET" userId="2acbca90-6db1-4111-98c4-832797dda751" providerId="ADAL" clId="{04B23A7E-399E-471A-AF15-99BD7BD17AB6}" dt="2024-07-09T13:46:20.950" v="2122" actId="1076"/>
-      <pc:docMkLst>
-        <pc:docMk/>
-      </pc:docMkLst>
-      <pc:sldChg chg="modSp mod">
-        <pc:chgData name="BOUCADAIR Mohamed INNOV/NET" userId="2acbca90-6db1-4111-98c4-832797dda751" providerId="ADAL" clId="{04B23A7E-399E-471A-AF15-99BD7BD17AB6}" dt="2024-07-09T13:04:02.806" v="15" actId="20577"/>
-        <pc:sldMkLst>
-          <pc:docMk/>
-          <pc:sldMk cId="0" sldId="256"/>
-        </pc:sldMkLst>
-        <pc:spChg chg="mod">
-          <ac:chgData name="BOUCADAIR Mohamed INNOV/NET" userId="2acbca90-6db1-4111-98c4-832797dda751" providerId="ADAL" clId="{04B23A7E-399E-471A-AF15-99BD7BD17AB6}" dt="2024-07-09T13:04:02.806" v="15" actId="20577"/>
-          <ac:spMkLst>
-            <pc:docMk/>
-            <pc:sldMk cId="0" sldId="256"/>
-            <ac:spMk id="100" creationId="{00000000-0000-0000-0000-000000000000}"/>
-          </ac:spMkLst>
-        </pc:spChg>
-      </pc:sldChg>
-      <pc:sldChg chg="modSp mod">
-        <pc:chgData name="BOUCADAIR Mohamed INNOV/NET" userId="2acbca90-6db1-4111-98c4-832797dda751" providerId="ADAL" clId="{04B23A7E-399E-471A-AF15-99BD7BD17AB6}" dt="2024-07-09T13:01:30.203" v="5" actId="20577"/>
-        <pc:sldMkLst>
-          <pc:docMk/>
-          <pc:sldMk cId="0" sldId="259"/>
-        </pc:sldMkLst>
-        <pc:spChg chg="mod">
-          <ac:chgData name="BOUCADAIR Mohamed INNOV/NET" userId="2acbca90-6db1-4111-98c4-832797dda751" providerId="ADAL" clId="{04B23A7E-399E-471A-AF15-99BD7BD17AB6}" dt="2024-07-09T13:01:30.203" v="5" actId="20577"/>
-          <ac:spMkLst>
-            <pc:docMk/>
-            <pc:sldMk cId="0" sldId="259"/>
-            <ac:spMk id="119" creationId="{00000000-0000-0000-0000-000000000000}"/>
-          </ac:spMkLst>
-        </pc:spChg>
-      </pc:sldChg>
-      <pc:sldChg chg="addSp delSp modSp mod">
-        <pc:chgData name="BOUCADAIR Mohamed INNOV/NET" userId="2acbca90-6db1-4111-98c4-832797dda751" providerId="ADAL" clId="{04B23A7E-399E-471A-AF15-99BD7BD17AB6}" dt="2024-07-09T13:03:44.576" v="13" actId="1076"/>
-        <pc:sldMkLst>
-          <pc:docMk/>
-          <pc:sldMk cId="4281018982" sldId="260"/>
-        </pc:sldMkLst>
-        <pc:picChg chg="add mod">
-          <ac:chgData name="BOUCADAIR Mohamed INNOV/NET" userId="2acbca90-6db1-4111-98c4-832797dda751" providerId="ADAL" clId="{04B23A7E-399E-471A-AF15-99BD7BD17AB6}" dt="2024-07-09T13:03:44.576" v="13" actId="1076"/>
-          <ac:picMkLst>
-            <pc:docMk/>
-            <pc:sldMk cId="4281018982" sldId="260"/>
-            <ac:picMk id="5" creationId="{E0480E87-A353-DADC-D1B1-AACECF0A1620}"/>
-          </ac:picMkLst>
-        </pc:picChg>
-        <pc:picChg chg="del">
-          <ac:chgData name="BOUCADAIR Mohamed INNOV/NET" userId="2acbca90-6db1-4111-98c4-832797dda751" providerId="ADAL" clId="{04B23A7E-399E-471A-AF15-99BD7BD17AB6}" dt="2024-07-09T13:03:30.956" v="6" actId="478"/>
-          <ac:picMkLst>
-            <pc:docMk/>
-            <pc:sldMk cId="4281018982" sldId="260"/>
-            <ac:picMk id="6" creationId="{46DFF84C-CA36-512F-A0E0-AAB4F1117E94}"/>
-          </ac:picMkLst>
-        </pc:picChg>
-      </pc:sldChg>
-      <pc:sldChg chg="del">
-        <pc:chgData name="BOUCADAIR Mohamed INNOV/NET" userId="2acbca90-6db1-4111-98c4-832797dda751" providerId="ADAL" clId="{04B23A7E-399E-471A-AF15-99BD7BD17AB6}" dt="2024-07-09T13:04:09.311" v="16" actId="47"/>
-        <pc:sldMkLst>
-          <pc:docMk/>
-          <pc:sldMk cId="2413574873" sldId="261"/>
-        </pc:sldMkLst>
-      </pc:sldChg>
-      <pc:sldChg chg="addSp delSp modSp mod">
-        <pc:chgData name="BOUCADAIR Mohamed INNOV/NET" userId="2acbca90-6db1-4111-98c4-832797dda751" providerId="ADAL" clId="{04B23A7E-399E-471A-AF15-99BD7BD17AB6}" dt="2024-07-09T13:32:03.800" v="1472" actId="1076"/>
-        <pc:sldMkLst>
-          <pc:docMk/>
-          <pc:sldMk cId="2741112941" sldId="262"/>
-        </pc:sldMkLst>
-        <pc:picChg chg="add mod">
-          <ac:chgData name="BOUCADAIR Mohamed INNOV/NET" userId="2acbca90-6db1-4111-98c4-832797dda751" providerId="ADAL" clId="{04B23A7E-399E-471A-AF15-99BD7BD17AB6}" dt="2024-07-09T13:32:03.800" v="1472" actId="1076"/>
-          <ac:picMkLst>
-            <pc:docMk/>
-            <pc:sldMk cId="2741112941" sldId="262"/>
-            <ac:picMk id="5" creationId="{DA1DF097-E970-39B4-9EFE-9114E5748C9C}"/>
-          </ac:picMkLst>
-        </pc:picChg>
-        <pc:picChg chg="del">
-          <ac:chgData name="BOUCADAIR Mohamed INNOV/NET" userId="2acbca90-6db1-4111-98c4-832797dda751" providerId="ADAL" clId="{04B23A7E-399E-471A-AF15-99BD7BD17AB6}" dt="2024-07-09T13:19:34.346" v="402" actId="478"/>
-          <ac:picMkLst>
-            <pc:docMk/>
-            <pc:sldMk cId="2741112941" sldId="262"/>
-            <ac:picMk id="8" creationId="{0CC9E310-60CA-3247-E541-3DF38738D34C}"/>
-          </ac:picMkLst>
-        </pc:picChg>
-      </pc:sldChg>
-      <pc:sldChg chg="delSp del mod">
-        <pc:chgData name="BOUCADAIR Mohamed INNOV/NET" userId="2acbca90-6db1-4111-98c4-832797dda751" providerId="ADAL" clId="{04B23A7E-399E-471A-AF15-99BD7BD17AB6}" dt="2024-07-09T13:33:56.660" v="1480" actId="47"/>
-        <pc:sldMkLst>
-          <pc:docMk/>
-          <pc:sldMk cId="3612012591" sldId="264"/>
-        </pc:sldMkLst>
-        <pc:picChg chg="del">
-          <ac:chgData name="BOUCADAIR Mohamed INNOV/NET" userId="2acbca90-6db1-4111-98c4-832797dda751" providerId="ADAL" clId="{04B23A7E-399E-471A-AF15-99BD7BD17AB6}" dt="2024-07-09T13:19:45.169" v="403" actId="478"/>
-          <ac:picMkLst>
-            <pc:docMk/>
-            <pc:sldMk cId="3612012591" sldId="264"/>
-            <ac:picMk id="6" creationId="{968031BF-5BFC-7F68-13A8-B60308AD4B75}"/>
-          </ac:picMkLst>
-        </pc:picChg>
-      </pc:sldChg>
-      <pc:sldChg chg="addSp delSp modSp mod">
-        <pc:chgData name="BOUCADAIR Mohamed INNOV/NET" userId="2acbca90-6db1-4111-98c4-832797dda751" providerId="ADAL" clId="{04B23A7E-399E-471A-AF15-99BD7BD17AB6}" dt="2024-07-09T13:33:47.490" v="1479" actId="1076"/>
-        <pc:sldMkLst>
-          <pc:docMk/>
-          <pc:sldMk cId="387226972" sldId="265"/>
-        </pc:sldMkLst>
-        <pc:picChg chg="add mod">
-          <ac:chgData name="BOUCADAIR Mohamed INNOV/NET" userId="2acbca90-6db1-4111-98c4-832797dda751" providerId="ADAL" clId="{04B23A7E-399E-471A-AF15-99BD7BD17AB6}" dt="2024-07-09T13:33:47.490" v="1479" actId="1076"/>
-          <ac:picMkLst>
-            <pc:docMk/>
-            <pc:sldMk cId="387226972" sldId="265"/>
-            <ac:picMk id="5" creationId="{F03B6572-47A5-6283-E80E-CC320D09759E}"/>
-          </ac:picMkLst>
-        </pc:picChg>
-        <pc:picChg chg="del">
-          <ac:chgData name="BOUCADAIR Mohamed INNOV/NET" userId="2acbca90-6db1-4111-98c4-832797dda751" providerId="ADAL" clId="{04B23A7E-399E-471A-AF15-99BD7BD17AB6}" dt="2024-07-09T13:19:49.064" v="404" actId="478"/>
-          <ac:picMkLst>
-            <pc:docMk/>
-            <pc:sldMk cId="387226972" sldId="265"/>
-            <ac:picMk id="6" creationId="{217235ED-FBFC-D21F-D1EF-0C2C7A1F8517}"/>
-          </ac:picMkLst>
-        </pc:picChg>
-      </pc:sldChg>
-      <pc:sldChg chg="addSp delSp modSp mod">
-        <pc:chgData name="BOUCADAIR Mohamed INNOV/NET" userId="2acbca90-6db1-4111-98c4-832797dda751" providerId="ADAL" clId="{04B23A7E-399E-471A-AF15-99BD7BD17AB6}" dt="2024-07-09T13:34:22.581" v="1483" actId="1076"/>
-        <pc:sldMkLst>
-          <pc:docMk/>
-          <pc:sldMk cId="2598639338" sldId="266"/>
-        </pc:sldMkLst>
-        <pc:picChg chg="add mod">
-          <ac:chgData name="BOUCADAIR Mohamed INNOV/NET" userId="2acbca90-6db1-4111-98c4-832797dda751" providerId="ADAL" clId="{04B23A7E-399E-471A-AF15-99BD7BD17AB6}" dt="2024-07-09T13:34:22.581" v="1483" actId="1076"/>
-          <ac:picMkLst>
-            <pc:docMk/>
-            <pc:sldMk cId="2598639338" sldId="266"/>
-            <ac:picMk id="5" creationId="{93F25105-2C69-7289-9EBE-0B84BC223747}"/>
-          </ac:picMkLst>
-        </pc:picChg>
-        <pc:picChg chg="del">
-          <ac:chgData name="BOUCADAIR Mohamed INNOV/NET" userId="2acbca90-6db1-4111-98c4-832797dda751" providerId="ADAL" clId="{04B23A7E-399E-471A-AF15-99BD7BD17AB6}" dt="2024-07-09T13:19:52.809" v="405" actId="478"/>
-          <ac:picMkLst>
-            <pc:docMk/>
-            <pc:sldMk cId="2598639338" sldId="266"/>
-            <ac:picMk id="6" creationId="{38D5BB06-F0F7-DFF9-3F09-A52289D316DC}"/>
-          </ac:picMkLst>
-        </pc:picChg>
-      </pc:sldChg>
-      <pc:sldChg chg="addSp delSp modSp mod">
-        <pc:chgData name="BOUCADAIR Mohamed INNOV/NET" userId="2acbca90-6db1-4111-98c4-832797dda751" providerId="ADAL" clId="{04B23A7E-399E-471A-AF15-99BD7BD17AB6}" dt="2024-07-09T13:34:49.171" v="1487" actId="1076"/>
-        <pc:sldMkLst>
-          <pc:docMk/>
-          <pc:sldMk cId="434990054" sldId="267"/>
-        </pc:sldMkLst>
-        <pc:picChg chg="add mod">
-          <ac:chgData name="BOUCADAIR Mohamed INNOV/NET" userId="2acbca90-6db1-4111-98c4-832797dda751" providerId="ADAL" clId="{04B23A7E-399E-471A-AF15-99BD7BD17AB6}" dt="2024-07-09T13:34:49.171" v="1487" actId="1076"/>
-          <ac:picMkLst>
-            <pc:docMk/>
-            <pc:sldMk cId="434990054" sldId="267"/>
-            <ac:picMk id="5" creationId="{E7D37A68-D0ED-580F-4377-7FC5832DC71D}"/>
-          </ac:picMkLst>
-        </pc:picChg>
-        <pc:picChg chg="del">
-          <ac:chgData name="BOUCADAIR Mohamed INNOV/NET" userId="2acbca90-6db1-4111-98c4-832797dda751" providerId="ADAL" clId="{04B23A7E-399E-471A-AF15-99BD7BD17AB6}" dt="2024-07-09T13:19:55.744" v="406" actId="478"/>
-          <ac:picMkLst>
-            <pc:docMk/>
-            <pc:sldMk cId="434990054" sldId="267"/>
-            <ac:picMk id="6" creationId="{F7D14445-C60B-A091-4538-3978ADB49F41}"/>
-          </ac:picMkLst>
-        </pc:picChg>
-      </pc:sldChg>
-      <pc:sldChg chg="modSp del mod">
-        <pc:chgData name="BOUCADAIR Mohamed INNOV/NET" userId="2acbca90-6db1-4111-98c4-832797dda751" providerId="ADAL" clId="{04B23A7E-399E-471A-AF15-99BD7BD17AB6}" dt="2024-07-09T13:20:07.629" v="422" actId="2696"/>
-        <pc:sldMkLst>
-          <pc:docMk/>
-          <pc:sldMk cId="2744678712" sldId="268"/>
-        </pc:sldMkLst>
-        <pc:spChg chg="mod">
-          <ac:chgData name="BOUCADAIR Mohamed INNOV/NET" userId="2acbca90-6db1-4111-98c4-832797dda751" providerId="ADAL" clId="{04B23A7E-399E-471A-AF15-99BD7BD17AB6}" dt="2024-07-09T13:20:02.599" v="421" actId="20577"/>
-          <ac:spMkLst>
-            <pc:docMk/>
-            <pc:sldMk cId="2744678712" sldId="268"/>
-            <ac:spMk id="2" creationId="{8CA407AD-6D47-FD00-DB11-370AFCFFA6C2}"/>
-          </ac:spMkLst>
-        </pc:spChg>
-      </pc:sldChg>
-      <pc:sldChg chg="addSp delSp modSp add mod">
-        <pc:chgData name="BOUCADAIR Mohamed INNOV/NET" userId="2acbca90-6db1-4111-98c4-832797dda751" providerId="ADAL" clId="{04B23A7E-399E-471A-AF15-99BD7BD17AB6}" dt="2024-07-09T13:30:54.590" v="1428" actId="207"/>
-        <pc:sldMkLst>
-          <pc:docMk/>
-          <pc:sldMk cId="2749868532" sldId="268"/>
-        </pc:sldMkLst>
-        <pc:spChg chg="mod">
-          <ac:chgData name="BOUCADAIR Mohamed INNOV/NET" userId="2acbca90-6db1-4111-98c4-832797dda751" providerId="ADAL" clId="{04B23A7E-399E-471A-AF15-99BD7BD17AB6}" dt="2024-07-09T13:24:31.953" v="631" actId="20577"/>
-          <ac:spMkLst>
-            <pc:docMk/>
-            <pc:sldMk cId="2749868532" sldId="268"/>
-            <ac:spMk id="2" creationId="{8CA407AD-6D47-FD00-DB11-370AFCFFA6C2}"/>
-          </ac:spMkLst>
-        </pc:spChg>
-        <pc:spChg chg="del mod">
-          <ac:chgData name="BOUCADAIR Mohamed INNOV/NET" userId="2acbca90-6db1-4111-98c4-832797dda751" providerId="ADAL" clId="{04B23A7E-399E-471A-AF15-99BD7BD17AB6}" dt="2024-07-09T13:24:16.190" v="609" actId="478"/>
-          <ac:spMkLst>
-            <pc:docMk/>
-            <pc:sldMk cId="2749868532" sldId="268"/>
-            <ac:spMk id="3" creationId="{B67B3B04-DF1C-0310-6F85-2177B65D1455}"/>
-          </ac:spMkLst>
-        </pc:spChg>
-        <pc:spChg chg="add del mod">
-          <ac:chgData name="BOUCADAIR Mohamed INNOV/NET" userId="2acbca90-6db1-4111-98c4-832797dda751" providerId="ADAL" clId="{04B23A7E-399E-471A-AF15-99BD7BD17AB6}" dt="2024-07-09T13:24:18.530" v="610" actId="478"/>
-          <ac:spMkLst>
-            <pc:docMk/>
-            <pc:sldMk cId="2749868532" sldId="268"/>
-            <ac:spMk id="6" creationId="{18A56FC8-F204-9978-27CF-A18FFEBAFEB2}"/>
-          </ac:spMkLst>
-        </pc:spChg>
-        <pc:spChg chg="add mod">
-          <ac:chgData name="BOUCADAIR Mohamed INNOV/NET" userId="2acbca90-6db1-4111-98c4-832797dda751" providerId="ADAL" clId="{04B23A7E-399E-471A-AF15-99BD7BD17AB6}" dt="2024-07-09T13:30:54.590" v="1428" actId="207"/>
-          <ac:spMkLst>
-            <pc:docMk/>
-            <pc:sldMk cId="2749868532" sldId="268"/>
-            <ac:spMk id="9" creationId="{BB4F778F-8939-B422-821F-330027B1D08E}"/>
-          </ac:spMkLst>
-        </pc:spChg>
-        <pc:spChg chg="add mod">
-          <ac:chgData name="BOUCADAIR Mohamed INNOV/NET" userId="2acbca90-6db1-4111-98c4-832797dda751" providerId="ADAL" clId="{04B23A7E-399E-471A-AF15-99BD7BD17AB6}" dt="2024-07-09T13:26:28.919" v="857" actId="207"/>
-          <ac:spMkLst>
-            <pc:docMk/>
-            <pc:sldMk cId="2749868532" sldId="268"/>
-            <ac:spMk id="10" creationId="{6753B80D-E21A-2B6E-F15B-C5F5C28745C1}"/>
-          </ac:spMkLst>
-        </pc:spChg>
-        <pc:spChg chg="add mod">
-          <ac:chgData name="BOUCADAIR Mohamed INNOV/NET" userId="2acbca90-6db1-4111-98c4-832797dda751" providerId="ADAL" clId="{04B23A7E-399E-471A-AF15-99BD7BD17AB6}" dt="2024-07-09T13:26:19.039" v="855" actId="207"/>
-          <ac:spMkLst>
-            <pc:docMk/>
-            <pc:sldMk cId="2749868532" sldId="268"/>
-            <ac:spMk id="11" creationId="{DC4BF35C-BFF9-5971-37E5-50C2228413AC}"/>
-          </ac:spMkLst>
-        </pc:spChg>
-        <pc:spChg chg="add mod">
-          <ac:chgData name="BOUCADAIR Mohamed INNOV/NET" userId="2acbca90-6db1-4111-98c4-832797dda751" providerId="ADAL" clId="{04B23A7E-399E-471A-AF15-99BD7BD17AB6}" dt="2024-07-09T13:26:28.919" v="857" actId="207"/>
-          <ac:spMkLst>
-            <pc:docMk/>
-            <pc:sldMk cId="2749868532" sldId="268"/>
-            <ac:spMk id="12" creationId="{26A20807-2E93-A134-BAA6-3FCD22B75060}"/>
-          </ac:spMkLst>
-        </pc:spChg>
-        <pc:spChg chg="add mod">
-          <ac:chgData name="BOUCADAIR Mohamed INNOV/NET" userId="2acbca90-6db1-4111-98c4-832797dda751" providerId="ADAL" clId="{04B23A7E-399E-471A-AF15-99BD7BD17AB6}" dt="2024-07-09T13:26:19.039" v="855" actId="207"/>
-          <ac:spMkLst>
-            <pc:docMk/>
-            <pc:sldMk cId="2749868532" sldId="268"/>
-            <ac:spMk id="13" creationId="{71AE8C77-12CC-F31F-BC58-52C69B497F3B}"/>
-          </ac:spMkLst>
-        </pc:spChg>
-        <pc:picChg chg="add mod">
-          <ac:chgData name="BOUCADAIR Mohamed INNOV/NET" userId="2acbca90-6db1-4111-98c4-832797dda751" providerId="ADAL" clId="{04B23A7E-399E-471A-AF15-99BD7BD17AB6}" dt="2024-07-09T13:24:38.310" v="633" actId="1076"/>
-          <ac:picMkLst>
-            <pc:docMk/>
-            <pc:sldMk cId="2749868532" sldId="268"/>
-            <ac:picMk id="8" creationId="{B09291F4-29A8-006B-DB58-803654E0FABB}"/>
-          </ac:picMkLst>
-        </pc:picChg>
-      </pc:sldChg>
-      <pc:sldChg chg="addSp delSp modSp new mod">
-        <pc:chgData name="BOUCADAIR Mohamed INNOV/NET" userId="2acbca90-6db1-4111-98c4-832797dda751" providerId="ADAL" clId="{04B23A7E-399E-471A-AF15-99BD7BD17AB6}" dt="2024-07-09T13:26:40.370" v="860" actId="207"/>
-        <pc:sldMkLst>
-          <pc:docMk/>
-          <pc:sldMk cId="2036077658" sldId="269"/>
-        </pc:sldMkLst>
-        <pc:spChg chg="mod">
-          <ac:chgData name="BOUCADAIR Mohamed INNOV/NET" userId="2acbca90-6db1-4111-98c4-832797dda751" providerId="ADAL" clId="{04B23A7E-399E-471A-AF15-99BD7BD17AB6}" dt="2024-07-09T13:04:42.056" v="35" actId="20577"/>
-          <ac:spMkLst>
-            <pc:docMk/>
-            <pc:sldMk cId="2036077658" sldId="269"/>
-            <ac:spMk id="2" creationId="{27E3E189-1149-67C2-5B6B-EAAE3360D398}"/>
-          </ac:spMkLst>
-        </pc:spChg>
-        <pc:spChg chg="del">
-          <ac:chgData name="BOUCADAIR Mohamed INNOV/NET" userId="2acbca90-6db1-4111-98c4-832797dda751" providerId="ADAL" clId="{04B23A7E-399E-471A-AF15-99BD7BD17AB6}" dt="2024-07-09T13:04:54.347" v="55" actId="478"/>
-          <ac:spMkLst>
-            <pc:docMk/>
-            <pc:sldMk cId="2036077658" sldId="269"/>
-            <ac:spMk id="3" creationId="{9B15DA8B-7D10-EC71-A3F7-FD2EBD02AF22}"/>
-          </ac:spMkLst>
-        </pc:spChg>
-        <pc:spChg chg="add del mod">
-          <ac:chgData name="BOUCADAIR Mohamed INNOV/NET" userId="2acbca90-6db1-4111-98c4-832797dda751" providerId="ADAL" clId="{04B23A7E-399E-471A-AF15-99BD7BD17AB6}" dt="2024-07-09T13:07:55.758" v="114" actId="11529"/>
-          <ac:spMkLst>
-            <pc:docMk/>
-            <pc:sldMk cId="2036077658" sldId="269"/>
-            <ac:spMk id="9" creationId="{923B12CD-AC24-F57B-4348-9F8AE95B5EA4}"/>
-          </ac:spMkLst>
-        </pc:spChg>
-        <pc:spChg chg="add del mod">
-          <ac:chgData name="BOUCADAIR Mohamed INNOV/NET" userId="2acbca90-6db1-4111-98c4-832797dda751" providerId="ADAL" clId="{04B23A7E-399E-471A-AF15-99BD7BD17AB6}" dt="2024-07-09T13:11:01.739" v="261" actId="478"/>
-          <ac:spMkLst>
-            <pc:docMk/>
-            <pc:sldMk cId="2036077658" sldId="269"/>
-            <ac:spMk id="10" creationId="{3E357CB8-4590-FB3E-650F-3302DEFA0494}"/>
-          </ac:spMkLst>
-        </pc:spChg>
-        <pc:spChg chg="add del mod">
-          <ac:chgData name="BOUCADAIR Mohamed INNOV/NET" userId="2acbca90-6db1-4111-98c4-832797dda751" providerId="ADAL" clId="{04B23A7E-399E-471A-AF15-99BD7BD17AB6}" dt="2024-07-09T13:10:59.729" v="260" actId="478"/>
-          <ac:spMkLst>
-            <pc:docMk/>
-            <pc:sldMk cId="2036077658" sldId="269"/>
-            <ac:spMk id="11" creationId="{D5968345-D258-80BA-E8A5-578F648587D7}"/>
-          </ac:spMkLst>
-        </pc:spChg>
-        <pc:spChg chg="add mod">
-          <ac:chgData name="BOUCADAIR Mohamed INNOV/NET" userId="2acbca90-6db1-4111-98c4-832797dda751" providerId="ADAL" clId="{04B23A7E-399E-471A-AF15-99BD7BD17AB6}" dt="2024-07-09T13:26:40.370" v="860" actId="207"/>
-          <ac:spMkLst>
-            <pc:docMk/>
-            <pc:sldMk cId="2036077658" sldId="269"/>
-            <ac:spMk id="12" creationId="{7149D40D-4212-0A4B-3E03-BFC00136F58E}"/>
-          </ac:spMkLst>
-        </pc:spChg>
-        <pc:spChg chg="add mod">
-          <ac:chgData name="BOUCADAIR Mohamed INNOV/NET" userId="2acbca90-6db1-4111-98c4-832797dda751" providerId="ADAL" clId="{04B23A7E-399E-471A-AF15-99BD7BD17AB6}" dt="2024-07-09T13:18:47.419" v="392" actId="14100"/>
-          <ac:spMkLst>
-            <pc:docMk/>
-            <pc:sldMk cId="2036077658" sldId="269"/>
-            <ac:spMk id="13" creationId="{2DD6D868-10B4-CC3E-4827-0FDCBD37AF7B}"/>
-          </ac:spMkLst>
-        </pc:spChg>
-        <pc:picChg chg="add del mod">
-          <ac:chgData name="BOUCADAIR Mohamed INNOV/NET" userId="2acbca90-6db1-4111-98c4-832797dda751" providerId="ADAL" clId="{04B23A7E-399E-471A-AF15-99BD7BD17AB6}" dt="2024-07-09T13:07:12.343" v="105" actId="478"/>
-          <ac:picMkLst>
-            <pc:docMk/>
-            <pc:sldMk cId="2036077658" sldId="269"/>
-            <ac:picMk id="6" creationId="{FCA086F3-84C9-6FBC-7FD0-4FCAF94528C1}"/>
-          </ac:picMkLst>
-        </pc:picChg>
-        <pc:picChg chg="add mod">
-          <ac:chgData name="BOUCADAIR Mohamed INNOV/NET" userId="2acbca90-6db1-4111-98c4-832797dda751" providerId="ADAL" clId="{04B23A7E-399E-471A-AF15-99BD7BD17AB6}" dt="2024-07-09T13:07:21.587" v="110" actId="1076"/>
-          <ac:picMkLst>
-            <pc:docMk/>
-            <pc:sldMk cId="2036077658" sldId="269"/>
-            <ac:picMk id="8" creationId="{38D51956-00D8-04E4-45F8-6C5F18AA5497}"/>
-          </ac:picMkLst>
-        </pc:picChg>
-      </pc:sldChg>
-      <pc:sldChg chg="addSp delSp modSp new mod">
-        <pc:chgData name="BOUCADAIR Mohamed INNOV/NET" userId="2acbca90-6db1-4111-98c4-832797dda751" providerId="ADAL" clId="{04B23A7E-399E-471A-AF15-99BD7BD17AB6}" dt="2024-07-09T13:17:19.849" v="337" actId="14100"/>
-        <pc:sldMkLst>
-          <pc:docMk/>
-          <pc:sldMk cId="3664032414" sldId="270"/>
-        </pc:sldMkLst>
-        <pc:spChg chg="mod">
-          <ac:chgData name="BOUCADAIR Mohamed INNOV/NET" userId="2acbca90-6db1-4111-98c4-832797dda751" providerId="ADAL" clId="{04B23A7E-399E-471A-AF15-99BD7BD17AB6}" dt="2024-07-09T13:04:51.226" v="54" actId="20577"/>
-          <ac:spMkLst>
-            <pc:docMk/>
-            <pc:sldMk cId="3664032414" sldId="270"/>
-            <ac:spMk id="2" creationId="{811F3C97-3A33-D850-D416-0B091EB7FBF3}"/>
-          </ac:spMkLst>
-        </pc:spChg>
-        <pc:spChg chg="del mod">
-          <ac:chgData name="BOUCADAIR Mohamed INNOV/NET" userId="2acbca90-6db1-4111-98c4-832797dda751" providerId="ADAL" clId="{04B23A7E-399E-471A-AF15-99BD7BD17AB6}" dt="2024-07-09T13:16:34.551" v="333" actId="478"/>
-          <ac:spMkLst>
-            <pc:docMk/>
-            <pc:sldMk cId="3664032414" sldId="270"/>
-            <ac:spMk id="3" creationId="{260FEF35-0833-94A5-A29F-253067932B30}"/>
-          </ac:spMkLst>
-        </pc:spChg>
-        <pc:spChg chg="add del mod">
-          <ac:chgData name="BOUCADAIR Mohamed INNOV/NET" userId="2acbca90-6db1-4111-98c4-832797dda751" providerId="ADAL" clId="{04B23A7E-399E-471A-AF15-99BD7BD17AB6}" dt="2024-07-09T13:16:36.639" v="334" actId="478"/>
-          <ac:spMkLst>
-            <pc:docMk/>
-            <pc:sldMk cId="3664032414" sldId="270"/>
-            <ac:spMk id="6" creationId="{3A8397A2-8B42-F11B-C733-F4E7651F81FD}"/>
-          </ac:spMkLst>
-        </pc:spChg>
-        <pc:picChg chg="add mod">
-          <ac:chgData name="BOUCADAIR Mohamed INNOV/NET" userId="2acbca90-6db1-4111-98c4-832797dda751" providerId="ADAL" clId="{04B23A7E-399E-471A-AF15-99BD7BD17AB6}" dt="2024-07-09T13:17:19.849" v="337" actId="14100"/>
-          <ac:picMkLst>
-            <pc:docMk/>
-            <pc:sldMk cId="3664032414" sldId="270"/>
-            <ac:picMk id="8" creationId="{551F903C-01AE-4B3F-2FEE-23A34BB49072}"/>
-          </ac:picMkLst>
-        </pc:picChg>
-      </pc:sldChg>
-      <pc:sldChg chg="addSp delSp modSp new mod">
-        <pc:chgData name="BOUCADAIR Mohamed INNOV/NET" userId="2acbca90-6db1-4111-98c4-832797dda751" providerId="ADAL" clId="{04B23A7E-399E-471A-AF15-99BD7BD17AB6}" dt="2024-07-09T13:06:01.096" v="98" actId="20577"/>
-        <pc:sldMkLst>
-          <pc:docMk/>
-          <pc:sldMk cId="513082138" sldId="271"/>
-        </pc:sldMkLst>
-        <pc:spChg chg="mod">
-          <ac:chgData name="BOUCADAIR Mohamed INNOV/NET" userId="2acbca90-6db1-4111-98c4-832797dda751" providerId="ADAL" clId="{04B23A7E-399E-471A-AF15-99BD7BD17AB6}" dt="2024-07-09T13:06:01.096" v="98" actId="20577"/>
-          <ac:spMkLst>
-            <pc:docMk/>
-            <pc:sldMk cId="513082138" sldId="271"/>
-            <ac:spMk id="2" creationId="{749610CD-6079-B85C-6D60-DC878DD62E6C}"/>
-          </ac:spMkLst>
-        </pc:spChg>
-        <pc:spChg chg="del">
-          <ac:chgData name="BOUCADAIR Mohamed INNOV/NET" userId="2acbca90-6db1-4111-98c4-832797dda751" providerId="ADAL" clId="{04B23A7E-399E-471A-AF15-99BD7BD17AB6}" dt="2024-07-09T13:05:45.707" v="87" actId="478"/>
-          <ac:spMkLst>
-            <pc:docMk/>
-            <pc:sldMk cId="513082138" sldId="271"/>
-            <ac:spMk id="3" creationId="{2F37224F-E96D-7CE0-BF6B-85FB384EE25C}"/>
-          </ac:spMkLst>
-        </pc:spChg>
-        <pc:picChg chg="add mod">
-          <ac:chgData name="BOUCADAIR Mohamed INNOV/NET" userId="2acbca90-6db1-4111-98c4-832797dda751" providerId="ADAL" clId="{04B23A7E-399E-471A-AF15-99BD7BD17AB6}" dt="2024-07-09T13:05:55.966" v="92" actId="14100"/>
-          <ac:picMkLst>
-            <pc:docMk/>
-            <pc:sldMk cId="513082138" sldId="271"/>
-            <ac:picMk id="6" creationId="{12D77918-8ECB-6E5D-0965-E81951B65AA8}"/>
-          </ac:picMkLst>
-        </pc:picChg>
-      </pc:sldChg>
-      <pc:sldChg chg="modSp new mod">
-        <pc:chgData name="BOUCADAIR Mohamed INNOV/NET" userId="2acbca90-6db1-4111-98c4-832797dda751" providerId="ADAL" clId="{04B23A7E-399E-471A-AF15-99BD7BD17AB6}" dt="2024-07-09T13:35:59.742" v="1549" actId="20577"/>
-        <pc:sldMkLst>
-          <pc:docMk/>
-          <pc:sldMk cId="242484776" sldId="272"/>
-        </pc:sldMkLst>
-        <pc:spChg chg="mod">
-          <ac:chgData name="BOUCADAIR Mohamed INNOV/NET" userId="2acbca90-6db1-4111-98c4-832797dda751" providerId="ADAL" clId="{04B23A7E-399E-471A-AF15-99BD7BD17AB6}" dt="2024-07-09T13:35:59.742" v="1549" actId="20577"/>
-          <ac:spMkLst>
-            <pc:docMk/>
-            <pc:sldMk cId="242484776" sldId="272"/>
-            <ac:spMk id="2" creationId="{0FF26BAB-CB98-9BE6-91AF-3E30D9FD5799}"/>
-          </ac:spMkLst>
-        </pc:spChg>
-      </pc:sldChg>
-      <pc:sldChg chg="modSp new mod">
-        <pc:chgData name="BOUCADAIR Mohamed INNOV/NET" userId="2acbca90-6db1-4111-98c4-832797dda751" providerId="ADAL" clId="{04B23A7E-399E-471A-AF15-99BD7BD17AB6}" dt="2024-07-09T13:31:24.430" v="1467" actId="20577"/>
-        <pc:sldMkLst>
-          <pc:docMk/>
-          <pc:sldMk cId="1331798219" sldId="273"/>
-        </pc:sldMkLst>
-        <pc:spChg chg="mod">
-          <ac:chgData name="BOUCADAIR Mohamed INNOV/NET" userId="2acbca90-6db1-4111-98c4-832797dda751" providerId="ADAL" clId="{04B23A7E-399E-471A-AF15-99BD7BD17AB6}" dt="2024-07-09T13:20:17.739" v="429" actId="20577"/>
-          <ac:spMkLst>
-            <pc:docMk/>
-            <pc:sldMk cId="1331798219" sldId="273"/>
-            <ac:spMk id="2" creationId="{5B1C3519-5735-807D-95E4-47250F1A0CD3}"/>
-          </ac:spMkLst>
-        </pc:spChg>
-        <pc:spChg chg="mod">
-          <ac:chgData name="BOUCADAIR Mohamed INNOV/NET" userId="2acbca90-6db1-4111-98c4-832797dda751" providerId="ADAL" clId="{04B23A7E-399E-471A-AF15-99BD7BD17AB6}" dt="2024-07-09T13:31:24.430" v="1467" actId="20577"/>
-          <ac:spMkLst>
-            <pc:docMk/>
-            <pc:sldMk cId="1331798219" sldId="273"/>
-            <ac:spMk id="3" creationId="{6442B71D-4950-F917-F8CB-D32A0312F531}"/>
-          </ac:spMkLst>
-        </pc:spChg>
-      </pc:sldChg>
-      <pc:sldChg chg="modSp new del mod">
-        <pc:chgData name="BOUCADAIR Mohamed INNOV/NET" userId="2acbca90-6db1-4111-98c4-832797dda751" providerId="ADAL" clId="{04B23A7E-399E-471A-AF15-99BD7BD17AB6}" dt="2024-07-09T13:36:34.322" v="1550" actId="2696"/>
-        <pc:sldMkLst>
-          <pc:docMk/>
-          <pc:sldMk cId="75013859" sldId="274"/>
-        </pc:sldMkLst>
-        <pc:spChg chg="mod">
-          <ac:chgData name="BOUCADAIR Mohamed INNOV/NET" userId="2acbca90-6db1-4111-98c4-832797dda751" providerId="ADAL" clId="{04B23A7E-399E-471A-AF15-99BD7BD17AB6}" dt="2024-07-09T13:22:44.759" v="535" actId="20577"/>
-          <ac:spMkLst>
-            <pc:docMk/>
-            <pc:sldMk cId="75013859" sldId="274"/>
-            <ac:spMk id="2" creationId="{A22EF54F-13E9-E460-0BB9-6F4F2630048A}"/>
-          </ac:spMkLst>
-        </pc:spChg>
-        <pc:spChg chg="mod">
-          <ac:chgData name="BOUCADAIR Mohamed INNOV/NET" userId="2acbca90-6db1-4111-98c4-832797dda751" providerId="ADAL" clId="{04B23A7E-399E-471A-AF15-99BD7BD17AB6}" dt="2024-07-09T13:21:10.819" v="519" actId="20577"/>
-          <ac:spMkLst>
-            <pc:docMk/>
-            <pc:sldMk cId="75013859" sldId="274"/>
-            <ac:spMk id="3" creationId="{5B886AE0-85A8-44AC-0841-3BB59666FA7E}"/>
-          </ac:spMkLst>
-        </pc:spChg>
-      </pc:sldChg>
-      <pc:sldChg chg="addSp modSp add mod">
-        <pc:chgData name="BOUCADAIR Mohamed INNOV/NET" userId="2acbca90-6db1-4111-98c4-832797dda751" providerId="ADAL" clId="{04B23A7E-399E-471A-AF15-99BD7BD17AB6}" dt="2024-07-09T13:46:20.950" v="2122" actId="1076"/>
-        <pc:sldMkLst>
-          <pc:docMk/>
-          <pc:sldMk cId="514278596" sldId="274"/>
-        </pc:sldMkLst>
-        <pc:spChg chg="mod">
-          <ac:chgData name="BOUCADAIR Mohamed INNOV/NET" userId="2acbca90-6db1-4111-98c4-832797dda751" providerId="ADAL" clId="{04B23A7E-399E-471A-AF15-99BD7BD17AB6}" dt="2024-07-09T13:42:48.704" v="1577" actId="20577"/>
-          <ac:spMkLst>
-            <pc:docMk/>
-            <pc:sldMk cId="514278596" sldId="274"/>
-            <ac:spMk id="2" creationId="{A22EF54F-13E9-E460-0BB9-6F4F2630048A}"/>
-          </ac:spMkLst>
-        </pc:spChg>
-        <pc:spChg chg="mod">
-          <ac:chgData name="BOUCADAIR Mohamed INNOV/NET" userId="2acbca90-6db1-4111-98c4-832797dda751" providerId="ADAL" clId="{04B23A7E-399E-471A-AF15-99BD7BD17AB6}" dt="2024-07-09T13:41:24.804" v="1565"/>
-          <ac:spMkLst>
-            <pc:docMk/>
-            <pc:sldMk cId="514278596" sldId="274"/>
-            <ac:spMk id="3" creationId="{5B886AE0-85A8-44AC-0841-3BB59666FA7E}"/>
-          </ac:spMkLst>
-        </pc:spChg>
-        <pc:spChg chg="add mod">
-          <ac:chgData name="BOUCADAIR Mohamed INNOV/NET" userId="2acbca90-6db1-4111-98c4-832797dda751" providerId="ADAL" clId="{04B23A7E-399E-471A-AF15-99BD7BD17AB6}" dt="2024-07-09T13:46:20.950" v="2122" actId="1076"/>
-          <ac:spMkLst>
-            <pc:docMk/>
-            <pc:sldMk cId="514278596" sldId="274"/>
-            <ac:spMk id="5" creationId="{3856129A-94B9-0425-E3E2-66E6DE494147}"/>
-          </ac:spMkLst>
-        </pc:spChg>
-      </pc:sldChg>
-      <pc:sldChg chg="addSp delSp modSp new mod">
-        <pc:chgData name="BOUCADAIR Mohamed INNOV/NET" userId="2acbca90-6db1-4111-98c4-832797dda751" providerId="ADAL" clId="{04B23A7E-399E-471A-AF15-99BD7BD17AB6}" dt="2024-07-09T13:35:28.391" v="1498" actId="1076"/>
-        <pc:sldMkLst>
-          <pc:docMk/>
-          <pc:sldMk cId="2021719538" sldId="275"/>
-        </pc:sldMkLst>
-        <pc:spChg chg="mod">
-          <ac:chgData name="BOUCADAIR Mohamed INNOV/NET" userId="2acbca90-6db1-4111-98c4-832797dda751" providerId="ADAL" clId="{04B23A7E-399E-471A-AF15-99BD7BD17AB6}" dt="2024-07-09T13:34:52.971" v="1492" actId="20577"/>
-          <ac:spMkLst>
-            <pc:docMk/>
-            <pc:sldMk cId="2021719538" sldId="275"/>
-            <ac:spMk id="2" creationId="{561B1B5D-9BD7-4401-7A63-1162CF303D8C}"/>
-          </ac:spMkLst>
-        </pc:spChg>
-        <pc:spChg chg="del">
-          <ac:chgData name="BOUCADAIR Mohamed INNOV/NET" userId="2acbca90-6db1-4111-98c4-832797dda751" providerId="ADAL" clId="{04B23A7E-399E-471A-AF15-99BD7BD17AB6}" dt="2024-07-09T13:34:55.721" v="1493" actId="478"/>
-          <ac:spMkLst>
-            <pc:docMk/>
-            <pc:sldMk cId="2021719538" sldId="275"/>
-            <ac:spMk id="3" creationId="{3AF7EC01-5C04-2C3A-3B1C-56D905DC3FB4}"/>
-          </ac:spMkLst>
-        </pc:spChg>
-        <pc:picChg chg="add mod">
-          <ac:chgData name="BOUCADAIR Mohamed INNOV/NET" userId="2acbca90-6db1-4111-98c4-832797dda751" providerId="ADAL" clId="{04B23A7E-399E-471A-AF15-99BD7BD17AB6}" dt="2024-07-09T13:35:28.391" v="1498" actId="1076"/>
-          <ac:picMkLst>
-            <pc:docMk/>
-            <pc:sldMk cId="2021719538" sldId="275"/>
-            <ac:picMk id="6" creationId="{0ACB6023-1A33-14F5-F6A1-8C80B9E7A443}"/>
-          </ac:picMkLst>
-        </pc:picChg>
-      </pc:sldChg>
-    </pc:docChg>
-  </pc:docChgLst>
-  <pc:docChgLst>
-    <pc:chgData name="BOUCADAIR Mohamed INNOV/NET" userId="2acbca90-6db1-4111-98c4-832797dda751" providerId="ADAL" clId="{91DE2053-694C-444E-9F1C-8B0299126E9C}"/>
-    <pc:docChg chg="modSld">
-      <pc:chgData name="BOUCADAIR Mohamed INNOV/NET" userId="2acbca90-6db1-4111-98c4-832797dda751" providerId="ADAL" clId="{91DE2053-694C-444E-9F1C-8B0299126E9C}" dt="2024-07-09T13:47:56.045" v="3" actId="114"/>
-      <pc:docMkLst>
-        <pc:docMk/>
-      </pc:docMkLst>
-      <pc:sldChg chg="modSp mod">
-        <pc:chgData name="BOUCADAIR Mohamed INNOV/NET" userId="2acbca90-6db1-4111-98c4-832797dda751" providerId="ADAL" clId="{91DE2053-694C-444E-9F1C-8B0299126E9C}" dt="2024-07-09T13:47:39.975" v="0" actId="6549"/>
-        <pc:sldMkLst>
-          <pc:docMk/>
-          <pc:sldMk cId="2749868532" sldId="268"/>
-        </pc:sldMkLst>
-        <pc:spChg chg="mod">
-          <ac:chgData name="BOUCADAIR Mohamed INNOV/NET" userId="2acbca90-6db1-4111-98c4-832797dda751" providerId="ADAL" clId="{91DE2053-694C-444E-9F1C-8B0299126E9C}" dt="2024-07-09T13:47:39.975" v="0" actId="6549"/>
-          <ac:spMkLst>
-            <pc:docMk/>
-            <pc:sldMk cId="2749868532" sldId="268"/>
-            <ac:spMk id="9" creationId="{BB4F778F-8939-B422-821F-330027B1D08E}"/>
-          </ac:spMkLst>
-        </pc:spChg>
-      </pc:sldChg>
-      <pc:sldChg chg="modSp mod">
-        <pc:chgData name="BOUCADAIR Mohamed INNOV/NET" userId="2acbca90-6db1-4111-98c4-832797dda751" providerId="ADAL" clId="{91DE2053-694C-444E-9F1C-8B0299126E9C}" dt="2024-07-09T13:47:56.045" v="3" actId="114"/>
-        <pc:sldMkLst>
-          <pc:docMk/>
-          <pc:sldMk cId="1331798219" sldId="273"/>
-        </pc:sldMkLst>
-        <pc:spChg chg="mod">
-          <ac:chgData name="BOUCADAIR Mohamed INNOV/NET" userId="2acbca90-6db1-4111-98c4-832797dda751" providerId="ADAL" clId="{91DE2053-694C-444E-9F1C-8B0299126E9C}" dt="2024-07-09T13:47:56.045" v="3" actId="114"/>
-          <ac:spMkLst>
-            <pc:docMk/>
-            <pc:sldMk cId="1331798219" sldId="273"/>
-            <ac:spMk id="3" creationId="{6442B71D-4950-F917-F8CB-D32A0312F531}"/>
-          </ac:spMkLst>
-        </pc:spChg>
-      </pc:sldChg>
-      <pc:sldChg chg="modSp mod">
-        <pc:chgData name="BOUCADAIR Mohamed INNOV/NET" userId="2acbca90-6db1-4111-98c4-832797dda751" providerId="ADAL" clId="{91DE2053-694C-444E-9F1C-8B0299126E9C}" dt="2024-07-09T13:47:44.805" v="2" actId="20577"/>
-        <pc:sldMkLst>
-          <pc:docMk/>
-          <pc:sldMk cId="514278596" sldId="274"/>
-        </pc:sldMkLst>
-        <pc:spChg chg="mod">
-          <ac:chgData name="BOUCADAIR Mohamed INNOV/NET" userId="2acbca90-6db1-4111-98c4-832797dda751" providerId="ADAL" clId="{91DE2053-694C-444E-9F1C-8B0299126E9C}" dt="2024-07-09T13:47:44.805" v="2" actId="20577"/>
-          <ac:spMkLst>
-            <pc:docMk/>
-            <pc:sldMk cId="514278596" sldId="274"/>
-            <ac:spMk id="5" creationId="{3856129A-94B9-0425-E3E2-66E6DE494147}"/>
-          </ac:spMkLst>
-        </pc:spChg>
-      </pc:sldChg>
-    </pc:docChg>
-  </pc:docChgLst>
-</pc:chgInfo>
 </file>
 
 <file path=ppt/notesMasters/notesMaster1.xml><?xml version="1.0" encoding="utf-8"?>
@@ -2471,7 +1548,7 @@
             </a:pPr>
             <a:fld id="{00000000-1234-1234-1234-123412341234}" type="slidenum">
               <a:rPr lang="en-US"/>
-              <a:t>‹N°›</a:t>
+              <a:t>‹#›</a:t>
             </a:fld>
             <a:endParaRPr/>
           </a:p>
@@ -3790,7 +2867,7 @@
             </a:pPr>
             <a:fld id="{00000000-1234-1234-1234-123412341234}" type="slidenum">
               <a:rPr lang="en-US"/>
-              <a:t>‹N°›</a:t>
+              <a:t>‹#›</a:t>
             </a:fld>
             <a:endParaRPr/>
           </a:p>
@@ -4785,7 +3862,7 @@
             </a:pPr>
             <a:fld id="{00000000-1234-1234-1234-123412341234}" type="slidenum">
               <a:rPr lang="en-US"/>
-              <a:t>‹N°›</a:t>
+              <a:t>‹#›</a:t>
             </a:fld>
             <a:endParaRPr/>
           </a:p>
@@ -5359,7 +4436,7 @@
             </a:pPr>
             <a:fld id="{00000000-1234-1234-1234-123412341234}" type="slidenum">
               <a:rPr lang="en-US"/>
-              <a:t>‹N°›</a:t>
+              <a:t>‹#›</a:t>
             </a:fld>
             <a:endParaRPr/>
           </a:p>
@@ -6595,7 +5672,7 @@
             </a:pPr>
             <a:fld id="{00000000-1234-1234-1234-123412341234}" type="slidenum">
               <a:rPr lang="en-US"/>
-              <a:t>‹N°›</a:t>
+              <a:t>‹#›</a:t>
             </a:fld>
             <a:endParaRPr/>
           </a:p>
@@ -7087,7 +6164,7 @@
             </a:pPr>
             <a:fld id="{00000000-1234-1234-1234-123412341234}" type="slidenum">
               <a:rPr lang="en-US"/>
-              <a:t>‹N°›</a:t>
+              <a:t>‹#›</a:t>
             </a:fld>
             <a:endParaRPr/>
           </a:p>
@@ -7939,7 +7016,7 @@
             </a:pPr>
             <a:fld id="{00000000-1234-1234-1234-123412341234}" type="slidenum">
               <a:rPr lang="en-US"/>
-              <a:t>‹N°›</a:t>
+              <a:t>‹#›</a:t>
             </a:fld>
             <a:endParaRPr/>
           </a:p>
@@ -8915,7 +7992,7 @@
             </a:pPr>
             <a:fld id="{00000000-1234-1234-1234-123412341234}" type="slidenum">
               <a:rPr lang="en-US"/>
-              <a:t>‹N°›</a:t>
+              <a:t>‹#›</a:t>
             </a:fld>
             <a:endParaRPr/>
           </a:p>
@@ -9209,7 +8286,7 @@
             </a:pPr>
             <a:fld id="{00000000-1234-1234-1234-123412341234}" type="slidenum">
               <a:rPr lang="en-US"/>
-              <a:t>‹N°›</a:t>
+              <a:t>‹#›</a:t>
             </a:fld>
             <a:endParaRPr/>
           </a:p>
@@ -10417,7 +9494,7 @@
             </a:pPr>
             <a:fld id="{00000000-1234-1234-1234-123412341234}" type="slidenum">
               <a:rPr lang="en-US"/>
-              <a:t>‹N°›</a:t>
+              <a:t>‹#›</a:t>
             </a:fld>
             <a:endParaRPr/>
           </a:p>
@@ -11323,7 +10400,7 @@
             </a:pPr>
             <a:fld id="{00000000-1234-1234-1234-123412341234}" type="slidenum">
               <a:rPr lang="en-US"/>
-              <a:t>‹N°›</a:t>
+              <a:t>‹#›</a:t>
             </a:fld>
             <a:endParaRPr/>
           </a:p>
@@ -12048,7 +11125,7 @@
             </a:pPr>
             <a:fld id="{00000000-1234-1234-1234-123412341234}" type="slidenum">
               <a:rPr lang="en-US"/>
-              <a:t>‹N°›</a:t>
+              <a:t>‹#›</a:t>
             </a:fld>
             <a:endParaRPr/>
           </a:p>
@@ -13043,7 +12120,7 @@
             </a:pPr>
             <a:fld id="{00000000-1234-1234-1234-123412341234}" type="slidenum">
               <a:rPr lang="en-US"/>
-              <a:t>‹N°›</a:t>
+              <a:t>‹#›</a:t>
             </a:fld>
             <a:endParaRPr/>
           </a:p>
@@ -13644,7 +12721,7 @@
             </a:pPr>
             <a:fld id="{00000000-1234-1234-1234-123412341234}" type="slidenum">
               <a:rPr lang="en-US"/>
-              <a:t>‹N°›</a:t>
+              <a:t>‹#›</a:t>
             </a:fld>
             <a:endParaRPr/>
           </a:p>
@@ -13958,7 +13035,7 @@
             </a:pPr>
             <a:fld id="{00000000-1234-1234-1234-123412341234}" type="slidenum">
               <a:rPr lang="en-US"/>
-              <a:t>‹N°›</a:t>
+              <a:t>‹#›</a:t>
             </a:fld>
             <a:endParaRPr/>
           </a:p>
@@ -16040,7 +15117,7 @@
             </a:pPr>
             <a:fld id="{00000000-1234-1234-1234-123412341234}" type="slidenum">
               <a:rPr lang="en-US"/>
-              <a:t>‹N°›</a:t>
+              <a:t>‹#›</a:t>
             </a:fld>
             <a:endParaRPr/>
           </a:p>
@@ -16841,7 +15918,46 @@
                 <a:cs typeface="Inter"/>
                 <a:sym typeface="Inter"/>
               </a:rPr>
-              <a:t>) WG</a:t>
+              <a:t>) </a:t>
+            </a:r>
+            <a:r>
+              <a:rPr lang="en-US" sz="3600" dirty="0"/>
+              <a:t>Virtual </a:t>
+            </a:r>
+            <a:r>
+              <a:rPr lang="en-US" sz="3600" dirty="0">
+                <a:latin typeface="Inter"/>
+                <a:ea typeface="Inter"/>
+                <a:cs typeface="Inter"/>
+                <a:sym typeface="Inter"/>
+              </a:rPr>
+              <a:t>WG</a:t>
+            </a:r>
+            <a:br>
+              <a:rPr lang="en-US" sz="3600" dirty="0">
+                <a:latin typeface="Inter"/>
+                <a:ea typeface="Inter"/>
+                <a:cs typeface="Inter"/>
+                <a:sym typeface="Inter"/>
+              </a:rPr>
+            </a:br>
+            <a:r>
+              <a:rPr lang="en-US" sz="3600" dirty="0">
+                <a:latin typeface="Inter"/>
+                <a:ea typeface="Inter"/>
+                <a:cs typeface="Inter"/>
+                <a:sym typeface="Inter"/>
+              </a:rPr>
+              <a:t>Focus: </a:t>
+            </a:r>
+            <a:r>
+              <a:rPr lang="en-US" sz="3600">
+                <a:latin typeface="Inter"/>
+                <a:ea typeface="Inter"/>
+                <a:cs typeface="Inter"/>
+                <a:sym typeface="Inter"/>
+              </a:rPr>
+              <a:t>Network Anomaly</a:t>
             </a:r>
             <a:endParaRPr sz="3600" dirty="0">
               <a:latin typeface="Inter"/>
@@ -17952,7 +17068,7 @@
         <p:fade/>
       </p:transition>
     </mc:Choice>
-    <mc:Fallback xmlns:ahyp="http://schemas.microsoft.com/office/drawing/2018/hyperlinkcolor" xmlns:p15="http://schemas.microsoft.com/office/powerpoint/2012/main" xmlns:com="http://schemas.openxmlformats.org/drawingml/2006/compatibility" xmlns:pvml="urn:schemas-microsoft-com:office:powerpoint" xmlns:v="urn:schemas-microsoft-com:vml" xmlns:o="urn:schemas-microsoft-com:office:office" xmlns:dgm="http://schemas.openxmlformats.org/drawingml/2006/diagram" xmlns:c="http://schemas.openxmlformats.org/drawingml/2006/chart" xmlns:mv="urn:schemas-microsoft-com:mac:vml" xmlns="">
+    <mc:Fallback xmlns="" xmlns:mv="urn:schemas-microsoft-com:mac:vml" xmlns:c="http://schemas.openxmlformats.org/drawingml/2006/chart" xmlns:dgm="http://schemas.openxmlformats.org/drawingml/2006/diagram" xmlns:o="urn:schemas-microsoft-com:office:office" xmlns:v="urn:schemas-microsoft-com:vml" xmlns:pvml="urn:schemas-microsoft-com:office:powerpoint" xmlns:com="http://schemas.openxmlformats.org/drawingml/2006/compatibility" xmlns:p15="http://schemas.microsoft.com/office/powerpoint/2012/main" xmlns:ahyp="http://schemas.microsoft.com/office/drawing/2018/hyperlinkcolor">
       <p:transition spd="slow">
         <p:fade/>
       </p:transition>
@@ -18617,7 +17733,7 @@
           <a:ln>
             <a:extLst>
               <a:ext uri="{C807C97D-BFC1-408E-A445-0C87EB9F89A2}">
-                <ask:lineSketchStyleProps xmlns:ask="http://schemas.microsoft.com/office/drawing/2018/sketchyshapes" sd="2998774104">
+                <ask:lineSketchStyleProps xmlns:ask="http://schemas.microsoft.com/office/drawing/2018/sketchyshapes" xmlns="" sd="2998774104">
                   <a:prstGeom prst="rect">
                     <a:avLst/>
                   </a:prstGeom>
@@ -19082,7 +18198,7 @@
           <a:ln>
             <a:extLst>
               <a:ext uri="{C807C97D-BFC1-408E-A445-0C87EB9F89A2}">
-                <ask:lineSketchStyleProps xmlns:ask="http://schemas.microsoft.com/office/drawing/2018/sketchyshapes" sd="2998774104">
+                <ask:lineSketchStyleProps xmlns:ask="http://schemas.microsoft.com/office/drawing/2018/sketchyshapes" xmlns="" sd="2998774104">
                   <a:prstGeom prst="rect">
                     <a:avLst/>
                   </a:prstGeom>

--- a/interim-092024/nmop-chairs-slides.pptx
+++ b/interim-092024/nmop-chairs-slides.pptx
@@ -1548,7 +1548,7 @@
             </a:pPr>
             <a:fld id="{00000000-1234-1234-1234-123412341234}" type="slidenum">
               <a:rPr lang="en-US"/>
-              <a:t>‹#›</a:t>
+              <a:t>‹N°›</a:t>
             </a:fld>
             <a:endParaRPr/>
           </a:p>
@@ -2867,7 +2867,7 @@
             </a:pPr>
             <a:fld id="{00000000-1234-1234-1234-123412341234}" type="slidenum">
               <a:rPr lang="en-US"/>
-              <a:t>‹#›</a:t>
+              <a:t>‹N°›</a:t>
             </a:fld>
             <a:endParaRPr/>
           </a:p>
@@ -3862,7 +3862,7 @@
             </a:pPr>
             <a:fld id="{00000000-1234-1234-1234-123412341234}" type="slidenum">
               <a:rPr lang="en-US"/>
-              <a:t>‹#›</a:t>
+              <a:t>‹N°›</a:t>
             </a:fld>
             <a:endParaRPr/>
           </a:p>
@@ -4436,7 +4436,7 @@
             </a:pPr>
             <a:fld id="{00000000-1234-1234-1234-123412341234}" type="slidenum">
               <a:rPr lang="en-US"/>
-              <a:t>‹#›</a:t>
+              <a:t>‹N°›</a:t>
             </a:fld>
             <a:endParaRPr/>
           </a:p>
@@ -5672,7 +5672,7 @@
             </a:pPr>
             <a:fld id="{00000000-1234-1234-1234-123412341234}" type="slidenum">
               <a:rPr lang="en-US"/>
-              <a:t>‹#›</a:t>
+              <a:t>‹N°›</a:t>
             </a:fld>
             <a:endParaRPr/>
           </a:p>
@@ -6164,7 +6164,7 @@
             </a:pPr>
             <a:fld id="{00000000-1234-1234-1234-123412341234}" type="slidenum">
               <a:rPr lang="en-US"/>
-              <a:t>‹#›</a:t>
+              <a:t>‹N°›</a:t>
             </a:fld>
             <a:endParaRPr/>
           </a:p>
@@ -7016,7 +7016,7 @@
             </a:pPr>
             <a:fld id="{00000000-1234-1234-1234-123412341234}" type="slidenum">
               <a:rPr lang="en-US"/>
-              <a:t>‹#›</a:t>
+              <a:t>‹N°›</a:t>
             </a:fld>
             <a:endParaRPr/>
           </a:p>
@@ -7992,7 +7992,7 @@
             </a:pPr>
             <a:fld id="{00000000-1234-1234-1234-123412341234}" type="slidenum">
               <a:rPr lang="en-US"/>
-              <a:t>‹#›</a:t>
+              <a:t>‹N°›</a:t>
             </a:fld>
             <a:endParaRPr/>
           </a:p>
@@ -8286,7 +8286,7 @@
             </a:pPr>
             <a:fld id="{00000000-1234-1234-1234-123412341234}" type="slidenum">
               <a:rPr lang="en-US"/>
-              <a:t>‹#›</a:t>
+              <a:t>‹N°›</a:t>
             </a:fld>
             <a:endParaRPr/>
           </a:p>
@@ -9494,7 +9494,7 @@
             </a:pPr>
             <a:fld id="{00000000-1234-1234-1234-123412341234}" type="slidenum">
               <a:rPr lang="en-US"/>
-              <a:t>‹#›</a:t>
+              <a:t>‹N°›</a:t>
             </a:fld>
             <a:endParaRPr/>
           </a:p>
@@ -10400,7 +10400,7 @@
             </a:pPr>
             <a:fld id="{00000000-1234-1234-1234-123412341234}" type="slidenum">
               <a:rPr lang="en-US"/>
-              <a:t>‹#›</a:t>
+              <a:t>‹N°›</a:t>
             </a:fld>
             <a:endParaRPr/>
           </a:p>
@@ -11125,7 +11125,7 @@
             </a:pPr>
             <a:fld id="{00000000-1234-1234-1234-123412341234}" type="slidenum">
               <a:rPr lang="en-US"/>
-              <a:t>‹#›</a:t>
+              <a:t>‹N°›</a:t>
             </a:fld>
             <a:endParaRPr/>
           </a:p>
@@ -12120,7 +12120,7 @@
             </a:pPr>
             <a:fld id="{00000000-1234-1234-1234-123412341234}" type="slidenum">
               <a:rPr lang="en-US"/>
-              <a:t>‹#›</a:t>
+              <a:t>‹N°›</a:t>
             </a:fld>
             <a:endParaRPr/>
           </a:p>
@@ -12721,7 +12721,7 @@
             </a:pPr>
             <a:fld id="{00000000-1234-1234-1234-123412341234}" type="slidenum">
               <a:rPr lang="en-US"/>
-              <a:t>‹#›</a:t>
+              <a:t>‹N°›</a:t>
             </a:fld>
             <a:endParaRPr/>
           </a:p>
@@ -13035,7 +13035,7 @@
             </a:pPr>
             <a:fld id="{00000000-1234-1234-1234-123412341234}" type="slidenum">
               <a:rPr lang="en-US"/>
-              <a:t>‹#›</a:t>
+              <a:t>‹N°›</a:t>
             </a:fld>
             <a:endParaRPr/>
           </a:p>
@@ -15117,7 +15117,7 @@
             </a:pPr>
             <a:fld id="{00000000-1234-1234-1234-123412341234}" type="slidenum">
               <a:rPr lang="en-US"/>
-              <a:t>‹#›</a:t>
+              <a:t>‹N°›</a:t>
             </a:fld>
             <a:endParaRPr/>
           </a:p>
@@ -17068,7 +17068,7 @@
         <p:fade/>
       </p:transition>
     </mc:Choice>
-    <mc:Fallback xmlns="" xmlns:mv="urn:schemas-microsoft-com:mac:vml" xmlns:c="http://schemas.openxmlformats.org/drawingml/2006/chart" xmlns:dgm="http://schemas.openxmlformats.org/drawingml/2006/diagram" xmlns:o="urn:schemas-microsoft-com:office:office" xmlns:v="urn:schemas-microsoft-com:vml" xmlns:pvml="urn:schemas-microsoft-com:office:powerpoint" xmlns:com="http://schemas.openxmlformats.org/drawingml/2006/compatibility" xmlns:p15="http://schemas.microsoft.com/office/powerpoint/2012/main" xmlns:ahyp="http://schemas.microsoft.com/office/drawing/2018/hyperlinkcolor">
+    <mc:Fallback xmlns:ahyp="http://schemas.microsoft.com/office/drawing/2018/hyperlinkcolor" xmlns:p15="http://schemas.microsoft.com/office/powerpoint/2012/main" xmlns:com="http://schemas.openxmlformats.org/drawingml/2006/compatibility" xmlns:pvml="urn:schemas-microsoft-com:office:powerpoint" xmlns:v="urn:schemas-microsoft-com:vml" xmlns:o="urn:schemas-microsoft-com:office:office" xmlns:dgm="http://schemas.openxmlformats.org/drawingml/2006/diagram" xmlns:c="http://schemas.openxmlformats.org/drawingml/2006/chart" xmlns:mv="urn:schemas-microsoft-com:mac:vml" xmlns="">
       <p:transition spd="slow">
         <p:fade/>
       </p:transition>
@@ -17312,8 +17312,8 @@
         </p:blipFill>
         <p:spPr>
           <a:xfrm>
-            <a:off x="10950" y="1748079"/>
-            <a:ext cx="9144000" cy="3247542"/>
+            <a:off x="152399" y="1748079"/>
+            <a:ext cx="8535825" cy="3031545"/>
           </a:xfrm>
           <a:prstGeom prst="rect">
             <a:avLst/>
@@ -17334,569 +17334,84 @@
         </p:nvSpPr>
         <p:spPr>
           <a:xfrm>
-            <a:off x="1203512" y="2571750"/>
-            <a:ext cx="8216153" cy="1253938"/>
+            <a:off x="1203512" y="2486025"/>
+            <a:ext cx="7721413" cy="1253938"/>
           </a:xfrm>
           <a:custGeom>
             <a:avLst/>
             <a:gdLst>
-              <a:gd name="connsiteX0" fmla="*/ 0 w 8216153"/>
+              <a:gd name="connsiteX0" fmla="*/ 0 w 7721413"/>
               <a:gd name="connsiteY0" fmla="*/ 0 h 1253938"/>
-              <a:gd name="connsiteX1" fmla="*/ 586868 w 8216153"/>
+              <a:gd name="connsiteX1" fmla="*/ 593955 w 7721413"/>
               <a:gd name="connsiteY1" fmla="*/ 0 h 1253938"/>
-              <a:gd name="connsiteX2" fmla="*/ 1338059 w 8216153"/>
+              <a:gd name="connsiteX2" fmla="*/ 1342338 w 7721413"/>
               <a:gd name="connsiteY2" fmla="*/ 0 h 1253938"/>
-              <a:gd name="connsiteX3" fmla="*/ 1842766 w 8216153"/>
+              <a:gd name="connsiteX3" fmla="*/ 1859079 w 7721413"/>
               <a:gd name="connsiteY3" fmla="*/ 0 h 1253938"/>
-              <a:gd name="connsiteX4" fmla="*/ 2593957 w 8216153"/>
+              <a:gd name="connsiteX4" fmla="*/ 2607462 w 7721413"/>
               <a:gd name="connsiteY4" fmla="*/ 0 h 1253938"/>
-              <a:gd name="connsiteX5" fmla="*/ 2934340 w 8216153"/>
+              <a:gd name="connsiteX5" fmla="*/ 2969774 w 7721413"/>
               <a:gd name="connsiteY5" fmla="*/ 0 h 1253938"/>
-              <a:gd name="connsiteX6" fmla="*/ 3356885 w 8216153"/>
+              <a:gd name="connsiteX6" fmla="*/ 3409301 w 7721413"/>
               <a:gd name="connsiteY6" fmla="*/ 0 h 1253938"/>
-              <a:gd name="connsiteX7" fmla="*/ 3861592 w 8216153"/>
+              <a:gd name="connsiteX7" fmla="*/ 3926042 w 7721413"/>
               <a:gd name="connsiteY7" fmla="*/ 0 h 1253938"/>
-              <a:gd name="connsiteX8" fmla="*/ 4201975 w 8216153"/>
+              <a:gd name="connsiteX8" fmla="*/ 4288354 w 7721413"/>
               <a:gd name="connsiteY8" fmla="*/ 0 h 1253938"/>
-              <a:gd name="connsiteX9" fmla="*/ 4542359 w 8216153"/>
+              <a:gd name="connsiteX9" fmla="*/ 4650666 w 7721413"/>
               <a:gd name="connsiteY9" fmla="*/ 0 h 1253938"/>
-              <a:gd name="connsiteX10" fmla="*/ 5211388 w 8216153"/>
+              <a:gd name="connsiteX10" fmla="*/ 5321835 w 7721413"/>
               <a:gd name="connsiteY10" fmla="*/ 0 h 1253938"/>
-              <a:gd name="connsiteX11" fmla="*/ 5551772 w 8216153"/>
+              <a:gd name="connsiteX11" fmla="*/ 5684148 w 7721413"/>
               <a:gd name="connsiteY11" fmla="*/ 0 h 1253938"/>
-              <a:gd name="connsiteX12" fmla="*/ 5892155 w 8216153"/>
+              <a:gd name="connsiteX12" fmla="*/ 6046460 w 7721413"/>
               <a:gd name="connsiteY12" fmla="*/ 0 h 1253938"/>
-              <a:gd name="connsiteX13" fmla="*/ 6396862 w 8216153"/>
+              <a:gd name="connsiteX13" fmla="*/ 6563201 w 7721413"/>
               <a:gd name="connsiteY13" fmla="*/ 0 h 1253938"/>
-              <a:gd name="connsiteX14" fmla="*/ 6983730 w 8216153"/>
+              <a:gd name="connsiteX14" fmla="*/ 7157156 w 7721413"/>
               <a:gd name="connsiteY14" fmla="*/ 0 h 1253938"/>
-              <a:gd name="connsiteX15" fmla="*/ 7652760 w 8216153"/>
+              <a:gd name="connsiteX15" fmla="*/ 7721413 w 7721413"/>
               <a:gd name="connsiteY15" fmla="*/ 0 h 1253938"/>
-              <a:gd name="connsiteX16" fmla="*/ 8216153 w 8216153"/>
-              <a:gd name="connsiteY16" fmla="*/ 0 h 1253938"/>
-              <a:gd name="connsiteX17" fmla="*/ 8216153 w 8216153"/>
-              <a:gd name="connsiteY17" fmla="*/ 380361 h 1253938"/>
-              <a:gd name="connsiteX18" fmla="*/ 8216153 w 8216153"/>
-              <a:gd name="connsiteY18" fmla="*/ 823419 h 1253938"/>
-              <a:gd name="connsiteX19" fmla="*/ 8216153 w 8216153"/>
+              <a:gd name="connsiteX16" fmla="*/ 7721413 w 7721413"/>
+              <a:gd name="connsiteY16" fmla="*/ 430519 h 1253938"/>
+              <a:gd name="connsiteX17" fmla="*/ 7721413 w 7721413"/>
+              <a:gd name="connsiteY17" fmla="*/ 823419 h 1253938"/>
+              <a:gd name="connsiteX18" fmla="*/ 7721413 w 7721413"/>
+              <a:gd name="connsiteY18" fmla="*/ 1253938 h 1253938"/>
+              <a:gd name="connsiteX19" fmla="*/ 7050244 w 7721413"/>
               <a:gd name="connsiteY19" fmla="*/ 1253938 h 1253938"/>
-              <a:gd name="connsiteX20" fmla="*/ 7711446 w 8216153"/>
+              <a:gd name="connsiteX20" fmla="*/ 6533503 w 7721413"/>
               <a:gd name="connsiteY20" fmla="*/ 1253938 h 1253938"/>
-              <a:gd name="connsiteX21" fmla="*/ 7042417 w 8216153"/>
+              <a:gd name="connsiteX21" fmla="*/ 5862334 w 7721413"/>
               <a:gd name="connsiteY21" fmla="*/ 1253938 h 1253938"/>
-              <a:gd name="connsiteX22" fmla="*/ 6455549 w 8216153"/>
+              <a:gd name="connsiteX22" fmla="*/ 5268379 w 7721413"/>
               <a:gd name="connsiteY22" fmla="*/ 1253938 h 1253938"/>
-              <a:gd name="connsiteX23" fmla="*/ 6033004 w 8216153"/>
+              <a:gd name="connsiteX23" fmla="*/ 4828853 w 7721413"/>
               <a:gd name="connsiteY23" fmla="*/ 1253938 h 1253938"/>
-              <a:gd name="connsiteX24" fmla="*/ 5692620 w 8216153"/>
+              <a:gd name="connsiteX24" fmla="*/ 4466540 w 7721413"/>
               <a:gd name="connsiteY24" fmla="*/ 1253938 h 1253938"/>
-              <a:gd name="connsiteX25" fmla="*/ 5270075 w 8216153"/>
+              <a:gd name="connsiteX25" fmla="*/ 4027014 w 7721413"/>
               <a:gd name="connsiteY25" fmla="*/ 1253938 h 1253938"/>
-              <a:gd name="connsiteX26" fmla="*/ 4847530 w 8216153"/>
+              <a:gd name="connsiteX26" fmla="*/ 3587487 w 7721413"/>
               <a:gd name="connsiteY26" fmla="*/ 1253938 h 1253938"/>
-              <a:gd name="connsiteX27" fmla="*/ 4096339 w 8216153"/>
+              <a:gd name="connsiteX27" fmla="*/ 2839104 w 7721413"/>
               <a:gd name="connsiteY27" fmla="*/ 1253938 h 1253938"/>
-              <a:gd name="connsiteX28" fmla="*/ 3509471 w 8216153"/>
+              <a:gd name="connsiteX28" fmla="*/ 2245149 w 7721413"/>
               <a:gd name="connsiteY28" fmla="*/ 1253938 h 1253938"/>
-              <a:gd name="connsiteX29" fmla="*/ 3086926 w 8216153"/>
+              <a:gd name="connsiteX29" fmla="*/ 1805623 w 7721413"/>
               <a:gd name="connsiteY29" fmla="*/ 1253938 h 1253938"/>
-              <a:gd name="connsiteX30" fmla="*/ 2335735 w 8216153"/>
+              <a:gd name="connsiteX30" fmla="*/ 1057240 w 7721413"/>
               <a:gd name="connsiteY30" fmla="*/ 1253938 h 1253938"/>
-              <a:gd name="connsiteX31" fmla="*/ 1995351 w 8216153"/>
+              <a:gd name="connsiteX31" fmla="*/ 694927 w 7721413"/>
               <a:gd name="connsiteY31" fmla="*/ 1253938 h 1253938"/>
-              <a:gd name="connsiteX32" fmla="*/ 1408483 w 8216153"/>
+              <a:gd name="connsiteX32" fmla="*/ 0 w 7721413"/>
               <a:gd name="connsiteY32" fmla="*/ 1253938 h 1253938"/>
-              <a:gd name="connsiteX33" fmla="*/ 985938 w 8216153"/>
-              <a:gd name="connsiteY33" fmla="*/ 1253938 h 1253938"/>
-              <a:gd name="connsiteX34" fmla="*/ 0 w 8216153"/>
-              <a:gd name="connsiteY34" fmla="*/ 1253938 h 1253938"/>
-              <a:gd name="connsiteX35" fmla="*/ 0 w 8216153"/>
-              <a:gd name="connsiteY35" fmla="*/ 810880 h 1253938"/>
-              <a:gd name="connsiteX36" fmla="*/ 0 w 8216153"/>
-              <a:gd name="connsiteY36" fmla="*/ 380361 h 1253938"/>
-              <a:gd name="connsiteX37" fmla="*/ 0 w 8216153"/>
-              <a:gd name="connsiteY37" fmla="*/ 0 h 1253938"/>
-            </a:gdLst>
-            <a:ahLst/>
-            <a:cxnLst>
-              <a:cxn ang="0">
-                <a:pos x="connsiteX0" y="connsiteY0"/>
-              </a:cxn>
-              <a:cxn ang="0">
-                <a:pos x="connsiteX1" y="connsiteY1"/>
-              </a:cxn>
-              <a:cxn ang="0">
-                <a:pos x="connsiteX2" y="connsiteY2"/>
-              </a:cxn>
-              <a:cxn ang="0">
-                <a:pos x="connsiteX3" y="connsiteY3"/>
-              </a:cxn>
-              <a:cxn ang="0">
-                <a:pos x="connsiteX4" y="connsiteY4"/>
-              </a:cxn>
-              <a:cxn ang="0">
-                <a:pos x="connsiteX5" y="connsiteY5"/>
-              </a:cxn>
-              <a:cxn ang="0">
-                <a:pos x="connsiteX6" y="connsiteY6"/>
-              </a:cxn>
-              <a:cxn ang="0">
-                <a:pos x="connsiteX7" y="connsiteY7"/>
-              </a:cxn>
-              <a:cxn ang="0">
-                <a:pos x="connsiteX8" y="connsiteY8"/>
-              </a:cxn>
-              <a:cxn ang="0">
-                <a:pos x="connsiteX9" y="connsiteY9"/>
-              </a:cxn>
-              <a:cxn ang="0">
-                <a:pos x="connsiteX10" y="connsiteY10"/>
-              </a:cxn>
-              <a:cxn ang="0">
-                <a:pos x="connsiteX11" y="connsiteY11"/>
-              </a:cxn>
-              <a:cxn ang="0">
-                <a:pos x="connsiteX12" y="connsiteY12"/>
-              </a:cxn>
-              <a:cxn ang="0">
-                <a:pos x="connsiteX13" y="connsiteY13"/>
-              </a:cxn>
-              <a:cxn ang="0">
-                <a:pos x="connsiteX14" y="connsiteY14"/>
-              </a:cxn>
-              <a:cxn ang="0">
-                <a:pos x="connsiteX15" y="connsiteY15"/>
-              </a:cxn>
-              <a:cxn ang="0">
-                <a:pos x="connsiteX16" y="connsiteY16"/>
-              </a:cxn>
-              <a:cxn ang="0">
-                <a:pos x="connsiteX17" y="connsiteY17"/>
-              </a:cxn>
-              <a:cxn ang="0">
-                <a:pos x="connsiteX18" y="connsiteY18"/>
-              </a:cxn>
-              <a:cxn ang="0">
-                <a:pos x="connsiteX19" y="connsiteY19"/>
-              </a:cxn>
-              <a:cxn ang="0">
-                <a:pos x="connsiteX20" y="connsiteY20"/>
-              </a:cxn>
-              <a:cxn ang="0">
-                <a:pos x="connsiteX21" y="connsiteY21"/>
-              </a:cxn>
-              <a:cxn ang="0">
-                <a:pos x="connsiteX22" y="connsiteY22"/>
-              </a:cxn>
-              <a:cxn ang="0">
-                <a:pos x="connsiteX23" y="connsiteY23"/>
-              </a:cxn>
-              <a:cxn ang="0">
-                <a:pos x="connsiteX24" y="connsiteY24"/>
-              </a:cxn>
-              <a:cxn ang="0">
-                <a:pos x="connsiteX25" y="connsiteY25"/>
-              </a:cxn>
-              <a:cxn ang="0">
-                <a:pos x="connsiteX26" y="connsiteY26"/>
-              </a:cxn>
-              <a:cxn ang="0">
-                <a:pos x="connsiteX27" y="connsiteY27"/>
-              </a:cxn>
-              <a:cxn ang="0">
-                <a:pos x="connsiteX28" y="connsiteY28"/>
-              </a:cxn>
-              <a:cxn ang="0">
-                <a:pos x="connsiteX29" y="connsiteY29"/>
-              </a:cxn>
-              <a:cxn ang="0">
-                <a:pos x="connsiteX30" y="connsiteY30"/>
-              </a:cxn>
-              <a:cxn ang="0">
-                <a:pos x="connsiteX31" y="connsiteY31"/>
-              </a:cxn>
-              <a:cxn ang="0">
-                <a:pos x="connsiteX32" y="connsiteY32"/>
-              </a:cxn>
-              <a:cxn ang="0">
-                <a:pos x="connsiteX33" y="connsiteY33"/>
-              </a:cxn>
-              <a:cxn ang="0">
-                <a:pos x="connsiteX34" y="connsiteY34"/>
-              </a:cxn>
-              <a:cxn ang="0">
-                <a:pos x="connsiteX35" y="connsiteY35"/>
-              </a:cxn>
-              <a:cxn ang="0">
-                <a:pos x="connsiteX36" y="connsiteY36"/>
-              </a:cxn>
-              <a:cxn ang="0">
-                <a:pos x="connsiteX37" y="connsiteY37"/>
-              </a:cxn>
-            </a:cxnLst>
-            <a:rect l="l" t="t" r="r" b="b"/>
-            <a:pathLst>
-              <a:path w="8216153" h="1253938" extrusionOk="0">
-                <a:moveTo>
-                  <a:pt x="0" y="0"/>
-                </a:moveTo>
-                <a:cubicBezTo>
-                  <a:pt x="146419" y="-51000"/>
-                  <a:pt x="399623" y="48979"/>
-                  <a:pt x="586868" y="0"/>
-                </a:cubicBezTo>
-                <a:cubicBezTo>
-                  <a:pt x="774113" y="-48979"/>
-                  <a:pt x="1072432" y="18212"/>
-                  <a:pt x="1338059" y="0"/>
-                </a:cubicBezTo>
-                <a:cubicBezTo>
-                  <a:pt x="1603686" y="-18212"/>
-                  <a:pt x="1699035" y="40476"/>
-                  <a:pt x="1842766" y="0"/>
-                </a:cubicBezTo>
-                <a:cubicBezTo>
-                  <a:pt x="1986497" y="-40476"/>
-                  <a:pt x="2361424" y="30644"/>
-                  <a:pt x="2593957" y="0"/>
-                </a:cubicBezTo>
-                <a:cubicBezTo>
-                  <a:pt x="2826490" y="-30644"/>
-                  <a:pt x="2770507" y="7802"/>
-                  <a:pt x="2934340" y="0"/>
-                </a:cubicBezTo>
-                <a:cubicBezTo>
-                  <a:pt x="3098173" y="-7802"/>
-                  <a:pt x="3253201" y="11032"/>
-                  <a:pt x="3356885" y="0"/>
-                </a:cubicBezTo>
-                <a:cubicBezTo>
-                  <a:pt x="3460569" y="-11032"/>
-                  <a:pt x="3696666" y="20479"/>
-                  <a:pt x="3861592" y="0"/>
-                </a:cubicBezTo>
-                <a:cubicBezTo>
-                  <a:pt x="4026518" y="-20479"/>
-                  <a:pt x="4113246" y="29554"/>
-                  <a:pt x="4201975" y="0"/>
-                </a:cubicBezTo>
-                <a:cubicBezTo>
-                  <a:pt x="4290704" y="-29554"/>
-                  <a:pt x="4400656" y="5059"/>
-                  <a:pt x="4542359" y="0"/>
-                </a:cubicBezTo>
-                <a:cubicBezTo>
-                  <a:pt x="4684062" y="-5059"/>
-                  <a:pt x="4891739" y="5444"/>
-                  <a:pt x="5211388" y="0"/>
-                </a:cubicBezTo>
-                <a:cubicBezTo>
-                  <a:pt x="5531037" y="-5444"/>
-                  <a:pt x="5480049" y="33474"/>
-                  <a:pt x="5551772" y="0"/>
-                </a:cubicBezTo>
-                <a:cubicBezTo>
-                  <a:pt x="5623495" y="-33474"/>
-                  <a:pt x="5786771" y="19180"/>
-                  <a:pt x="5892155" y="0"/>
-                </a:cubicBezTo>
-                <a:cubicBezTo>
-                  <a:pt x="5997539" y="-19180"/>
-                  <a:pt x="6269059" y="37612"/>
-                  <a:pt x="6396862" y="0"/>
-                </a:cubicBezTo>
-                <a:cubicBezTo>
-                  <a:pt x="6524665" y="-37612"/>
-                  <a:pt x="6864826" y="32125"/>
-                  <a:pt x="6983730" y="0"/>
-                </a:cubicBezTo>
-                <a:cubicBezTo>
-                  <a:pt x="7102634" y="-32125"/>
-                  <a:pt x="7411549" y="29085"/>
-                  <a:pt x="7652760" y="0"/>
-                </a:cubicBezTo>
-                <a:cubicBezTo>
-                  <a:pt x="7893971" y="-29085"/>
-                  <a:pt x="7953951" y="360"/>
-                  <a:pt x="8216153" y="0"/>
-                </a:cubicBezTo>
-                <a:cubicBezTo>
-                  <a:pt x="8226696" y="129143"/>
-                  <a:pt x="8206289" y="268368"/>
-                  <a:pt x="8216153" y="380361"/>
-                </a:cubicBezTo>
-                <a:cubicBezTo>
-                  <a:pt x="8226017" y="492354"/>
-                  <a:pt x="8200389" y="646167"/>
-                  <a:pt x="8216153" y="823419"/>
-                </a:cubicBezTo>
-                <a:cubicBezTo>
-                  <a:pt x="8231917" y="1000671"/>
-                  <a:pt x="8174913" y="1140702"/>
-                  <a:pt x="8216153" y="1253938"/>
-                </a:cubicBezTo>
-                <a:cubicBezTo>
-                  <a:pt x="7986287" y="1306569"/>
-                  <a:pt x="7883343" y="1207718"/>
-                  <a:pt x="7711446" y="1253938"/>
-                </a:cubicBezTo>
-                <a:cubicBezTo>
-                  <a:pt x="7539549" y="1300158"/>
-                  <a:pt x="7191712" y="1228327"/>
-                  <a:pt x="7042417" y="1253938"/>
-                </a:cubicBezTo>
-                <a:cubicBezTo>
-                  <a:pt x="6893122" y="1279549"/>
-                  <a:pt x="6599231" y="1229676"/>
-                  <a:pt x="6455549" y="1253938"/>
-                </a:cubicBezTo>
-                <a:cubicBezTo>
-                  <a:pt x="6311867" y="1278200"/>
-                  <a:pt x="6157926" y="1206725"/>
-                  <a:pt x="6033004" y="1253938"/>
-                </a:cubicBezTo>
-                <a:cubicBezTo>
-                  <a:pt x="5908082" y="1301151"/>
-                  <a:pt x="5809294" y="1247879"/>
-                  <a:pt x="5692620" y="1253938"/>
-                </a:cubicBezTo>
-                <a:cubicBezTo>
-                  <a:pt x="5575946" y="1259997"/>
-                  <a:pt x="5405507" y="1204084"/>
-                  <a:pt x="5270075" y="1253938"/>
-                </a:cubicBezTo>
-                <a:cubicBezTo>
-                  <a:pt x="5134643" y="1303792"/>
-                  <a:pt x="5056901" y="1236505"/>
-                  <a:pt x="4847530" y="1253938"/>
-                </a:cubicBezTo>
-                <a:cubicBezTo>
-                  <a:pt x="4638159" y="1271371"/>
-                  <a:pt x="4459000" y="1192970"/>
-                  <a:pt x="4096339" y="1253938"/>
-                </a:cubicBezTo>
-                <a:cubicBezTo>
-                  <a:pt x="3733678" y="1314906"/>
-                  <a:pt x="3732608" y="1210744"/>
-                  <a:pt x="3509471" y="1253938"/>
-                </a:cubicBezTo>
-                <a:cubicBezTo>
-                  <a:pt x="3286334" y="1297132"/>
-                  <a:pt x="3194099" y="1227053"/>
-                  <a:pt x="3086926" y="1253938"/>
-                </a:cubicBezTo>
-                <a:cubicBezTo>
-                  <a:pt x="2979753" y="1280823"/>
-                  <a:pt x="2505130" y="1248187"/>
-                  <a:pt x="2335735" y="1253938"/>
-                </a:cubicBezTo>
-                <a:cubicBezTo>
-                  <a:pt x="2166340" y="1259689"/>
-                  <a:pt x="2138312" y="1235466"/>
-                  <a:pt x="1995351" y="1253938"/>
-                </a:cubicBezTo>
-                <a:cubicBezTo>
-                  <a:pt x="1852390" y="1272410"/>
-                  <a:pt x="1676943" y="1246760"/>
-                  <a:pt x="1408483" y="1253938"/>
-                </a:cubicBezTo>
-                <a:cubicBezTo>
-                  <a:pt x="1140023" y="1261116"/>
-                  <a:pt x="1148123" y="1230975"/>
-                  <a:pt x="985938" y="1253938"/>
-                </a:cubicBezTo>
-                <a:cubicBezTo>
-                  <a:pt x="823754" y="1276901"/>
-                  <a:pt x="409098" y="1170107"/>
-                  <a:pt x="0" y="1253938"/>
-                </a:cubicBezTo>
-                <a:cubicBezTo>
-                  <a:pt x="-14738" y="1153131"/>
-                  <a:pt x="17458" y="915305"/>
-                  <a:pt x="0" y="810880"/>
-                </a:cubicBezTo>
-                <a:cubicBezTo>
-                  <a:pt x="-17458" y="706455"/>
-                  <a:pt x="51574" y="493573"/>
-                  <a:pt x="0" y="380361"/>
-                </a:cubicBezTo>
-                <a:cubicBezTo>
-                  <a:pt x="-51574" y="267149"/>
-                  <a:pt x="8683" y="106168"/>
-                  <a:pt x="0" y="0"/>
-                </a:cubicBezTo>
-                <a:close/>
-              </a:path>
-            </a:pathLst>
-          </a:custGeom>
-          <a:noFill/>
-          <a:ln>
-            <a:extLst>
-              <a:ext uri="{C807C97D-BFC1-408E-A445-0C87EB9F89A2}">
-                <ask:lineSketchStyleProps xmlns:ask="http://schemas.microsoft.com/office/drawing/2018/sketchyshapes" xmlns="" sd="2998774104">
-                  <a:prstGeom prst="rect">
-                    <a:avLst/>
-                  </a:prstGeom>
-                  <ask:type>
-                    <ask:lineSketchScribble/>
-                  </ask:type>
-                </ask:lineSketchStyleProps>
-              </a:ext>
-            </a:extLst>
-          </a:ln>
-        </p:spPr>
-        <p:style>
-          <a:lnRef idx="2">
-            <a:schemeClr val="accent1">
-              <a:shade val="15000"/>
-            </a:schemeClr>
-          </a:lnRef>
-          <a:fillRef idx="1">
-            <a:schemeClr val="accent1"/>
-          </a:fillRef>
-          <a:effectRef idx="0">
-            <a:schemeClr val="accent1"/>
-          </a:effectRef>
-          <a:fontRef idx="minor">
-            <a:schemeClr val="lt1"/>
-          </a:fontRef>
-        </p:style>
-        <p:txBody>
-          <a:bodyPr rtlCol="0" anchor="ctr"/>
-          <a:lstStyle/>
-          <a:p>
-            <a:pPr algn="ctr"/>
-            <a:endParaRPr lang="fr-FR"/>
-          </a:p>
-        </p:txBody>
-      </p:sp>
-      <p:sp>
-        <p:nvSpPr>
-          <p:cNvPr id="8" name="ZoneTexte 7">
-            <a:extLst>
-              <a:ext uri="{FF2B5EF4-FFF2-40B4-BE49-F238E27FC236}">
-                <a16:creationId xmlns:a16="http://schemas.microsoft.com/office/drawing/2014/main" id="{6BC1B263-3093-651C-0D7C-B775A071B60D}"/>
-              </a:ext>
-            </a:extLst>
-          </p:cNvPr>
-          <p:cNvSpPr txBox="1"/>
-          <p:nvPr/>
-        </p:nvSpPr>
-        <p:spPr>
-          <a:xfrm rot="5400000">
-            <a:off x="8919795" y="3091346"/>
-            <a:ext cx="612668" cy="307777"/>
-          </a:xfrm>
-          <a:prstGeom prst="rect">
-            <a:avLst/>
-          </a:prstGeom>
-          <a:noFill/>
-        </p:spPr>
-        <p:txBody>
-          <a:bodyPr wrap="none" rtlCol="0">
-            <a:spAutoFit/>
-          </a:bodyPr>
-          <a:lstStyle/>
-          <a:p>
-            <a:r>
-              <a:rPr lang="fr-FR" dirty="0"/>
-              <a:t>Part I</a:t>
-            </a:r>
-          </a:p>
-        </p:txBody>
-      </p:sp>
-      <p:sp>
-        <p:nvSpPr>
-          <p:cNvPr id="9" name="Rectangle 8">
-            <a:extLst>
-              <a:ext uri="{FF2B5EF4-FFF2-40B4-BE49-F238E27FC236}">
-                <a16:creationId xmlns:a16="http://schemas.microsoft.com/office/drawing/2014/main" id="{43A593E7-75E3-B2DA-34DC-B828FB0F60FC}"/>
-              </a:ext>
-            </a:extLst>
-          </p:cNvPr>
-          <p:cNvSpPr/>
-          <p:nvPr/>
-        </p:nvSpPr>
-        <p:spPr>
-          <a:xfrm>
-            <a:off x="1203512" y="3889562"/>
-            <a:ext cx="8216153" cy="1106059"/>
-          </a:xfrm>
-          <a:custGeom>
-            <a:avLst/>
-            <a:gdLst>
-              <a:gd name="connsiteX0" fmla="*/ 0 w 8216153"/>
-              <a:gd name="connsiteY0" fmla="*/ 0 h 1106059"/>
-              <a:gd name="connsiteX1" fmla="*/ 586868 w 8216153"/>
-              <a:gd name="connsiteY1" fmla="*/ 0 h 1106059"/>
-              <a:gd name="connsiteX2" fmla="*/ 1338059 w 8216153"/>
-              <a:gd name="connsiteY2" fmla="*/ 0 h 1106059"/>
-              <a:gd name="connsiteX3" fmla="*/ 1842766 w 8216153"/>
-              <a:gd name="connsiteY3" fmla="*/ 0 h 1106059"/>
-              <a:gd name="connsiteX4" fmla="*/ 2593957 w 8216153"/>
-              <a:gd name="connsiteY4" fmla="*/ 0 h 1106059"/>
-              <a:gd name="connsiteX5" fmla="*/ 2934340 w 8216153"/>
-              <a:gd name="connsiteY5" fmla="*/ 0 h 1106059"/>
-              <a:gd name="connsiteX6" fmla="*/ 3356885 w 8216153"/>
-              <a:gd name="connsiteY6" fmla="*/ 0 h 1106059"/>
-              <a:gd name="connsiteX7" fmla="*/ 3861592 w 8216153"/>
-              <a:gd name="connsiteY7" fmla="*/ 0 h 1106059"/>
-              <a:gd name="connsiteX8" fmla="*/ 4201975 w 8216153"/>
-              <a:gd name="connsiteY8" fmla="*/ 0 h 1106059"/>
-              <a:gd name="connsiteX9" fmla="*/ 4542359 w 8216153"/>
-              <a:gd name="connsiteY9" fmla="*/ 0 h 1106059"/>
-              <a:gd name="connsiteX10" fmla="*/ 5211388 w 8216153"/>
-              <a:gd name="connsiteY10" fmla="*/ 0 h 1106059"/>
-              <a:gd name="connsiteX11" fmla="*/ 5551772 w 8216153"/>
-              <a:gd name="connsiteY11" fmla="*/ 0 h 1106059"/>
-              <a:gd name="connsiteX12" fmla="*/ 5892155 w 8216153"/>
-              <a:gd name="connsiteY12" fmla="*/ 0 h 1106059"/>
-              <a:gd name="connsiteX13" fmla="*/ 6396862 w 8216153"/>
-              <a:gd name="connsiteY13" fmla="*/ 0 h 1106059"/>
-              <a:gd name="connsiteX14" fmla="*/ 6983730 w 8216153"/>
-              <a:gd name="connsiteY14" fmla="*/ 0 h 1106059"/>
-              <a:gd name="connsiteX15" fmla="*/ 7652760 w 8216153"/>
-              <a:gd name="connsiteY15" fmla="*/ 0 h 1106059"/>
-              <a:gd name="connsiteX16" fmla="*/ 8216153 w 8216153"/>
-              <a:gd name="connsiteY16" fmla="*/ 0 h 1106059"/>
-              <a:gd name="connsiteX17" fmla="*/ 8216153 w 8216153"/>
-              <a:gd name="connsiteY17" fmla="*/ 519848 h 1106059"/>
-              <a:gd name="connsiteX18" fmla="*/ 8216153 w 8216153"/>
-              <a:gd name="connsiteY18" fmla="*/ 1106059 h 1106059"/>
-              <a:gd name="connsiteX19" fmla="*/ 7547123 w 8216153"/>
-              <a:gd name="connsiteY19" fmla="*/ 1106059 h 1106059"/>
-              <a:gd name="connsiteX20" fmla="*/ 7042417 w 8216153"/>
-              <a:gd name="connsiteY20" fmla="*/ 1106059 h 1106059"/>
-              <a:gd name="connsiteX21" fmla="*/ 6373387 w 8216153"/>
-              <a:gd name="connsiteY21" fmla="*/ 1106059 h 1106059"/>
-              <a:gd name="connsiteX22" fmla="*/ 5786519 w 8216153"/>
-              <a:gd name="connsiteY22" fmla="*/ 1106059 h 1106059"/>
-              <a:gd name="connsiteX23" fmla="*/ 5363974 w 8216153"/>
-              <a:gd name="connsiteY23" fmla="*/ 1106059 h 1106059"/>
-              <a:gd name="connsiteX24" fmla="*/ 5023591 w 8216153"/>
-              <a:gd name="connsiteY24" fmla="*/ 1106059 h 1106059"/>
-              <a:gd name="connsiteX25" fmla="*/ 4601046 w 8216153"/>
-              <a:gd name="connsiteY25" fmla="*/ 1106059 h 1106059"/>
-              <a:gd name="connsiteX26" fmla="*/ 4178501 w 8216153"/>
-              <a:gd name="connsiteY26" fmla="*/ 1106059 h 1106059"/>
-              <a:gd name="connsiteX27" fmla="*/ 3427310 w 8216153"/>
-              <a:gd name="connsiteY27" fmla="*/ 1106059 h 1106059"/>
-              <a:gd name="connsiteX28" fmla="*/ 2840441 w 8216153"/>
-              <a:gd name="connsiteY28" fmla="*/ 1106059 h 1106059"/>
-              <a:gd name="connsiteX29" fmla="*/ 2417896 w 8216153"/>
-              <a:gd name="connsiteY29" fmla="*/ 1106059 h 1106059"/>
-              <a:gd name="connsiteX30" fmla="*/ 1666705 w 8216153"/>
-              <a:gd name="connsiteY30" fmla="*/ 1106059 h 1106059"/>
-              <a:gd name="connsiteX31" fmla="*/ 1326322 w 8216153"/>
-              <a:gd name="connsiteY31" fmla="*/ 1106059 h 1106059"/>
-              <a:gd name="connsiteX32" fmla="*/ 739454 w 8216153"/>
-              <a:gd name="connsiteY32" fmla="*/ 1106059 h 1106059"/>
-              <a:gd name="connsiteX33" fmla="*/ 0 w 8216153"/>
-              <a:gd name="connsiteY33" fmla="*/ 1106059 h 1106059"/>
-              <a:gd name="connsiteX34" fmla="*/ 0 w 8216153"/>
-              <a:gd name="connsiteY34" fmla="*/ 564090 h 1106059"/>
-              <a:gd name="connsiteX35" fmla="*/ 0 w 8216153"/>
-              <a:gd name="connsiteY35" fmla="*/ 0 h 1106059"/>
+              <a:gd name="connsiteX33" fmla="*/ 0 w 7721413"/>
+              <a:gd name="connsiteY33" fmla="*/ 861037 h 1253938"/>
+              <a:gd name="connsiteX34" fmla="*/ 0 w 7721413"/>
+              <a:gd name="connsiteY34" fmla="*/ 430519 h 1253938"/>
+              <a:gd name="connsiteX35" fmla="*/ 0 w 7721413"/>
+              <a:gd name="connsiteY35" fmla="*/ 0 h 1253938"/>
             </a:gdLst>
             <a:ahLst/>
             <a:cxnLst>
@@ -18011,183 +17526,183 @@
             </a:cxnLst>
             <a:rect l="l" t="t" r="r" b="b"/>
             <a:pathLst>
-              <a:path w="8216153" h="1106059" extrusionOk="0">
+              <a:path w="7721413" h="1253938" extrusionOk="0">
                 <a:moveTo>
                   <a:pt x="0" y="0"/>
                 </a:moveTo>
                 <a:cubicBezTo>
-                  <a:pt x="146419" y="-51000"/>
-                  <a:pt x="399623" y="48979"/>
-                  <a:pt x="586868" y="0"/>
+                  <a:pt x="280780" y="-51542"/>
+                  <a:pt x="470091" y="21772"/>
+                  <a:pt x="593955" y="0"/>
                 </a:cubicBezTo>
                 <a:cubicBezTo>
-                  <a:pt x="774113" y="-48979"/>
-                  <a:pt x="1072432" y="18212"/>
-                  <a:pt x="1338059" y="0"/>
+                  <a:pt x="717820" y="-21772"/>
+                  <a:pt x="1035976" y="29757"/>
+                  <a:pt x="1342338" y="0"/>
                 </a:cubicBezTo>
                 <a:cubicBezTo>
-                  <a:pt x="1603686" y="-18212"/>
-                  <a:pt x="1699035" y="40476"/>
-                  <a:pt x="1842766" y="0"/>
+                  <a:pt x="1648700" y="-29757"/>
+                  <a:pt x="1666386" y="5526"/>
+                  <a:pt x="1859079" y="0"/>
                 </a:cubicBezTo>
                 <a:cubicBezTo>
-                  <a:pt x="1986497" y="-40476"/>
-                  <a:pt x="2361424" y="30644"/>
-                  <a:pt x="2593957" y="0"/>
+                  <a:pt x="2051772" y="-5526"/>
+                  <a:pt x="2270106" y="87377"/>
+                  <a:pt x="2607462" y="0"/>
                 </a:cubicBezTo>
                 <a:cubicBezTo>
-                  <a:pt x="2826490" y="-30644"/>
-                  <a:pt x="2770507" y="7802"/>
-                  <a:pt x="2934340" y="0"/>
+                  <a:pt x="2944818" y="-87377"/>
+                  <a:pt x="2840867" y="3172"/>
+                  <a:pt x="2969774" y="0"/>
                 </a:cubicBezTo>
                 <a:cubicBezTo>
-                  <a:pt x="3098173" y="-7802"/>
-                  <a:pt x="3253201" y="11032"/>
-                  <a:pt x="3356885" y="0"/>
+                  <a:pt x="3098681" y="-3172"/>
+                  <a:pt x="3290543" y="51776"/>
+                  <a:pt x="3409301" y="0"/>
                 </a:cubicBezTo>
                 <a:cubicBezTo>
-                  <a:pt x="3460569" y="-11032"/>
-                  <a:pt x="3696666" y="20479"/>
-                  <a:pt x="3861592" y="0"/>
+                  <a:pt x="3528059" y="-51776"/>
+                  <a:pt x="3814051" y="16893"/>
+                  <a:pt x="3926042" y="0"/>
                 </a:cubicBezTo>
                 <a:cubicBezTo>
-                  <a:pt x="4026518" y="-20479"/>
-                  <a:pt x="4113246" y="29554"/>
-                  <a:pt x="4201975" y="0"/>
+                  <a:pt x="4038033" y="-16893"/>
+                  <a:pt x="4205401" y="12276"/>
+                  <a:pt x="4288354" y="0"/>
                 </a:cubicBezTo>
                 <a:cubicBezTo>
-                  <a:pt x="4290704" y="-29554"/>
-                  <a:pt x="4400656" y="5059"/>
-                  <a:pt x="4542359" y="0"/>
+                  <a:pt x="4371307" y="-12276"/>
+                  <a:pt x="4511128" y="3836"/>
+                  <a:pt x="4650666" y="0"/>
                 </a:cubicBezTo>
                 <a:cubicBezTo>
-                  <a:pt x="4684062" y="-5059"/>
-                  <a:pt x="4891739" y="5444"/>
-                  <a:pt x="5211388" y="0"/>
+                  <a:pt x="4790204" y="-3836"/>
+                  <a:pt x="5156961" y="17611"/>
+                  <a:pt x="5321835" y="0"/>
                 </a:cubicBezTo>
                 <a:cubicBezTo>
-                  <a:pt x="5531037" y="-5444"/>
-                  <a:pt x="5480049" y="33474"/>
-                  <a:pt x="5551772" y="0"/>
+                  <a:pt x="5486709" y="-17611"/>
+                  <a:pt x="5534032" y="4876"/>
+                  <a:pt x="5684148" y="0"/>
                 </a:cubicBezTo>
                 <a:cubicBezTo>
-                  <a:pt x="5623495" y="-33474"/>
-                  <a:pt x="5786771" y="19180"/>
-                  <a:pt x="5892155" y="0"/>
+                  <a:pt x="5834264" y="-4876"/>
+                  <a:pt x="5920338" y="10713"/>
+                  <a:pt x="6046460" y="0"/>
                 </a:cubicBezTo>
                 <a:cubicBezTo>
-                  <a:pt x="5997539" y="-19180"/>
-                  <a:pt x="6269059" y="37612"/>
-                  <a:pt x="6396862" y="0"/>
+                  <a:pt x="6172582" y="-10713"/>
+                  <a:pt x="6420333" y="36740"/>
+                  <a:pt x="6563201" y="0"/>
                 </a:cubicBezTo>
                 <a:cubicBezTo>
-                  <a:pt x="6524665" y="-37612"/>
-                  <a:pt x="6864826" y="32125"/>
-                  <a:pt x="6983730" y="0"/>
+                  <a:pt x="6706069" y="-36740"/>
+                  <a:pt x="7037560" y="30623"/>
+                  <a:pt x="7157156" y="0"/>
                 </a:cubicBezTo>
                 <a:cubicBezTo>
-                  <a:pt x="7102634" y="-32125"/>
-                  <a:pt x="7411549" y="29085"/>
-                  <a:pt x="7652760" y="0"/>
+                  <a:pt x="7276753" y="-30623"/>
+                  <a:pt x="7487974" y="28917"/>
+                  <a:pt x="7721413" y="0"/>
                 </a:cubicBezTo>
                 <a:cubicBezTo>
-                  <a:pt x="7893971" y="-29085"/>
-                  <a:pt x="7953951" y="360"/>
-                  <a:pt x="8216153" y="0"/>
+                  <a:pt x="7763239" y="89605"/>
+                  <a:pt x="7718420" y="257489"/>
+                  <a:pt x="7721413" y="430519"/>
                 </a:cubicBezTo>
                 <a:cubicBezTo>
-                  <a:pt x="8216892" y="164793"/>
-                  <a:pt x="8179204" y="308521"/>
-                  <a:pt x="8216153" y="519848"/>
+                  <a:pt x="7724406" y="603549"/>
+                  <a:pt x="7713592" y="655252"/>
+                  <a:pt x="7721413" y="823419"/>
                 </a:cubicBezTo>
                 <a:cubicBezTo>
-                  <a:pt x="8253102" y="731175"/>
-                  <a:pt x="8157653" y="988806"/>
-                  <a:pt x="8216153" y="1106059"/>
+                  <a:pt x="7729234" y="991586"/>
+                  <a:pt x="7703508" y="1064100"/>
+                  <a:pt x="7721413" y="1253938"/>
                 </a:cubicBezTo>
                 <a:cubicBezTo>
-                  <a:pt x="7939928" y="1140150"/>
-                  <a:pt x="7682762" y="1036244"/>
-                  <a:pt x="7547123" y="1106059"/>
+                  <a:pt x="7520380" y="1303573"/>
+                  <a:pt x="7229997" y="1219177"/>
+                  <a:pt x="7050244" y="1253938"/>
                 </a:cubicBezTo>
                 <a:cubicBezTo>
-                  <a:pt x="7411484" y="1175874"/>
-                  <a:pt x="7208952" y="1057283"/>
-                  <a:pt x="7042417" y="1106059"/>
+                  <a:pt x="6870491" y="1288699"/>
+                  <a:pt x="6743218" y="1211642"/>
+                  <a:pt x="6533503" y="1253938"/>
                 </a:cubicBezTo>
                 <a:cubicBezTo>
-                  <a:pt x="6875882" y="1154835"/>
-                  <a:pt x="6526430" y="1085755"/>
-                  <a:pt x="6373387" y="1106059"/>
+                  <a:pt x="6323788" y="1296234"/>
+                  <a:pt x="6178563" y="1228100"/>
+                  <a:pt x="5862334" y="1253938"/>
                 </a:cubicBezTo>
                 <a:cubicBezTo>
-                  <a:pt x="6220344" y="1126363"/>
-                  <a:pt x="5930201" y="1081797"/>
-                  <a:pt x="5786519" y="1106059"/>
+                  <a:pt x="5546105" y="1279776"/>
+                  <a:pt x="5507420" y="1236379"/>
+                  <a:pt x="5268379" y="1253938"/>
                 </a:cubicBezTo>
                 <a:cubicBezTo>
-                  <a:pt x="5642837" y="1130321"/>
-                  <a:pt x="5488896" y="1058846"/>
-                  <a:pt x="5363974" y="1106059"/>
+                  <a:pt x="5029339" y="1271497"/>
+                  <a:pt x="5031892" y="1219403"/>
+                  <a:pt x="4828853" y="1253938"/>
                 </a:cubicBezTo>
                 <a:cubicBezTo>
-                  <a:pt x="5239052" y="1153272"/>
-                  <a:pt x="5138442" y="1090670"/>
-                  <a:pt x="5023591" y="1106059"/>
+                  <a:pt x="4625814" y="1288473"/>
+                  <a:pt x="4573216" y="1229525"/>
+                  <a:pt x="4466540" y="1253938"/>
                 </a:cubicBezTo>
                 <a:cubicBezTo>
-                  <a:pt x="4908740" y="1121448"/>
-                  <a:pt x="4736478" y="1056205"/>
-                  <a:pt x="4601046" y="1106059"/>
+                  <a:pt x="4359864" y="1278351"/>
+                  <a:pt x="4176356" y="1222851"/>
+                  <a:pt x="4027014" y="1253938"/>
                 </a:cubicBezTo>
                 <a:cubicBezTo>
-                  <a:pt x="4465614" y="1155913"/>
-                  <a:pt x="4387872" y="1088626"/>
-                  <a:pt x="4178501" y="1106059"/>
+                  <a:pt x="3877672" y="1285025"/>
+                  <a:pt x="3678213" y="1237644"/>
+                  <a:pt x="3587487" y="1253938"/>
                 </a:cubicBezTo>
                 <a:cubicBezTo>
-                  <a:pt x="3969130" y="1123492"/>
-                  <a:pt x="3789971" y="1045091"/>
-                  <a:pt x="3427310" y="1106059"/>
+                  <a:pt x="3496761" y="1270232"/>
+                  <a:pt x="3080289" y="1238505"/>
+                  <a:pt x="2839104" y="1253938"/>
                 </a:cubicBezTo>
                 <a:cubicBezTo>
-                  <a:pt x="3064649" y="1167027"/>
-                  <a:pt x="3065316" y="1064829"/>
-                  <a:pt x="2840441" y="1106059"/>
+                  <a:pt x="2597919" y="1269371"/>
+                  <a:pt x="2491263" y="1228797"/>
+                  <a:pt x="2245149" y="1253938"/>
                 </a:cubicBezTo>
                 <a:cubicBezTo>
-                  <a:pt x="2615566" y="1147289"/>
-                  <a:pt x="2525069" y="1079174"/>
-                  <a:pt x="2417896" y="1106059"/>
+                  <a:pt x="1999035" y="1279079"/>
+                  <a:pt x="2001692" y="1240939"/>
+                  <a:pt x="1805623" y="1253938"/>
                 </a:cubicBezTo>
                 <a:cubicBezTo>
-                  <a:pt x="2310723" y="1132944"/>
-                  <a:pt x="1836100" y="1100308"/>
-                  <a:pt x="1666705" y="1106059"/>
+                  <a:pt x="1609554" y="1266937"/>
+                  <a:pt x="1376607" y="1224105"/>
+                  <a:pt x="1057240" y="1253938"/>
                 </a:cubicBezTo>
                 <a:cubicBezTo>
-                  <a:pt x="1497310" y="1111810"/>
-                  <a:pt x="1467758" y="1083490"/>
-                  <a:pt x="1326322" y="1106059"/>
+                  <a:pt x="737873" y="1283771"/>
+                  <a:pt x="797198" y="1246923"/>
+                  <a:pt x="694927" y="1253938"/>
                 </a:cubicBezTo>
                 <a:cubicBezTo>
-                  <a:pt x="1184886" y="1128628"/>
-                  <a:pt x="1007914" y="1098881"/>
-                  <a:pt x="739454" y="1106059"/>
+                  <a:pt x="592656" y="1260953"/>
+                  <a:pt x="223180" y="1219514"/>
+                  <a:pt x="0" y="1253938"/>
                 </a:cubicBezTo>
                 <a:cubicBezTo>
-                  <a:pt x="470994" y="1113237"/>
-                  <a:pt x="193127" y="1045313"/>
-                  <a:pt x="0" y="1106059"/>
+                  <a:pt x="-39535" y="1082672"/>
+                  <a:pt x="39121" y="991115"/>
+                  <a:pt x="0" y="861037"/>
                 </a:cubicBezTo>
                 <a:cubicBezTo>
-                  <a:pt x="-47512" y="887000"/>
-                  <a:pt x="5990" y="697200"/>
-                  <a:pt x="0" y="564090"/>
+                  <a:pt x="-39121" y="730959"/>
+                  <a:pt x="25247" y="601239"/>
+                  <a:pt x="0" y="430519"/>
                 </a:cubicBezTo>
                 <a:cubicBezTo>
-                  <a:pt x="-5990" y="430980"/>
-                  <a:pt x="1795" y="152234"/>
+                  <a:pt x="-25247" y="259799"/>
+                  <a:pt x="47251" y="142307"/>
                   <a:pt x="0" y="0"/>
                 </a:cubicBezTo>
                 <a:close/>
@@ -18198,7 +17713,442 @@
           <a:ln>
             <a:extLst>
               <a:ext uri="{C807C97D-BFC1-408E-A445-0C87EB9F89A2}">
-                <ask:lineSketchStyleProps xmlns:ask="http://schemas.microsoft.com/office/drawing/2018/sketchyshapes" xmlns="" sd="2998774104">
+                <ask:lineSketchStyleProps xmlns:ask="http://schemas.microsoft.com/office/drawing/2018/sketchyshapes" sd="2998774104">
+                  <a:prstGeom prst="rect">
+                    <a:avLst/>
+                  </a:prstGeom>
+                  <ask:type>
+                    <ask:lineSketchScribble/>
+                  </ask:type>
+                </ask:lineSketchStyleProps>
+              </a:ext>
+            </a:extLst>
+          </a:ln>
+        </p:spPr>
+        <p:style>
+          <a:lnRef idx="2">
+            <a:schemeClr val="accent1">
+              <a:shade val="15000"/>
+            </a:schemeClr>
+          </a:lnRef>
+          <a:fillRef idx="1">
+            <a:schemeClr val="accent1"/>
+          </a:fillRef>
+          <a:effectRef idx="0">
+            <a:schemeClr val="accent1"/>
+          </a:effectRef>
+          <a:fontRef idx="minor">
+            <a:schemeClr val="lt1"/>
+          </a:fontRef>
+        </p:style>
+        <p:txBody>
+          <a:bodyPr rtlCol="0" anchor="ctr"/>
+          <a:lstStyle/>
+          <a:p>
+            <a:pPr algn="ctr"/>
+            <a:endParaRPr lang="fr-FR"/>
+          </a:p>
+        </p:txBody>
+      </p:sp>
+      <p:sp>
+        <p:nvSpPr>
+          <p:cNvPr id="8" name="ZoneTexte 7">
+            <a:extLst>
+              <a:ext uri="{FF2B5EF4-FFF2-40B4-BE49-F238E27FC236}">
+                <a16:creationId xmlns:a16="http://schemas.microsoft.com/office/drawing/2014/main" id="{6BC1B263-3093-651C-0D7C-B775A071B60D}"/>
+              </a:ext>
+            </a:extLst>
+          </p:cNvPr>
+          <p:cNvSpPr txBox="1"/>
+          <p:nvPr/>
+        </p:nvSpPr>
+        <p:spPr>
+          <a:xfrm rot="5400000">
+            <a:off x="8429092" y="3098258"/>
+            <a:ext cx="612668" cy="307777"/>
+          </a:xfrm>
+          <a:prstGeom prst="rect">
+            <a:avLst/>
+          </a:prstGeom>
+          <a:noFill/>
+        </p:spPr>
+        <p:txBody>
+          <a:bodyPr wrap="none" rtlCol="0">
+            <a:spAutoFit/>
+          </a:bodyPr>
+          <a:lstStyle/>
+          <a:p>
+            <a:r>
+              <a:rPr lang="fr-FR" dirty="0"/>
+              <a:t>Part I</a:t>
+            </a:r>
+          </a:p>
+        </p:txBody>
+      </p:sp>
+      <p:sp>
+        <p:nvSpPr>
+          <p:cNvPr id="9" name="Rectangle 8">
+            <a:extLst>
+              <a:ext uri="{FF2B5EF4-FFF2-40B4-BE49-F238E27FC236}">
+                <a16:creationId xmlns:a16="http://schemas.microsoft.com/office/drawing/2014/main" id="{43A593E7-75E3-B2DA-34DC-B828FB0F60FC}"/>
+              </a:ext>
+            </a:extLst>
+          </p:cNvPr>
+          <p:cNvSpPr/>
+          <p:nvPr/>
+        </p:nvSpPr>
+        <p:spPr>
+          <a:xfrm>
+            <a:off x="1203512" y="3813362"/>
+            <a:ext cx="7721413" cy="1106059"/>
+          </a:xfrm>
+          <a:custGeom>
+            <a:avLst/>
+            <a:gdLst>
+              <a:gd name="connsiteX0" fmla="*/ 0 w 7721413"/>
+              <a:gd name="connsiteY0" fmla="*/ 0 h 1106059"/>
+              <a:gd name="connsiteX1" fmla="*/ 593955 w 7721413"/>
+              <a:gd name="connsiteY1" fmla="*/ 0 h 1106059"/>
+              <a:gd name="connsiteX2" fmla="*/ 1342338 w 7721413"/>
+              <a:gd name="connsiteY2" fmla="*/ 0 h 1106059"/>
+              <a:gd name="connsiteX3" fmla="*/ 1859079 w 7721413"/>
+              <a:gd name="connsiteY3" fmla="*/ 0 h 1106059"/>
+              <a:gd name="connsiteX4" fmla="*/ 2607462 w 7721413"/>
+              <a:gd name="connsiteY4" fmla="*/ 0 h 1106059"/>
+              <a:gd name="connsiteX5" fmla="*/ 2969774 w 7721413"/>
+              <a:gd name="connsiteY5" fmla="*/ 0 h 1106059"/>
+              <a:gd name="connsiteX6" fmla="*/ 3409301 w 7721413"/>
+              <a:gd name="connsiteY6" fmla="*/ 0 h 1106059"/>
+              <a:gd name="connsiteX7" fmla="*/ 3926042 w 7721413"/>
+              <a:gd name="connsiteY7" fmla="*/ 0 h 1106059"/>
+              <a:gd name="connsiteX8" fmla="*/ 4288354 w 7721413"/>
+              <a:gd name="connsiteY8" fmla="*/ 0 h 1106059"/>
+              <a:gd name="connsiteX9" fmla="*/ 4650666 w 7721413"/>
+              <a:gd name="connsiteY9" fmla="*/ 0 h 1106059"/>
+              <a:gd name="connsiteX10" fmla="*/ 5321835 w 7721413"/>
+              <a:gd name="connsiteY10" fmla="*/ 0 h 1106059"/>
+              <a:gd name="connsiteX11" fmla="*/ 5684148 w 7721413"/>
+              <a:gd name="connsiteY11" fmla="*/ 0 h 1106059"/>
+              <a:gd name="connsiteX12" fmla="*/ 6046460 w 7721413"/>
+              <a:gd name="connsiteY12" fmla="*/ 0 h 1106059"/>
+              <a:gd name="connsiteX13" fmla="*/ 6563201 w 7721413"/>
+              <a:gd name="connsiteY13" fmla="*/ 0 h 1106059"/>
+              <a:gd name="connsiteX14" fmla="*/ 7157156 w 7721413"/>
+              <a:gd name="connsiteY14" fmla="*/ 0 h 1106059"/>
+              <a:gd name="connsiteX15" fmla="*/ 7721413 w 7721413"/>
+              <a:gd name="connsiteY15" fmla="*/ 0 h 1106059"/>
+              <a:gd name="connsiteX16" fmla="*/ 7721413 w 7721413"/>
+              <a:gd name="connsiteY16" fmla="*/ 564090 h 1106059"/>
+              <a:gd name="connsiteX17" fmla="*/ 7721413 w 7721413"/>
+              <a:gd name="connsiteY17" fmla="*/ 1106059 h 1106059"/>
+              <a:gd name="connsiteX18" fmla="*/ 6973030 w 7721413"/>
+              <a:gd name="connsiteY18" fmla="*/ 1106059 h 1106059"/>
+              <a:gd name="connsiteX19" fmla="*/ 6456289 w 7721413"/>
+              <a:gd name="connsiteY19" fmla="*/ 1106059 h 1106059"/>
+              <a:gd name="connsiteX20" fmla="*/ 5939548 w 7721413"/>
+              <a:gd name="connsiteY20" fmla="*/ 1106059 h 1106059"/>
+              <a:gd name="connsiteX21" fmla="*/ 5268379 w 7721413"/>
+              <a:gd name="connsiteY21" fmla="*/ 1106059 h 1106059"/>
+              <a:gd name="connsiteX22" fmla="*/ 4674425 w 7721413"/>
+              <a:gd name="connsiteY22" fmla="*/ 1106059 h 1106059"/>
+              <a:gd name="connsiteX23" fmla="*/ 4234898 w 7721413"/>
+              <a:gd name="connsiteY23" fmla="*/ 1106059 h 1106059"/>
+              <a:gd name="connsiteX24" fmla="*/ 3872586 w 7721413"/>
+              <a:gd name="connsiteY24" fmla="*/ 1106059 h 1106059"/>
+              <a:gd name="connsiteX25" fmla="*/ 3433059 w 7721413"/>
+              <a:gd name="connsiteY25" fmla="*/ 1106059 h 1106059"/>
+              <a:gd name="connsiteX26" fmla="*/ 2993532 w 7721413"/>
+              <a:gd name="connsiteY26" fmla="*/ 1106059 h 1106059"/>
+              <a:gd name="connsiteX27" fmla="*/ 2245149 w 7721413"/>
+              <a:gd name="connsiteY27" fmla="*/ 1106059 h 1106059"/>
+              <a:gd name="connsiteX28" fmla="*/ 1651194 w 7721413"/>
+              <a:gd name="connsiteY28" fmla="*/ 1106059 h 1106059"/>
+              <a:gd name="connsiteX29" fmla="*/ 1211668 w 7721413"/>
+              <a:gd name="connsiteY29" fmla="*/ 1106059 h 1106059"/>
+              <a:gd name="connsiteX30" fmla="*/ 0 w 7721413"/>
+              <a:gd name="connsiteY30" fmla="*/ 1106059 h 1106059"/>
+              <a:gd name="connsiteX31" fmla="*/ 0 w 7721413"/>
+              <a:gd name="connsiteY31" fmla="*/ 586211 h 1106059"/>
+              <a:gd name="connsiteX32" fmla="*/ 0 w 7721413"/>
+              <a:gd name="connsiteY32" fmla="*/ 0 h 1106059"/>
+            </a:gdLst>
+            <a:ahLst/>
+            <a:cxnLst>
+              <a:cxn ang="0">
+                <a:pos x="connsiteX0" y="connsiteY0"/>
+              </a:cxn>
+              <a:cxn ang="0">
+                <a:pos x="connsiteX1" y="connsiteY1"/>
+              </a:cxn>
+              <a:cxn ang="0">
+                <a:pos x="connsiteX2" y="connsiteY2"/>
+              </a:cxn>
+              <a:cxn ang="0">
+                <a:pos x="connsiteX3" y="connsiteY3"/>
+              </a:cxn>
+              <a:cxn ang="0">
+                <a:pos x="connsiteX4" y="connsiteY4"/>
+              </a:cxn>
+              <a:cxn ang="0">
+                <a:pos x="connsiteX5" y="connsiteY5"/>
+              </a:cxn>
+              <a:cxn ang="0">
+                <a:pos x="connsiteX6" y="connsiteY6"/>
+              </a:cxn>
+              <a:cxn ang="0">
+                <a:pos x="connsiteX7" y="connsiteY7"/>
+              </a:cxn>
+              <a:cxn ang="0">
+                <a:pos x="connsiteX8" y="connsiteY8"/>
+              </a:cxn>
+              <a:cxn ang="0">
+                <a:pos x="connsiteX9" y="connsiteY9"/>
+              </a:cxn>
+              <a:cxn ang="0">
+                <a:pos x="connsiteX10" y="connsiteY10"/>
+              </a:cxn>
+              <a:cxn ang="0">
+                <a:pos x="connsiteX11" y="connsiteY11"/>
+              </a:cxn>
+              <a:cxn ang="0">
+                <a:pos x="connsiteX12" y="connsiteY12"/>
+              </a:cxn>
+              <a:cxn ang="0">
+                <a:pos x="connsiteX13" y="connsiteY13"/>
+              </a:cxn>
+              <a:cxn ang="0">
+                <a:pos x="connsiteX14" y="connsiteY14"/>
+              </a:cxn>
+              <a:cxn ang="0">
+                <a:pos x="connsiteX15" y="connsiteY15"/>
+              </a:cxn>
+              <a:cxn ang="0">
+                <a:pos x="connsiteX16" y="connsiteY16"/>
+              </a:cxn>
+              <a:cxn ang="0">
+                <a:pos x="connsiteX17" y="connsiteY17"/>
+              </a:cxn>
+              <a:cxn ang="0">
+                <a:pos x="connsiteX18" y="connsiteY18"/>
+              </a:cxn>
+              <a:cxn ang="0">
+                <a:pos x="connsiteX19" y="connsiteY19"/>
+              </a:cxn>
+              <a:cxn ang="0">
+                <a:pos x="connsiteX20" y="connsiteY20"/>
+              </a:cxn>
+              <a:cxn ang="0">
+                <a:pos x="connsiteX21" y="connsiteY21"/>
+              </a:cxn>
+              <a:cxn ang="0">
+                <a:pos x="connsiteX22" y="connsiteY22"/>
+              </a:cxn>
+              <a:cxn ang="0">
+                <a:pos x="connsiteX23" y="connsiteY23"/>
+              </a:cxn>
+              <a:cxn ang="0">
+                <a:pos x="connsiteX24" y="connsiteY24"/>
+              </a:cxn>
+              <a:cxn ang="0">
+                <a:pos x="connsiteX25" y="connsiteY25"/>
+              </a:cxn>
+              <a:cxn ang="0">
+                <a:pos x="connsiteX26" y="connsiteY26"/>
+              </a:cxn>
+              <a:cxn ang="0">
+                <a:pos x="connsiteX27" y="connsiteY27"/>
+              </a:cxn>
+              <a:cxn ang="0">
+                <a:pos x="connsiteX28" y="connsiteY28"/>
+              </a:cxn>
+              <a:cxn ang="0">
+                <a:pos x="connsiteX29" y="connsiteY29"/>
+              </a:cxn>
+              <a:cxn ang="0">
+                <a:pos x="connsiteX30" y="connsiteY30"/>
+              </a:cxn>
+              <a:cxn ang="0">
+                <a:pos x="connsiteX31" y="connsiteY31"/>
+              </a:cxn>
+              <a:cxn ang="0">
+                <a:pos x="connsiteX32" y="connsiteY32"/>
+              </a:cxn>
+            </a:cxnLst>
+            <a:rect l="l" t="t" r="r" b="b"/>
+            <a:pathLst>
+              <a:path w="7721413" h="1106059" extrusionOk="0">
+                <a:moveTo>
+                  <a:pt x="0" y="0"/>
+                </a:moveTo>
+                <a:cubicBezTo>
+                  <a:pt x="280780" y="-51542"/>
+                  <a:pt x="470091" y="21772"/>
+                  <a:pt x="593955" y="0"/>
+                </a:cubicBezTo>
+                <a:cubicBezTo>
+                  <a:pt x="717820" y="-21772"/>
+                  <a:pt x="1035976" y="29757"/>
+                  <a:pt x="1342338" y="0"/>
+                </a:cubicBezTo>
+                <a:cubicBezTo>
+                  <a:pt x="1648700" y="-29757"/>
+                  <a:pt x="1666386" y="5526"/>
+                  <a:pt x="1859079" y="0"/>
+                </a:cubicBezTo>
+                <a:cubicBezTo>
+                  <a:pt x="2051772" y="-5526"/>
+                  <a:pt x="2270106" y="87377"/>
+                  <a:pt x="2607462" y="0"/>
+                </a:cubicBezTo>
+                <a:cubicBezTo>
+                  <a:pt x="2944818" y="-87377"/>
+                  <a:pt x="2840867" y="3172"/>
+                  <a:pt x="2969774" y="0"/>
+                </a:cubicBezTo>
+                <a:cubicBezTo>
+                  <a:pt x="3098681" y="-3172"/>
+                  <a:pt x="3290543" y="51776"/>
+                  <a:pt x="3409301" y="0"/>
+                </a:cubicBezTo>
+                <a:cubicBezTo>
+                  <a:pt x="3528059" y="-51776"/>
+                  <a:pt x="3814051" y="16893"/>
+                  <a:pt x="3926042" y="0"/>
+                </a:cubicBezTo>
+                <a:cubicBezTo>
+                  <a:pt x="4038033" y="-16893"/>
+                  <a:pt x="4205401" y="12276"/>
+                  <a:pt x="4288354" y="0"/>
+                </a:cubicBezTo>
+                <a:cubicBezTo>
+                  <a:pt x="4371307" y="-12276"/>
+                  <a:pt x="4511128" y="3836"/>
+                  <a:pt x="4650666" y="0"/>
+                </a:cubicBezTo>
+                <a:cubicBezTo>
+                  <a:pt x="4790204" y="-3836"/>
+                  <a:pt x="5156961" y="17611"/>
+                  <a:pt x="5321835" y="0"/>
+                </a:cubicBezTo>
+                <a:cubicBezTo>
+                  <a:pt x="5486709" y="-17611"/>
+                  <a:pt x="5534032" y="4876"/>
+                  <a:pt x="5684148" y="0"/>
+                </a:cubicBezTo>
+                <a:cubicBezTo>
+                  <a:pt x="5834264" y="-4876"/>
+                  <a:pt x="5920338" y="10713"/>
+                  <a:pt x="6046460" y="0"/>
+                </a:cubicBezTo>
+                <a:cubicBezTo>
+                  <a:pt x="6172582" y="-10713"/>
+                  <a:pt x="6420333" y="36740"/>
+                  <a:pt x="6563201" y="0"/>
+                </a:cubicBezTo>
+                <a:cubicBezTo>
+                  <a:pt x="6706069" y="-36740"/>
+                  <a:pt x="7037560" y="30623"/>
+                  <a:pt x="7157156" y="0"/>
+                </a:cubicBezTo>
+                <a:cubicBezTo>
+                  <a:pt x="7276753" y="-30623"/>
+                  <a:pt x="7487974" y="28917"/>
+                  <a:pt x="7721413" y="0"/>
+                </a:cubicBezTo>
+                <a:cubicBezTo>
+                  <a:pt x="7724599" y="113604"/>
+                  <a:pt x="7679519" y="443403"/>
+                  <a:pt x="7721413" y="564090"/>
+                </a:cubicBezTo>
+                <a:cubicBezTo>
+                  <a:pt x="7763307" y="684777"/>
+                  <a:pt x="7659468" y="861824"/>
+                  <a:pt x="7721413" y="1106059"/>
+                </a:cubicBezTo>
+                <a:cubicBezTo>
+                  <a:pt x="7511829" y="1121872"/>
+                  <a:pt x="7134681" y="1034960"/>
+                  <a:pt x="6973030" y="1106059"/>
+                </a:cubicBezTo>
+                <a:cubicBezTo>
+                  <a:pt x="6811379" y="1177158"/>
+                  <a:pt x="6644199" y="1047278"/>
+                  <a:pt x="6456289" y="1106059"/>
+                </a:cubicBezTo>
+                <a:cubicBezTo>
+                  <a:pt x="6268379" y="1164840"/>
+                  <a:pt x="6149263" y="1063763"/>
+                  <a:pt x="5939548" y="1106059"/>
+                </a:cubicBezTo>
+                <a:cubicBezTo>
+                  <a:pt x="5729833" y="1148355"/>
+                  <a:pt x="5584608" y="1080221"/>
+                  <a:pt x="5268379" y="1106059"/>
+                </a:cubicBezTo>
+                <a:cubicBezTo>
+                  <a:pt x="4952150" y="1131897"/>
+                  <a:pt x="4909254" y="1086840"/>
+                  <a:pt x="4674425" y="1106059"/>
+                </a:cubicBezTo>
+                <a:cubicBezTo>
+                  <a:pt x="4439596" y="1125278"/>
+                  <a:pt x="4440293" y="1081133"/>
+                  <a:pt x="4234898" y="1106059"/>
+                </a:cubicBezTo>
+                <a:cubicBezTo>
+                  <a:pt x="4029503" y="1130985"/>
+                  <a:pt x="3977548" y="1072882"/>
+                  <a:pt x="3872586" y="1106059"/>
+                </a:cubicBezTo>
+                <a:cubicBezTo>
+                  <a:pt x="3767624" y="1139236"/>
+                  <a:pt x="3583432" y="1083608"/>
+                  <a:pt x="3433059" y="1106059"/>
+                </a:cubicBezTo>
+                <a:cubicBezTo>
+                  <a:pt x="3282686" y="1128510"/>
+                  <a:pt x="3084258" y="1089765"/>
+                  <a:pt x="2993532" y="1106059"/>
+                </a:cubicBezTo>
+                <a:cubicBezTo>
+                  <a:pt x="2902806" y="1122353"/>
+                  <a:pt x="2486334" y="1090626"/>
+                  <a:pt x="2245149" y="1106059"/>
+                </a:cubicBezTo>
+                <a:cubicBezTo>
+                  <a:pt x="2003964" y="1121492"/>
+                  <a:pt x="1897308" y="1080918"/>
+                  <a:pt x="1651194" y="1106059"/>
+                </a:cubicBezTo>
+                <a:cubicBezTo>
+                  <a:pt x="1405080" y="1131200"/>
+                  <a:pt x="1407737" y="1093060"/>
+                  <a:pt x="1211668" y="1106059"/>
+                </a:cubicBezTo>
+                <a:cubicBezTo>
+                  <a:pt x="1015599" y="1119058"/>
+                  <a:pt x="408911" y="1098556"/>
+                  <a:pt x="0" y="1106059"/>
+                </a:cubicBezTo>
+                <a:cubicBezTo>
+                  <a:pt x="-19066" y="986062"/>
+                  <a:pt x="61323" y="819003"/>
+                  <a:pt x="0" y="586211"/>
+                </a:cubicBezTo>
+                <a:cubicBezTo>
+                  <a:pt x="-61323" y="353419"/>
+                  <a:pt x="44979" y="172569"/>
+                  <a:pt x="0" y="0"/>
+                </a:cubicBezTo>
+                <a:close/>
+              </a:path>
+            </a:pathLst>
+          </a:custGeom>
+          <a:noFill/>
+          <a:ln>
+            <a:extLst>
+              <a:ext uri="{C807C97D-BFC1-408E-A445-0C87EB9F89A2}">
+                <ask:lineSketchStyleProps xmlns:ask="http://schemas.microsoft.com/office/drawing/2018/sketchyshapes" sd="2998774104">
                   <a:prstGeom prst="rect">
                     <a:avLst/>
                   </a:prstGeom>
@@ -18249,7 +18199,7 @@
         </p:nvSpPr>
         <p:spPr>
           <a:xfrm rot="5400000">
-            <a:off x="8894948" y="4232639"/>
+            <a:off x="8404247" y="4239925"/>
             <a:ext cx="662361" cy="307777"/>
           </a:xfrm>
           <a:prstGeom prst="rect">

--- a/interim-092024/nmop-chairs-slides.pptx
+++ b/interim-092024/nmop-chairs-slides.pptx
@@ -6,16 +6,15 @@
     <p:sldMasterId id="2147483665" r:id="rId2"/>
   </p:sldMasterIdLst>
   <p:notesMasterIdLst>
-    <p:notesMasterId r:id="rId10"/>
+    <p:notesMasterId r:id="rId9"/>
   </p:notesMasterIdLst>
   <p:sldIdLst>
     <p:sldId id="256" r:id="rId3"/>
     <p:sldId id="257" r:id="rId4"/>
     <p:sldId id="274" r:id="rId5"/>
-    <p:sldId id="260" r:id="rId6"/>
-    <p:sldId id="271" r:id="rId7"/>
+    <p:sldId id="277" r:id="rId6"/>
+    <p:sldId id="280" r:id="rId7"/>
     <p:sldId id="276" r:id="rId8"/>
-    <p:sldId id="268" r:id="rId9"/>
   </p:sldIdLst>
   <p:sldSz cx="9144000" cy="5143500" type="screen16x9"/>
   <p:notesSz cx="6858000" cy="9144000"/>
@@ -1548,7 +1547,7 @@
             </a:pPr>
             <a:fld id="{00000000-1234-1234-1234-123412341234}" type="slidenum">
               <a:rPr lang="en-US"/>
-              <a:t>‹N°›</a:t>
+              <a:t>‹#›</a:t>
             </a:fld>
             <a:endParaRPr/>
           </a:p>
@@ -2867,7 +2866,7 @@
             </a:pPr>
             <a:fld id="{00000000-1234-1234-1234-123412341234}" type="slidenum">
               <a:rPr lang="en-US"/>
-              <a:t>‹N°›</a:t>
+              <a:t>‹#›</a:t>
             </a:fld>
             <a:endParaRPr/>
           </a:p>
@@ -3862,7 +3861,7 @@
             </a:pPr>
             <a:fld id="{00000000-1234-1234-1234-123412341234}" type="slidenum">
               <a:rPr lang="en-US"/>
-              <a:t>‹N°›</a:t>
+              <a:t>‹#›</a:t>
             </a:fld>
             <a:endParaRPr/>
           </a:p>
@@ -4436,7 +4435,7 @@
             </a:pPr>
             <a:fld id="{00000000-1234-1234-1234-123412341234}" type="slidenum">
               <a:rPr lang="en-US"/>
-              <a:t>‹N°›</a:t>
+              <a:t>‹#›</a:t>
             </a:fld>
             <a:endParaRPr/>
           </a:p>
@@ -5672,7 +5671,7 @@
             </a:pPr>
             <a:fld id="{00000000-1234-1234-1234-123412341234}" type="slidenum">
               <a:rPr lang="en-US"/>
-              <a:t>‹N°›</a:t>
+              <a:t>‹#›</a:t>
             </a:fld>
             <a:endParaRPr/>
           </a:p>
@@ -6164,7 +6163,7 @@
             </a:pPr>
             <a:fld id="{00000000-1234-1234-1234-123412341234}" type="slidenum">
               <a:rPr lang="en-US"/>
-              <a:t>‹N°›</a:t>
+              <a:t>‹#›</a:t>
             </a:fld>
             <a:endParaRPr/>
           </a:p>
@@ -7016,7 +7015,7 @@
             </a:pPr>
             <a:fld id="{00000000-1234-1234-1234-123412341234}" type="slidenum">
               <a:rPr lang="en-US"/>
-              <a:t>‹N°›</a:t>
+              <a:t>‹#›</a:t>
             </a:fld>
             <a:endParaRPr/>
           </a:p>
@@ -7992,7 +7991,7 @@
             </a:pPr>
             <a:fld id="{00000000-1234-1234-1234-123412341234}" type="slidenum">
               <a:rPr lang="en-US"/>
-              <a:t>‹N°›</a:t>
+              <a:t>‹#›</a:t>
             </a:fld>
             <a:endParaRPr/>
           </a:p>
@@ -8286,7 +8285,7 @@
             </a:pPr>
             <a:fld id="{00000000-1234-1234-1234-123412341234}" type="slidenum">
               <a:rPr lang="en-US"/>
-              <a:t>‹N°›</a:t>
+              <a:t>‹#›</a:t>
             </a:fld>
             <a:endParaRPr/>
           </a:p>
@@ -9494,7 +9493,7 @@
             </a:pPr>
             <a:fld id="{00000000-1234-1234-1234-123412341234}" type="slidenum">
               <a:rPr lang="en-US"/>
-              <a:t>‹N°›</a:t>
+              <a:t>‹#›</a:t>
             </a:fld>
             <a:endParaRPr/>
           </a:p>
@@ -10400,7 +10399,7 @@
             </a:pPr>
             <a:fld id="{00000000-1234-1234-1234-123412341234}" type="slidenum">
               <a:rPr lang="en-US"/>
-              <a:t>‹N°›</a:t>
+              <a:t>‹#›</a:t>
             </a:fld>
             <a:endParaRPr/>
           </a:p>
@@ -11125,7 +11124,7 @@
             </a:pPr>
             <a:fld id="{00000000-1234-1234-1234-123412341234}" type="slidenum">
               <a:rPr lang="en-US"/>
-              <a:t>‹N°›</a:t>
+              <a:t>‹#›</a:t>
             </a:fld>
             <a:endParaRPr/>
           </a:p>
@@ -12120,7 +12119,7 @@
             </a:pPr>
             <a:fld id="{00000000-1234-1234-1234-123412341234}" type="slidenum">
               <a:rPr lang="en-US"/>
-              <a:t>‹N°›</a:t>
+              <a:t>‹#›</a:t>
             </a:fld>
             <a:endParaRPr/>
           </a:p>
@@ -12721,7 +12720,7 @@
             </a:pPr>
             <a:fld id="{00000000-1234-1234-1234-123412341234}" type="slidenum">
               <a:rPr lang="en-US"/>
-              <a:t>‹N°›</a:t>
+              <a:t>‹#›</a:t>
             </a:fld>
             <a:endParaRPr/>
           </a:p>
@@ -13035,7 +13034,7 @@
             </a:pPr>
             <a:fld id="{00000000-1234-1234-1234-123412341234}" type="slidenum">
               <a:rPr lang="en-US"/>
-              <a:t>‹N°›</a:t>
+              <a:t>‹#›</a:t>
             </a:fld>
             <a:endParaRPr/>
           </a:p>
@@ -15117,7 +15116,7 @@
             </a:pPr>
             <a:fld id="{00000000-1234-1234-1234-123412341234}" type="slidenum">
               <a:rPr lang="en-US"/>
-              <a:t>‹N°›</a:t>
+              <a:t>‹#›</a:t>
             </a:fld>
             <a:endParaRPr/>
           </a:p>
@@ -15876,23 +15875,6 @@
           </a:bodyPr>
           <a:lstStyle/>
           <a:p>
-            <a:pPr marL="0" marR="0" lvl="0" indent="0" algn="l" rtl="0">
-              <a:lnSpc>
-                <a:spcPct val="100000"/>
-              </a:lnSpc>
-              <a:spcBef>
-                <a:spcPts val="0"/>
-              </a:spcBef>
-              <a:spcAft>
-                <a:spcPts val="0"/>
-              </a:spcAft>
-              <a:buClr>
-                <a:srgbClr val="FFFFFF"/>
-              </a:buClr>
-              <a:buSzPts val="4200"/>
-              <a:buFont typeface="Open Sans"/>
-              <a:buNone/>
-            </a:pPr>
             <a:r>
               <a:rPr lang="en-US" sz="3600" dirty="0">
                 <a:latin typeface="Inter"/>
@@ -15942,7 +15924,7 @@
               </a:rPr>
             </a:br>
             <a:r>
-              <a:rPr lang="en-US" sz="3600" dirty="0">
+              <a:rPr lang="en-US" sz="3600" i="1" dirty="0">
                 <a:latin typeface="Inter"/>
                 <a:ea typeface="Inter"/>
                 <a:cs typeface="Inter"/>
@@ -15951,15 +15933,10 @@
               <a:t>Focus: </a:t>
             </a:r>
             <a:r>
-              <a:rPr lang="en-US" sz="3600">
-                <a:latin typeface="Inter"/>
-                <a:ea typeface="Inter"/>
-                <a:cs typeface="Inter"/>
-                <a:sym typeface="Inter"/>
-              </a:rPr>
-              <a:t>Network Anomaly</a:t>
+              <a:rPr lang="en-US" sz="3600" i="1" dirty="0"/>
+              <a:t>Interim on Cooperation with BBF</a:t>
             </a:r>
-            <a:endParaRPr sz="3600" dirty="0">
+            <a:endParaRPr sz="3600" i="1" dirty="0">
               <a:latin typeface="Inter"/>
               <a:ea typeface="Inter"/>
               <a:cs typeface="Inter"/>
@@ -16020,7 +15997,7 @@
                 <a:cs typeface="Inter"/>
                 <a:sym typeface="Inter"/>
               </a:rPr>
-              <a:t>September 11, 2024</a:t>
+              <a:t>Feb 26th, 2025</a:t>
             </a:r>
             <a:endParaRPr sz="1100" dirty="0">
               <a:latin typeface="Inter"/>
@@ -16066,7 +16043,7 @@
               <a:buNone/>
             </a:pPr>
             <a:r>
-              <a:rPr lang="en-US" sz="1200">
+              <a:rPr lang="en-US" sz="1200" dirty="0">
                 <a:latin typeface="Inter"/>
                 <a:ea typeface="Inter"/>
                 <a:cs typeface="Inter"/>
@@ -16074,7 +16051,7 @@
               </a:rPr>
               <a:t>Internet Engineering Task Force</a:t>
             </a:r>
-            <a:endParaRPr sz="1200">
+            <a:endParaRPr sz="1200" dirty="0">
               <a:latin typeface="Inter"/>
               <a:ea typeface="Inter"/>
               <a:cs typeface="Inter"/>
@@ -16092,15 +16069,15 @@
               <a:buNone/>
             </a:pPr>
             <a:r>
-              <a:rPr lang="en-US" sz="1200">
+              <a:rPr lang="en-US" sz="1200" dirty="0">
                 <a:latin typeface="Inter"/>
                 <a:ea typeface="Inter"/>
                 <a:cs typeface="Inter"/>
                 <a:sym typeface="Inter"/>
               </a:rPr>
-              <a:t>© 2024 IETF Trust </a:t>
+              <a:t>© 2025 IETF Trust </a:t>
             </a:r>
-            <a:endParaRPr sz="1200">
+            <a:endParaRPr sz="1200" dirty="0">
               <a:latin typeface="Inter"/>
               <a:ea typeface="Inter"/>
               <a:cs typeface="Inter"/>
@@ -16118,15 +16095,24 @@
               <a:buNone/>
             </a:pPr>
             <a:r>
-              <a:rPr lang="en-US" sz="1200">
+              <a:rPr lang="en-US" sz="1200" dirty="0">
                 <a:latin typeface="Inter"/>
                 <a:ea typeface="Inter"/>
                 <a:cs typeface="Inter"/>
                 <a:sym typeface="Inter"/>
               </a:rPr>
-              <a:t>Production by Meetecho</a:t>
+              <a:t>Production by </a:t>
             </a:r>
-            <a:endParaRPr sz="1200">
+            <a:r>
+              <a:rPr lang="en-US" sz="1200" dirty="0" err="1">
+                <a:latin typeface="Inter"/>
+                <a:ea typeface="Inter"/>
+                <a:cs typeface="Inter"/>
+                <a:sym typeface="Inter"/>
+              </a:rPr>
+              <a:t>Meetecho</a:t>
+            </a:r>
+            <a:endParaRPr sz="1200" dirty="0">
               <a:latin typeface="Inter"/>
               <a:ea typeface="Inter"/>
               <a:cs typeface="Inter"/>
@@ -17068,7 +17054,7 @@
         <p:fade/>
       </p:transition>
     </mc:Choice>
-    <mc:Fallback xmlns:ahyp="http://schemas.microsoft.com/office/drawing/2018/hyperlinkcolor" xmlns:p15="http://schemas.microsoft.com/office/powerpoint/2012/main" xmlns:com="http://schemas.openxmlformats.org/drawingml/2006/compatibility" xmlns:pvml="urn:schemas-microsoft-com:office:powerpoint" xmlns:v="urn:schemas-microsoft-com:vml" xmlns:o="urn:schemas-microsoft-com:office:office" xmlns:dgm="http://schemas.openxmlformats.org/drawingml/2006/diagram" xmlns:c="http://schemas.openxmlformats.org/drawingml/2006/chart" xmlns:mv="urn:schemas-microsoft-com:mac:vml" xmlns="">
+    <mc:Fallback xmlns="" xmlns:mv="urn:schemas-microsoft-com:mac:vml" xmlns:c="http://schemas.openxmlformats.org/drawingml/2006/chart" xmlns:dgm="http://schemas.openxmlformats.org/drawingml/2006/diagram" xmlns:o="urn:schemas-microsoft-com:office:office" xmlns:v="urn:schemas-microsoft-com:vml" xmlns:pvml="urn:schemas-microsoft-com:office:powerpoint" xmlns:com="http://schemas.openxmlformats.org/drawingml/2006/compatibility" xmlns:p15="http://schemas.microsoft.com/office/powerpoint/2012/main" xmlns:ahyp="http://schemas.microsoft.com/office/drawing/2018/hyperlinkcolor">
       <p:transition spd="slow">
         <p:fade/>
       </p:transition>
@@ -17162,10 +17148,10 @@
       </p:sp>
       <p:pic>
         <p:nvPicPr>
-          <p:cNvPr id="5" name="Image 4">
+          <p:cNvPr id="6" name="Picture 5">
             <a:extLst>
               <a:ext uri="{FF2B5EF4-FFF2-40B4-BE49-F238E27FC236}">
-                <a16:creationId xmlns:a16="http://schemas.microsoft.com/office/drawing/2014/main" id="{E7CFBA6E-1048-4006-F5BC-25DD7BF1E050}"/>
+                <a16:creationId xmlns:a16="http://schemas.microsoft.com/office/drawing/2014/main" id="{9E8707EF-FA6E-46AB-9070-29DB284410C1}"/>
               </a:ext>
             </a:extLst>
           </p:cNvPr>
@@ -17182,8 +17168,8 @@
         </p:blipFill>
         <p:spPr>
           <a:xfrm>
-            <a:off x="1808909" y="2097741"/>
-            <a:ext cx="4867275" cy="2400300"/>
+            <a:off x="627489" y="1761714"/>
+            <a:ext cx="7173326" cy="3124636"/>
           </a:xfrm>
           <a:prstGeom prst="rect">
             <a:avLst/>
@@ -17225,7 +17211,7 @@
           <p:cNvPr id="2" name="Titre 1">
             <a:extLst>
               <a:ext uri="{FF2B5EF4-FFF2-40B4-BE49-F238E27FC236}">
-                <a16:creationId xmlns:a16="http://schemas.microsoft.com/office/drawing/2014/main" id="{19272182-2298-B3BA-EF0F-BD3CF25B7245}"/>
+                <a16:creationId xmlns:a16="http://schemas.microsoft.com/office/drawing/2014/main" id="{9FE69395-1EF3-03DF-8C06-8727B0306792}"/>
               </a:ext>
             </a:extLst>
           </p:cNvPr>
@@ -17242,12 +17228,92 @@
           <a:lstStyle/>
           <a:p>
             <a:r>
-              <a:rPr lang="fr-FR" dirty="0" err="1"/>
-              <a:t>Detailed</a:t>
+              <a:rPr lang="fr-FR" dirty="0"/>
+              <a:t>Meeting Objectives</a:t>
+            </a:r>
+          </a:p>
+        </p:txBody>
+      </p:sp>
+      <p:sp>
+        <p:nvSpPr>
+          <p:cNvPr id="3" name="Espace réservé du texte 2">
+            <a:extLst>
+              <a:ext uri="{FF2B5EF4-FFF2-40B4-BE49-F238E27FC236}">
+                <a16:creationId xmlns:a16="http://schemas.microsoft.com/office/drawing/2014/main" id="{3B08E921-E0A9-A022-AF7D-2240BB088939}"/>
+              </a:ext>
+            </a:extLst>
+          </p:cNvPr>
+          <p:cNvSpPr>
+            <a:spLocks noGrp="1"/>
+          </p:cNvSpPr>
+          <p:nvPr>
+            <p:ph type="body" idx="1"/>
+          </p:nvPr>
+        </p:nvSpPr>
+        <p:spPr>
+          <a:xfrm>
+            <a:off x="627500" y="1794600"/>
+            <a:ext cx="8321518" cy="2965659"/>
+          </a:xfrm>
+        </p:spPr>
+        <p:txBody>
+          <a:bodyPr/>
+          <a:lstStyle/>
+          <a:p>
+            <a:r>
+              <a:rPr lang="fr-FR" dirty="0"/>
+              <a:t>NMOP &amp; BBF exchange of information </a:t>
+            </a:r>
+          </a:p>
+          <a:p>
+            <a:r>
+              <a:rPr lang="fr-FR" dirty="0"/>
+              <a:t>Collaboration a consistent data collection architecture for the </a:t>
             </a:r>
             <a:r>
+              <a:rPr lang="fr-FR" dirty="0" err="1"/>
+              <a:t>industry</a:t>
+            </a:r>
+            <a:r>
+              <a:rPr lang="fr-FR"/>
+              <a:t>?</a:t>
+            </a:r>
+            <a:endParaRPr lang="fr-FR" dirty="0"/>
+          </a:p>
+          <a:p>
+            <a:pPr marL="114300" indent="0">
+              <a:buNone/>
+            </a:pPr>
+            <a:endParaRPr lang="fr-FR" dirty="0"/>
+          </a:p>
+          <a:p>
+            <a:r>
               <a:rPr lang="fr-FR" dirty="0"/>
-              <a:t> Agenda</a:t>
+              <a:t>Note:</a:t>
+            </a:r>
+          </a:p>
+          <a:p>
+            <a:pPr lvl="1"/>
+            <a:r>
+              <a:rPr lang="en-US" altLang="en-US" b="1" dirty="0">
+                <a:solidFill>
+                  <a:schemeClr val="tx1"/>
+                </a:solidFill>
+                <a:latin typeface="Arial" panose="020B0604020202020204" pitchFamily="34" charset="0"/>
+              </a:rPr>
+              <a:t>IETF NMOP LS to BBF on Automated Intelligent Management (AIM), WT-508: Broadband Network Data Collection (BNDC)</a:t>
+            </a:r>
+            <a:br>
+              <a:rPr lang="en-US" altLang="en-US" b="1" dirty="0">
+                <a:solidFill>
+                  <a:schemeClr val="tx1"/>
+                </a:solidFill>
+                <a:latin typeface="Arial" panose="020B0604020202020204" pitchFamily="34" charset="0"/>
+              </a:rPr>
+            </a:br>
+            <a:r>
+              <a:rPr lang="en-US" b="1" dirty="0"/>
+              <a:t>https://datatracker.ietf.org/liaison/1969/</a:t>
             </a:r>
           </a:p>
         </p:txBody>
@@ -17257,7 +17323,7 @@
           <p:cNvPr id="4" name="Espace réservé du numéro de diapositive 3">
             <a:extLst>
               <a:ext uri="{FF2B5EF4-FFF2-40B4-BE49-F238E27FC236}">
-                <a16:creationId xmlns:a16="http://schemas.microsoft.com/office/drawing/2014/main" id="{706FC20A-2180-E869-9E40-A021643902B0}"/>
+                <a16:creationId xmlns:a16="http://schemas.microsoft.com/office/drawing/2014/main" id="{6AE8E01D-DE0A-AF73-FF77-1ED795D5BE4B}"/>
               </a:ext>
             </a:extLst>
           </p:cNvPr>
@@ -17273,7 +17339,7 @@
           <a:bodyPr/>
           <a:lstStyle/>
           <a:p>
-            <a:pPr marL="0" lvl="0" indent="0" algn="r" rtl="0">
+            <a:pPr marL="0" lvl="0" indent="0" algn="l" rtl="0">
               <a:spcBef>
                 <a:spcPts val="0"/>
               </a:spcBef>
@@ -17290,12 +17356,114 @@
           </a:p>
         </p:txBody>
       </p:sp>
+    </p:spTree>
+    <p:extLst>
+      <p:ext uri="{BB962C8B-B14F-4D97-AF65-F5344CB8AC3E}">
+        <p14:creationId xmlns:p14="http://schemas.microsoft.com/office/powerpoint/2010/main" val="2209015104"/>
+      </p:ext>
+    </p:extLst>
+  </p:cSld>
+  <p:clrMapOvr>
+    <a:masterClrMapping/>
+  </p:clrMapOvr>
+</p:sld>
+</file>
+
+<file path=ppt/slides/slide5.xml><?xml version="1.0" encoding="utf-8"?>
+<p:sld xmlns:a="http://schemas.openxmlformats.org/drawingml/2006/main" xmlns:r="http://schemas.openxmlformats.org/officeDocument/2006/relationships" xmlns:p="http://schemas.openxmlformats.org/presentationml/2006/main">
+  <p:cSld>
+    <p:spTree>
+      <p:nvGrpSpPr>
+        <p:cNvPr id="1" name=""/>
+        <p:cNvGrpSpPr/>
+        <p:nvPr/>
+      </p:nvGrpSpPr>
+      <p:grpSpPr>
+        <a:xfrm>
+          <a:off x="0" y="0"/>
+          <a:ext cx="0" cy="0"/>
+          <a:chOff x="0" y="0"/>
+          <a:chExt cx="0" cy="0"/>
+        </a:xfrm>
+      </p:grpSpPr>
+      <p:sp>
+        <p:nvSpPr>
+          <p:cNvPr id="4" name="Espace réservé du numéro de diapositive 3">
+            <a:extLst>
+              <a:ext uri="{FF2B5EF4-FFF2-40B4-BE49-F238E27FC236}">
+                <a16:creationId xmlns:a16="http://schemas.microsoft.com/office/drawing/2014/main" id="{6AE8E01D-DE0A-AF73-FF77-1ED795D5BE4B}"/>
+              </a:ext>
+            </a:extLst>
+          </p:cNvPr>
+          <p:cNvSpPr>
+            <a:spLocks noGrp="1"/>
+          </p:cNvSpPr>
+          <p:nvPr>
+            <p:ph type="sldNum" idx="12"/>
+          </p:nvPr>
+        </p:nvSpPr>
+        <p:spPr/>
+        <p:txBody>
+          <a:bodyPr/>
+          <a:lstStyle/>
+          <a:p>
+            <a:pPr marL="0" lvl="0" indent="0" algn="l" rtl="0">
+              <a:spcBef>
+                <a:spcPts val="0"/>
+              </a:spcBef>
+              <a:spcAft>
+                <a:spcPts val="0"/>
+              </a:spcAft>
+              <a:buNone/>
+            </a:pPr>
+            <a:fld id="{00000000-1234-1234-1234-123412341234}" type="slidenum">
+              <a:rPr lang="en-US" smtClean="0"/>
+              <a:t>5</a:t>
+            </a:fld>
+            <a:endParaRPr lang="en-US"/>
+          </a:p>
+        </p:txBody>
+      </p:sp>
+      <p:sp>
+        <p:nvSpPr>
+          <p:cNvPr id="5" name="Titre 1">
+            <a:extLst>
+              <a:ext uri="{FF2B5EF4-FFF2-40B4-BE49-F238E27FC236}">
+                <a16:creationId xmlns:a16="http://schemas.microsoft.com/office/drawing/2014/main" id="{51D18148-3A95-8C02-0F61-2D10376AEE36}"/>
+              </a:ext>
+            </a:extLst>
+          </p:cNvPr>
+          <p:cNvSpPr>
+            <a:spLocks noGrp="1"/>
+          </p:cNvSpPr>
+          <p:nvPr>
+            <p:ph type="title"/>
+          </p:nvPr>
+        </p:nvSpPr>
+        <p:spPr>
+          <a:xfrm>
+            <a:off x="471900" y="218223"/>
+            <a:ext cx="8222100" cy="1288203"/>
+          </a:xfrm>
+        </p:spPr>
+        <p:txBody>
+          <a:bodyPr/>
+          <a:lstStyle/>
+          <a:p>
+            <a:r>
+              <a:rPr lang="fr-FR" dirty="0" err="1"/>
+              <a:t>Milestones</a:t>
+            </a:r>
+            <a:endParaRPr lang="fr-FR" dirty="0"/>
+          </a:p>
+        </p:txBody>
+      </p:sp>
       <p:pic>
         <p:nvPicPr>
           <p:cNvPr id="6" name="Image 5">
             <a:extLst>
               <a:ext uri="{FF2B5EF4-FFF2-40B4-BE49-F238E27FC236}">
-                <a16:creationId xmlns:a16="http://schemas.microsoft.com/office/drawing/2014/main" id="{E1E7FDB7-D67C-395E-049C-FED2D510ACA3}"/>
+                <a16:creationId xmlns:a16="http://schemas.microsoft.com/office/drawing/2014/main" id="{6F4A4F73-4272-B736-EBD2-CA0EE0470476}"/>
               </a:ext>
             </a:extLst>
           </p:cNvPr>
@@ -17312,8 +17480,8 @@
         </p:blipFill>
         <p:spPr>
           <a:xfrm>
-            <a:off x="152399" y="1748079"/>
-            <a:ext cx="8535825" cy="3031545"/>
+            <a:off x="627489" y="1926915"/>
+            <a:ext cx="7191314" cy="3108027"/>
           </a:xfrm>
           <a:prstGeom prst="rect">
             <a:avLst/>
@@ -17322,10 +17490,10 @@
       </p:pic>
       <p:sp>
         <p:nvSpPr>
-          <p:cNvPr id="7" name="Rectangle 6">
+          <p:cNvPr id="14" name="Rectangle 13">
             <a:extLst>
               <a:ext uri="{FF2B5EF4-FFF2-40B4-BE49-F238E27FC236}">
-                <a16:creationId xmlns:a16="http://schemas.microsoft.com/office/drawing/2014/main" id="{1F9CB639-3955-A8CE-EBD3-629FC8D1580D}"/>
+                <a16:creationId xmlns:a16="http://schemas.microsoft.com/office/drawing/2014/main" id="{2A615C59-3F6E-F00F-6C59-09EDECD6D771}"/>
               </a:ext>
             </a:extLst>
           </p:cNvPr>
@@ -17334,84 +17502,66 @@
         </p:nvSpPr>
         <p:spPr>
           <a:xfrm>
-            <a:off x="1203512" y="2486025"/>
-            <a:ext cx="7721413" cy="1253938"/>
+            <a:off x="1262915" y="3089917"/>
+            <a:ext cx="6925844" cy="299117"/>
           </a:xfrm>
           <a:custGeom>
             <a:avLst/>
             <a:gdLst>
-              <a:gd name="connsiteX0" fmla="*/ 0 w 7721413"/>
-              <a:gd name="connsiteY0" fmla="*/ 0 h 1253938"/>
-              <a:gd name="connsiteX1" fmla="*/ 593955 w 7721413"/>
-              <a:gd name="connsiteY1" fmla="*/ 0 h 1253938"/>
-              <a:gd name="connsiteX2" fmla="*/ 1342338 w 7721413"/>
-              <a:gd name="connsiteY2" fmla="*/ 0 h 1253938"/>
-              <a:gd name="connsiteX3" fmla="*/ 1859079 w 7721413"/>
-              <a:gd name="connsiteY3" fmla="*/ 0 h 1253938"/>
-              <a:gd name="connsiteX4" fmla="*/ 2607462 w 7721413"/>
-              <a:gd name="connsiteY4" fmla="*/ 0 h 1253938"/>
-              <a:gd name="connsiteX5" fmla="*/ 2969774 w 7721413"/>
-              <a:gd name="connsiteY5" fmla="*/ 0 h 1253938"/>
-              <a:gd name="connsiteX6" fmla="*/ 3409301 w 7721413"/>
-              <a:gd name="connsiteY6" fmla="*/ 0 h 1253938"/>
-              <a:gd name="connsiteX7" fmla="*/ 3926042 w 7721413"/>
-              <a:gd name="connsiteY7" fmla="*/ 0 h 1253938"/>
-              <a:gd name="connsiteX8" fmla="*/ 4288354 w 7721413"/>
-              <a:gd name="connsiteY8" fmla="*/ 0 h 1253938"/>
-              <a:gd name="connsiteX9" fmla="*/ 4650666 w 7721413"/>
-              <a:gd name="connsiteY9" fmla="*/ 0 h 1253938"/>
-              <a:gd name="connsiteX10" fmla="*/ 5321835 w 7721413"/>
-              <a:gd name="connsiteY10" fmla="*/ 0 h 1253938"/>
-              <a:gd name="connsiteX11" fmla="*/ 5684148 w 7721413"/>
-              <a:gd name="connsiteY11" fmla="*/ 0 h 1253938"/>
-              <a:gd name="connsiteX12" fmla="*/ 6046460 w 7721413"/>
-              <a:gd name="connsiteY12" fmla="*/ 0 h 1253938"/>
-              <a:gd name="connsiteX13" fmla="*/ 6563201 w 7721413"/>
-              <a:gd name="connsiteY13" fmla="*/ 0 h 1253938"/>
-              <a:gd name="connsiteX14" fmla="*/ 7157156 w 7721413"/>
-              <a:gd name="connsiteY14" fmla="*/ 0 h 1253938"/>
-              <a:gd name="connsiteX15" fmla="*/ 7721413 w 7721413"/>
-              <a:gd name="connsiteY15" fmla="*/ 0 h 1253938"/>
-              <a:gd name="connsiteX16" fmla="*/ 7721413 w 7721413"/>
-              <a:gd name="connsiteY16" fmla="*/ 430519 h 1253938"/>
-              <a:gd name="connsiteX17" fmla="*/ 7721413 w 7721413"/>
-              <a:gd name="connsiteY17" fmla="*/ 823419 h 1253938"/>
-              <a:gd name="connsiteX18" fmla="*/ 7721413 w 7721413"/>
-              <a:gd name="connsiteY18" fmla="*/ 1253938 h 1253938"/>
-              <a:gd name="connsiteX19" fmla="*/ 7050244 w 7721413"/>
-              <a:gd name="connsiteY19" fmla="*/ 1253938 h 1253938"/>
-              <a:gd name="connsiteX20" fmla="*/ 6533503 w 7721413"/>
-              <a:gd name="connsiteY20" fmla="*/ 1253938 h 1253938"/>
-              <a:gd name="connsiteX21" fmla="*/ 5862334 w 7721413"/>
-              <a:gd name="connsiteY21" fmla="*/ 1253938 h 1253938"/>
-              <a:gd name="connsiteX22" fmla="*/ 5268379 w 7721413"/>
-              <a:gd name="connsiteY22" fmla="*/ 1253938 h 1253938"/>
-              <a:gd name="connsiteX23" fmla="*/ 4828853 w 7721413"/>
-              <a:gd name="connsiteY23" fmla="*/ 1253938 h 1253938"/>
-              <a:gd name="connsiteX24" fmla="*/ 4466540 w 7721413"/>
-              <a:gd name="connsiteY24" fmla="*/ 1253938 h 1253938"/>
-              <a:gd name="connsiteX25" fmla="*/ 4027014 w 7721413"/>
-              <a:gd name="connsiteY25" fmla="*/ 1253938 h 1253938"/>
-              <a:gd name="connsiteX26" fmla="*/ 3587487 w 7721413"/>
-              <a:gd name="connsiteY26" fmla="*/ 1253938 h 1253938"/>
-              <a:gd name="connsiteX27" fmla="*/ 2839104 w 7721413"/>
-              <a:gd name="connsiteY27" fmla="*/ 1253938 h 1253938"/>
-              <a:gd name="connsiteX28" fmla="*/ 2245149 w 7721413"/>
-              <a:gd name="connsiteY28" fmla="*/ 1253938 h 1253938"/>
-              <a:gd name="connsiteX29" fmla="*/ 1805623 w 7721413"/>
-              <a:gd name="connsiteY29" fmla="*/ 1253938 h 1253938"/>
-              <a:gd name="connsiteX30" fmla="*/ 1057240 w 7721413"/>
-              <a:gd name="connsiteY30" fmla="*/ 1253938 h 1253938"/>
-              <a:gd name="connsiteX31" fmla="*/ 694927 w 7721413"/>
-              <a:gd name="connsiteY31" fmla="*/ 1253938 h 1253938"/>
-              <a:gd name="connsiteX32" fmla="*/ 0 w 7721413"/>
-              <a:gd name="connsiteY32" fmla="*/ 1253938 h 1253938"/>
-              <a:gd name="connsiteX33" fmla="*/ 0 w 7721413"/>
-              <a:gd name="connsiteY33" fmla="*/ 861037 h 1253938"/>
-              <a:gd name="connsiteX34" fmla="*/ 0 w 7721413"/>
-              <a:gd name="connsiteY34" fmla="*/ 430519 h 1253938"/>
-              <a:gd name="connsiteX35" fmla="*/ 0 w 7721413"/>
-              <a:gd name="connsiteY35" fmla="*/ 0 h 1253938"/>
+              <a:gd name="connsiteX0" fmla="*/ 0 w 6925844"/>
+              <a:gd name="connsiteY0" fmla="*/ 0 h 230832"/>
+              <a:gd name="connsiteX1" fmla="*/ 577154 w 6925844"/>
+              <a:gd name="connsiteY1" fmla="*/ 0 h 230832"/>
+              <a:gd name="connsiteX2" fmla="*/ 1223566 w 6925844"/>
+              <a:gd name="connsiteY2" fmla="*/ 0 h 230832"/>
+              <a:gd name="connsiteX3" fmla="*/ 1869978 w 6925844"/>
+              <a:gd name="connsiteY3" fmla="*/ 0 h 230832"/>
+              <a:gd name="connsiteX4" fmla="*/ 2516390 w 6925844"/>
+              <a:gd name="connsiteY4" fmla="*/ 0 h 230832"/>
+              <a:gd name="connsiteX5" fmla="*/ 2885768 w 6925844"/>
+              <a:gd name="connsiteY5" fmla="*/ 0 h 230832"/>
+              <a:gd name="connsiteX6" fmla="*/ 3324405 w 6925844"/>
+              <a:gd name="connsiteY6" fmla="*/ 0 h 230832"/>
+              <a:gd name="connsiteX7" fmla="*/ 4040076 w 6925844"/>
+              <a:gd name="connsiteY7" fmla="*/ 0 h 230832"/>
+              <a:gd name="connsiteX8" fmla="*/ 4617229 w 6925844"/>
+              <a:gd name="connsiteY8" fmla="*/ 0 h 230832"/>
+              <a:gd name="connsiteX9" fmla="*/ 4986608 w 6925844"/>
+              <a:gd name="connsiteY9" fmla="*/ 0 h 230832"/>
+              <a:gd name="connsiteX10" fmla="*/ 5355986 w 6925844"/>
+              <a:gd name="connsiteY10" fmla="*/ 0 h 230832"/>
+              <a:gd name="connsiteX11" fmla="*/ 5794623 w 6925844"/>
+              <a:gd name="connsiteY11" fmla="*/ 0 h 230832"/>
+              <a:gd name="connsiteX12" fmla="*/ 6925844 w 6925844"/>
+              <a:gd name="connsiteY12" fmla="*/ 0 h 230832"/>
+              <a:gd name="connsiteX13" fmla="*/ 6925844 w 6925844"/>
+              <a:gd name="connsiteY13" fmla="*/ 230832 h 230832"/>
+              <a:gd name="connsiteX14" fmla="*/ 6417949 w 6925844"/>
+              <a:gd name="connsiteY14" fmla="*/ 230832 h 230832"/>
+              <a:gd name="connsiteX15" fmla="*/ 5702278 w 6925844"/>
+              <a:gd name="connsiteY15" fmla="*/ 230832 h 230832"/>
+              <a:gd name="connsiteX16" fmla="*/ 4986608 w 6925844"/>
+              <a:gd name="connsiteY16" fmla="*/ 230832 h 230832"/>
+              <a:gd name="connsiteX17" fmla="*/ 4617229 w 6925844"/>
+              <a:gd name="connsiteY17" fmla="*/ 230832 h 230832"/>
+              <a:gd name="connsiteX18" fmla="*/ 3901559 w 6925844"/>
+              <a:gd name="connsiteY18" fmla="*/ 230832 h 230832"/>
+              <a:gd name="connsiteX19" fmla="*/ 3185888 w 6925844"/>
+              <a:gd name="connsiteY19" fmla="*/ 230832 h 230832"/>
+              <a:gd name="connsiteX20" fmla="*/ 2677993 w 6925844"/>
+              <a:gd name="connsiteY20" fmla="*/ 230832 h 230832"/>
+              <a:gd name="connsiteX21" fmla="*/ 2100839 w 6925844"/>
+              <a:gd name="connsiteY21" fmla="*/ 230832 h 230832"/>
+              <a:gd name="connsiteX22" fmla="*/ 1731461 w 6925844"/>
+              <a:gd name="connsiteY22" fmla="*/ 230832 h 230832"/>
+              <a:gd name="connsiteX23" fmla="*/ 1292824 w 6925844"/>
+              <a:gd name="connsiteY23" fmla="*/ 230832 h 230832"/>
+              <a:gd name="connsiteX24" fmla="*/ 784929 w 6925844"/>
+              <a:gd name="connsiteY24" fmla="*/ 230832 h 230832"/>
+              <a:gd name="connsiteX25" fmla="*/ 0 w 6925844"/>
+              <a:gd name="connsiteY25" fmla="*/ 230832 h 230832"/>
+              <a:gd name="connsiteX26" fmla="*/ 0 w 6925844"/>
+              <a:gd name="connsiteY26" fmla="*/ 0 h 230832"/>
             </a:gdLst>
             <a:ahLst/>
             <a:cxnLst>
@@ -17496,213 +17646,141 @@
               <a:cxn ang="0">
                 <a:pos x="connsiteX26" y="connsiteY26"/>
               </a:cxn>
-              <a:cxn ang="0">
-                <a:pos x="connsiteX27" y="connsiteY27"/>
-              </a:cxn>
-              <a:cxn ang="0">
-                <a:pos x="connsiteX28" y="connsiteY28"/>
-              </a:cxn>
-              <a:cxn ang="0">
-                <a:pos x="connsiteX29" y="connsiteY29"/>
-              </a:cxn>
-              <a:cxn ang="0">
-                <a:pos x="connsiteX30" y="connsiteY30"/>
-              </a:cxn>
-              <a:cxn ang="0">
-                <a:pos x="connsiteX31" y="connsiteY31"/>
-              </a:cxn>
-              <a:cxn ang="0">
-                <a:pos x="connsiteX32" y="connsiteY32"/>
-              </a:cxn>
-              <a:cxn ang="0">
-                <a:pos x="connsiteX33" y="connsiteY33"/>
-              </a:cxn>
-              <a:cxn ang="0">
-                <a:pos x="connsiteX34" y="connsiteY34"/>
-              </a:cxn>
-              <a:cxn ang="0">
-                <a:pos x="connsiteX35" y="connsiteY35"/>
-              </a:cxn>
             </a:cxnLst>
             <a:rect l="l" t="t" r="r" b="b"/>
             <a:pathLst>
-              <a:path w="7721413" h="1253938" extrusionOk="0">
+              <a:path w="6925844" h="230832" extrusionOk="0">
                 <a:moveTo>
                   <a:pt x="0" y="0"/>
                 </a:moveTo>
                 <a:cubicBezTo>
-                  <a:pt x="280780" y="-51542"/>
-                  <a:pt x="470091" y="21772"/>
-                  <a:pt x="593955" y="0"/>
+                  <a:pt x="118242" y="-31052"/>
+                  <a:pt x="414674" y="27881"/>
+                  <a:pt x="577154" y="0"/>
                 </a:cubicBezTo>
                 <a:cubicBezTo>
-                  <a:pt x="717820" y="-21772"/>
-                  <a:pt x="1035976" y="29757"/>
-                  <a:pt x="1342338" y="0"/>
+                  <a:pt x="739634" y="-27881"/>
+                  <a:pt x="981300" y="66211"/>
+                  <a:pt x="1223566" y="0"/>
                 </a:cubicBezTo>
                 <a:cubicBezTo>
-                  <a:pt x="1648700" y="-29757"/>
-                  <a:pt x="1666386" y="5526"/>
-                  <a:pt x="1859079" y="0"/>
+                  <a:pt x="1465832" y="-66211"/>
+                  <a:pt x="1616845" y="62090"/>
+                  <a:pt x="1869978" y="0"/>
                 </a:cubicBezTo>
                 <a:cubicBezTo>
-                  <a:pt x="2051772" y="-5526"/>
-                  <a:pt x="2270106" y="87377"/>
-                  <a:pt x="2607462" y="0"/>
+                  <a:pt x="2123111" y="-62090"/>
+                  <a:pt x="2374845" y="63697"/>
+                  <a:pt x="2516390" y="0"/>
                 </a:cubicBezTo>
                 <a:cubicBezTo>
-                  <a:pt x="2944818" y="-87377"/>
-                  <a:pt x="2840867" y="3172"/>
-                  <a:pt x="2969774" y="0"/>
+                  <a:pt x="2657935" y="-63697"/>
+                  <a:pt x="2796913" y="11888"/>
+                  <a:pt x="2885768" y="0"/>
                 </a:cubicBezTo>
                 <a:cubicBezTo>
-                  <a:pt x="3098681" y="-3172"/>
-                  <a:pt x="3290543" y="51776"/>
-                  <a:pt x="3409301" y="0"/>
+                  <a:pt x="2974623" y="-11888"/>
+                  <a:pt x="3182529" y="32616"/>
+                  <a:pt x="3324405" y="0"/>
                 </a:cubicBezTo>
                 <a:cubicBezTo>
-                  <a:pt x="3528059" y="-51776"/>
-                  <a:pt x="3814051" y="16893"/>
-                  <a:pt x="3926042" y="0"/>
+                  <a:pt x="3466281" y="-32616"/>
+                  <a:pt x="3778337" y="32329"/>
+                  <a:pt x="4040076" y="0"/>
                 </a:cubicBezTo>
                 <a:cubicBezTo>
-                  <a:pt x="4038033" y="-16893"/>
-                  <a:pt x="4205401" y="12276"/>
-                  <a:pt x="4288354" y="0"/>
+                  <a:pt x="4301815" y="-32329"/>
+                  <a:pt x="4374572" y="39094"/>
+                  <a:pt x="4617229" y="0"/>
                 </a:cubicBezTo>
                 <a:cubicBezTo>
-                  <a:pt x="4371307" y="-12276"/>
-                  <a:pt x="4511128" y="3836"/>
-                  <a:pt x="4650666" y="0"/>
+                  <a:pt x="4859886" y="-39094"/>
+                  <a:pt x="4873657" y="40249"/>
+                  <a:pt x="4986608" y="0"/>
                 </a:cubicBezTo>
                 <a:cubicBezTo>
-                  <a:pt x="4790204" y="-3836"/>
-                  <a:pt x="5156961" y="17611"/>
-                  <a:pt x="5321835" y="0"/>
+                  <a:pt x="5099559" y="-40249"/>
+                  <a:pt x="5229289" y="27656"/>
+                  <a:pt x="5355986" y="0"/>
                 </a:cubicBezTo>
                 <a:cubicBezTo>
-                  <a:pt x="5486709" y="-17611"/>
-                  <a:pt x="5534032" y="4876"/>
-                  <a:pt x="5684148" y="0"/>
+                  <a:pt x="5482683" y="-27656"/>
+                  <a:pt x="5676123" y="19220"/>
+                  <a:pt x="5794623" y="0"/>
                 </a:cubicBezTo>
                 <a:cubicBezTo>
-                  <a:pt x="5834264" y="-4876"/>
-                  <a:pt x="5920338" y="10713"/>
-                  <a:pt x="6046460" y="0"/>
+                  <a:pt x="5913123" y="-19220"/>
+                  <a:pt x="6438329" y="101077"/>
+                  <a:pt x="6925844" y="0"/>
                 </a:cubicBezTo>
                 <a:cubicBezTo>
-                  <a:pt x="6172582" y="-10713"/>
-                  <a:pt x="6420333" y="36740"/>
-                  <a:pt x="6563201" y="0"/>
+                  <a:pt x="6949942" y="78725"/>
+                  <a:pt x="6900374" y="174976"/>
+                  <a:pt x="6925844" y="230832"/>
                 </a:cubicBezTo>
                 <a:cubicBezTo>
-                  <a:pt x="6706069" y="-36740"/>
-                  <a:pt x="7037560" y="30623"/>
-                  <a:pt x="7157156" y="0"/>
+                  <a:pt x="6722106" y="244434"/>
+                  <a:pt x="6606470" y="177741"/>
+                  <a:pt x="6417949" y="230832"/>
                 </a:cubicBezTo>
                 <a:cubicBezTo>
-                  <a:pt x="7276753" y="-30623"/>
-                  <a:pt x="7487974" y="28917"/>
-                  <a:pt x="7721413" y="0"/>
+                  <a:pt x="6229428" y="283923"/>
+                  <a:pt x="6039688" y="203771"/>
+                  <a:pt x="5702278" y="230832"/>
                 </a:cubicBezTo>
                 <a:cubicBezTo>
-                  <a:pt x="7763239" y="89605"/>
-                  <a:pt x="7718420" y="257489"/>
-                  <a:pt x="7721413" y="430519"/>
+                  <a:pt x="5364868" y="257893"/>
+                  <a:pt x="5246735" y="171512"/>
+                  <a:pt x="4986608" y="230832"/>
                 </a:cubicBezTo>
                 <a:cubicBezTo>
-                  <a:pt x="7724406" y="603549"/>
-                  <a:pt x="7713592" y="655252"/>
-                  <a:pt x="7721413" y="823419"/>
+                  <a:pt x="4726481" y="290152"/>
+                  <a:pt x="4728596" y="222285"/>
+                  <a:pt x="4617229" y="230832"/>
                 </a:cubicBezTo>
                 <a:cubicBezTo>
-                  <a:pt x="7729234" y="991586"/>
-                  <a:pt x="7703508" y="1064100"/>
-                  <a:pt x="7721413" y="1253938"/>
+                  <a:pt x="4505862" y="239379"/>
+                  <a:pt x="4085985" y="228664"/>
+                  <a:pt x="3901559" y="230832"/>
                 </a:cubicBezTo>
                 <a:cubicBezTo>
-                  <a:pt x="7520380" y="1303573"/>
-                  <a:pt x="7229997" y="1219177"/>
-                  <a:pt x="7050244" y="1253938"/>
+                  <a:pt x="3717133" y="233000"/>
+                  <a:pt x="3494933" y="160527"/>
+                  <a:pt x="3185888" y="230832"/>
                 </a:cubicBezTo>
                 <a:cubicBezTo>
-                  <a:pt x="6870491" y="1288699"/>
-                  <a:pt x="6743218" y="1211642"/>
-                  <a:pt x="6533503" y="1253938"/>
+                  <a:pt x="2876843" y="301137"/>
+                  <a:pt x="2793971" y="179388"/>
+                  <a:pt x="2677993" y="230832"/>
                 </a:cubicBezTo>
                 <a:cubicBezTo>
-                  <a:pt x="6323788" y="1296234"/>
-                  <a:pt x="6178563" y="1228100"/>
-                  <a:pt x="5862334" y="1253938"/>
+                  <a:pt x="2562015" y="282276"/>
+                  <a:pt x="2333851" y="183582"/>
+                  <a:pt x="2100839" y="230832"/>
                 </a:cubicBezTo>
                 <a:cubicBezTo>
-                  <a:pt x="5546105" y="1279776"/>
-                  <a:pt x="5507420" y="1236379"/>
-                  <a:pt x="5268379" y="1253938"/>
+                  <a:pt x="1867827" y="278082"/>
+                  <a:pt x="1914458" y="222143"/>
+                  <a:pt x="1731461" y="230832"/>
                 </a:cubicBezTo>
                 <a:cubicBezTo>
-                  <a:pt x="5029339" y="1271497"/>
-                  <a:pt x="5031892" y="1219403"/>
-                  <a:pt x="4828853" y="1253938"/>
+                  <a:pt x="1548464" y="239521"/>
+                  <a:pt x="1392417" y="201609"/>
+                  <a:pt x="1292824" y="230832"/>
                 </a:cubicBezTo>
                 <a:cubicBezTo>
-                  <a:pt x="4625814" y="1288473"/>
-                  <a:pt x="4573216" y="1229525"/>
-                  <a:pt x="4466540" y="1253938"/>
+                  <a:pt x="1193231" y="260055"/>
+                  <a:pt x="965645" y="202285"/>
+                  <a:pt x="784929" y="230832"/>
                 </a:cubicBezTo>
                 <a:cubicBezTo>
-                  <a:pt x="4359864" y="1278351"/>
-                  <a:pt x="4176356" y="1222851"/>
-                  <a:pt x="4027014" y="1253938"/>
+                  <a:pt x="604213" y="259379"/>
+                  <a:pt x="345294" y="188420"/>
+                  <a:pt x="0" y="230832"/>
                 </a:cubicBezTo>
                 <a:cubicBezTo>
-                  <a:pt x="3877672" y="1285025"/>
-                  <a:pt x="3678213" y="1237644"/>
-                  <a:pt x="3587487" y="1253938"/>
-                </a:cubicBezTo>
-                <a:cubicBezTo>
-                  <a:pt x="3496761" y="1270232"/>
-                  <a:pt x="3080289" y="1238505"/>
-                  <a:pt x="2839104" y="1253938"/>
-                </a:cubicBezTo>
-                <a:cubicBezTo>
-                  <a:pt x="2597919" y="1269371"/>
-                  <a:pt x="2491263" y="1228797"/>
-                  <a:pt x="2245149" y="1253938"/>
-                </a:cubicBezTo>
-                <a:cubicBezTo>
-                  <a:pt x="1999035" y="1279079"/>
-                  <a:pt x="2001692" y="1240939"/>
-                  <a:pt x="1805623" y="1253938"/>
-                </a:cubicBezTo>
-                <a:cubicBezTo>
-                  <a:pt x="1609554" y="1266937"/>
-                  <a:pt x="1376607" y="1224105"/>
-                  <a:pt x="1057240" y="1253938"/>
-                </a:cubicBezTo>
-                <a:cubicBezTo>
-                  <a:pt x="737873" y="1283771"/>
-                  <a:pt x="797198" y="1246923"/>
-                  <a:pt x="694927" y="1253938"/>
-                </a:cubicBezTo>
-                <a:cubicBezTo>
-                  <a:pt x="592656" y="1260953"/>
-                  <a:pt x="223180" y="1219514"/>
-                  <a:pt x="0" y="1253938"/>
-                </a:cubicBezTo>
-                <a:cubicBezTo>
-                  <a:pt x="-39535" y="1082672"/>
-                  <a:pt x="39121" y="991115"/>
-                  <a:pt x="0" y="861037"/>
-                </a:cubicBezTo>
-                <a:cubicBezTo>
-                  <a:pt x="-39121" y="730959"/>
-                  <a:pt x="25247" y="601239"/>
-                  <a:pt x="0" y="430519"/>
-                </a:cubicBezTo>
-                <a:cubicBezTo>
-                  <a:pt x="-25247" y="259799"/>
-                  <a:pt x="47251" y="142307"/>
+                  <a:pt x="-20577" y="134385"/>
+                  <a:pt x="8512" y="105670"/>
                   <a:pt x="0" y="0"/>
                 </a:cubicBezTo>
                 <a:close/>
@@ -17711,9 +17789,12 @@
           </a:custGeom>
           <a:noFill/>
           <a:ln>
+            <a:solidFill>
+              <a:srgbClr val="FF0000"/>
+            </a:solidFill>
             <a:extLst>
               <a:ext uri="{C807C97D-BFC1-408E-A445-0C87EB9F89A2}">
-                <ask:lineSketchStyleProps xmlns:ask="http://schemas.microsoft.com/office/drawing/2018/sketchyshapes" sd="2998774104">
+                <ask:lineSketchStyleProps xmlns:ask="http://schemas.microsoft.com/office/drawing/2018/sketchyshapes" xmlns="" sd="3997106322">
                   <a:prstGeom prst="rect">
                     <a:avLst/>
                   </a:prstGeom>
@@ -17750,675 +17831,10 @@
           </a:p>
         </p:txBody>
       </p:sp>
-      <p:sp>
-        <p:nvSpPr>
-          <p:cNvPr id="8" name="ZoneTexte 7">
-            <a:extLst>
-              <a:ext uri="{FF2B5EF4-FFF2-40B4-BE49-F238E27FC236}">
-                <a16:creationId xmlns:a16="http://schemas.microsoft.com/office/drawing/2014/main" id="{6BC1B263-3093-651C-0D7C-B775A071B60D}"/>
-              </a:ext>
-            </a:extLst>
-          </p:cNvPr>
-          <p:cNvSpPr txBox="1"/>
-          <p:nvPr/>
-        </p:nvSpPr>
-        <p:spPr>
-          <a:xfrm rot="5400000">
-            <a:off x="8429092" y="3098258"/>
-            <a:ext cx="612668" cy="307777"/>
-          </a:xfrm>
-          <a:prstGeom prst="rect">
-            <a:avLst/>
-          </a:prstGeom>
-          <a:noFill/>
-        </p:spPr>
-        <p:txBody>
-          <a:bodyPr wrap="none" rtlCol="0">
-            <a:spAutoFit/>
-          </a:bodyPr>
-          <a:lstStyle/>
-          <a:p>
-            <a:r>
-              <a:rPr lang="fr-FR" dirty="0"/>
-              <a:t>Part I</a:t>
-            </a:r>
-          </a:p>
-        </p:txBody>
-      </p:sp>
-      <p:sp>
-        <p:nvSpPr>
-          <p:cNvPr id="9" name="Rectangle 8">
-            <a:extLst>
-              <a:ext uri="{FF2B5EF4-FFF2-40B4-BE49-F238E27FC236}">
-                <a16:creationId xmlns:a16="http://schemas.microsoft.com/office/drawing/2014/main" id="{43A593E7-75E3-B2DA-34DC-B828FB0F60FC}"/>
-              </a:ext>
-            </a:extLst>
-          </p:cNvPr>
-          <p:cNvSpPr/>
-          <p:nvPr/>
-        </p:nvSpPr>
-        <p:spPr>
-          <a:xfrm>
-            <a:off x="1203512" y="3813362"/>
-            <a:ext cx="7721413" cy="1106059"/>
-          </a:xfrm>
-          <a:custGeom>
-            <a:avLst/>
-            <a:gdLst>
-              <a:gd name="connsiteX0" fmla="*/ 0 w 7721413"/>
-              <a:gd name="connsiteY0" fmla="*/ 0 h 1106059"/>
-              <a:gd name="connsiteX1" fmla="*/ 593955 w 7721413"/>
-              <a:gd name="connsiteY1" fmla="*/ 0 h 1106059"/>
-              <a:gd name="connsiteX2" fmla="*/ 1342338 w 7721413"/>
-              <a:gd name="connsiteY2" fmla="*/ 0 h 1106059"/>
-              <a:gd name="connsiteX3" fmla="*/ 1859079 w 7721413"/>
-              <a:gd name="connsiteY3" fmla="*/ 0 h 1106059"/>
-              <a:gd name="connsiteX4" fmla="*/ 2607462 w 7721413"/>
-              <a:gd name="connsiteY4" fmla="*/ 0 h 1106059"/>
-              <a:gd name="connsiteX5" fmla="*/ 2969774 w 7721413"/>
-              <a:gd name="connsiteY5" fmla="*/ 0 h 1106059"/>
-              <a:gd name="connsiteX6" fmla="*/ 3409301 w 7721413"/>
-              <a:gd name="connsiteY6" fmla="*/ 0 h 1106059"/>
-              <a:gd name="connsiteX7" fmla="*/ 3926042 w 7721413"/>
-              <a:gd name="connsiteY7" fmla="*/ 0 h 1106059"/>
-              <a:gd name="connsiteX8" fmla="*/ 4288354 w 7721413"/>
-              <a:gd name="connsiteY8" fmla="*/ 0 h 1106059"/>
-              <a:gd name="connsiteX9" fmla="*/ 4650666 w 7721413"/>
-              <a:gd name="connsiteY9" fmla="*/ 0 h 1106059"/>
-              <a:gd name="connsiteX10" fmla="*/ 5321835 w 7721413"/>
-              <a:gd name="connsiteY10" fmla="*/ 0 h 1106059"/>
-              <a:gd name="connsiteX11" fmla="*/ 5684148 w 7721413"/>
-              <a:gd name="connsiteY11" fmla="*/ 0 h 1106059"/>
-              <a:gd name="connsiteX12" fmla="*/ 6046460 w 7721413"/>
-              <a:gd name="connsiteY12" fmla="*/ 0 h 1106059"/>
-              <a:gd name="connsiteX13" fmla="*/ 6563201 w 7721413"/>
-              <a:gd name="connsiteY13" fmla="*/ 0 h 1106059"/>
-              <a:gd name="connsiteX14" fmla="*/ 7157156 w 7721413"/>
-              <a:gd name="connsiteY14" fmla="*/ 0 h 1106059"/>
-              <a:gd name="connsiteX15" fmla="*/ 7721413 w 7721413"/>
-              <a:gd name="connsiteY15" fmla="*/ 0 h 1106059"/>
-              <a:gd name="connsiteX16" fmla="*/ 7721413 w 7721413"/>
-              <a:gd name="connsiteY16" fmla="*/ 564090 h 1106059"/>
-              <a:gd name="connsiteX17" fmla="*/ 7721413 w 7721413"/>
-              <a:gd name="connsiteY17" fmla="*/ 1106059 h 1106059"/>
-              <a:gd name="connsiteX18" fmla="*/ 6973030 w 7721413"/>
-              <a:gd name="connsiteY18" fmla="*/ 1106059 h 1106059"/>
-              <a:gd name="connsiteX19" fmla="*/ 6456289 w 7721413"/>
-              <a:gd name="connsiteY19" fmla="*/ 1106059 h 1106059"/>
-              <a:gd name="connsiteX20" fmla="*/ 5939548 w 7721413"/>
-              <a:gd name="connsiteY20" fmla="*/ 1106059 h 1106059"/>
-              <a:gd name="connsiteX21" fmla="*/ 5268379 w 7721413"/>
-              <a:gd name="connsiteY21" fmla="*/ 1106059 h 1106059"/>
-              <a:gd name="connsiteX22" fmla="*/ 4674425 w 7721413"/>
-              <a:gd name="connsiteY22" fmla="*/ 1106059 h 1106059"/>
-              <a:gd name="connsiteX23" fmla="*/ 4234898 w 7721413"/>
-              <a:gd name="connsiteY23" fmla="*/ 1106059 h 1106059"/>
-              <a:gd name="connsiteX24" fmla="*/ 3872586 w 7721413"/>
-              <a:gd name="connsiteY24" fmla="*/ 1106059 h 1106059"/>
-              <a:gd name="connsiteX25" fmla="*/ 3433059 w 7721413"/>
-              <a:gd name="connsiteY25" fmla="*/ 1106059 h 1106059"/>
-              <a:gd name="connsiteX26" fmla="*/ 2993532 w 7721413"/>
-              <a:gd name="connsiteY26" fmla="*/ 1106059 h 1106059"/>
-              <a:gd name="connsiteX27" fmla="*/ 2245149 w 7721413"/>
-              <a:gd name="connsiteY27" fmla="*/ 1106059 h 1106059"/>
-              <a:gd name="connsiteX28" fmla="*/ 1651194 w 7721413"/>
-              <a:gd name="connsiteY28" fmla="*/ 1106059 h 1106059"/>
-              <a:gd name="connsiteX29" fmla="*/ 1211668 w 7721413"/>
-              <a:gd name="connsiteY29" fmla="*/ 1106059 h 1106059"/>
-              <a:gd name="connsiteX30" fmla="*/ 0 w 7721413"/>
-              <a:gd name="connsiteY30" fmla="*/ 1106059 h 1106059"/>
-              <a:gd name="connsiteX31" fmla="*/ 0 w 7721413"/>
-              <a:gd name="connsiteY31" fmla="*/ 586211 h 1106059"/>
-              <a:gd name="connsiteX32" fmla="*/ 0 w 7721413"/>
-              <a:gd name="connsiteY32" fmla="*/ 0 h 1106059"/>
-            </a:gdLst>
-            <a:ahLst/>
-            <a:cxnLst>
-              <a:cxn ang="0">
-                <a:pos x="connsiteX0" y="connsiteY0"/>
-              </a:cxn>
-              <a:cxn ang="0">
-                <a:pos x="connsiteX1" y="connsiteY1"/>
-              </a:cxn>
-              <a:cxn ang="0">
-                <a:pos x="connsiteX2" y="connsiteY2"/>
-              </a:cxn>
-              <a:cxn ang="0">
-                <a:pos x="connsiteX3" y="connsiteY3"/>
-              </a:cxn>
-              <a:cxn ang="0">
-                <a:pos x="connsiteX4" y="connsiteY4"/>
-              </a:cxn>
-              <a:cxn ang="0">
-                <a:pos x="connsiteX5" y="connsiteY5"/>
-              </a:cxn>
-              <a:cxn ang="0">
-                <a:pos x="connsiteX6" y="connsiteY6"/>
-              </a:cxn>
-              <a:cxn ang="0">
-                <a:pos x="connsiteX7" y="connsiteY7"/>
-              </a:cxn>
-              <a:cxn ang="0">
-                <a:pos x="connsiteX8" y="connsiteY8"/>
-              </a:cxn>
-              <a:cxn ang="0">
-                <a:pos x="connsiteX9" y="connsiteY9"/>
-              </a:cxn>
-              <a:cxn ang="0">
-                <a:pos x="connsiteX10" y="connsiteY10"/>
-              </a:cxn>
-              <a:cxn ang="0">
-                <a:pos x="connsiteX11" y="connsiteY11"/>
-              </a:cxn>
-              <a:cxn ang="0">
-                <a:pos x="connsiteX12" y="connsiteY12"/>
-              </a:cxn>
-              <a:cxn ang="0">
-                <a:pos x="connsiteX13" y="connsiteY13"/>
-              </a:cxn>
-              <a:cxn ang="0">
-                <a:pos x="connsiteX14" y="connsiteY14"/>
-              </a:cxn>
-              <a:cxn ang="0">
-                <a:pos x="connsiteX15" y="connsiteY15"/>
-              </a:cxn>
-              <a:cxn ang="0">
-                <a:pos x="connsiteX16" y="connsiteY16"/>
-              </a:cxn>
-              <a:cxn ang="0">
-                <a:pos x="connsiteX17" y="connsiteY17"/>
-              </a:cxn>
-              <a:cxn ang="0">
-                <a:pos x="connsiteX18" y="connsiteY18"/>
-              </a:cxn>
-              <a:cxn ang="0">
-                <a:pos x="connsiteX19" y="connsiteY19"/>
-              </a:cxn>
-              <a:cxn ang="0">
-                <a:pos x="connsiteX20" y="connsiteY20"/>
-              </a:cxn>
-              <a:cxn ang="0">
-                <a:pos x="connsiteX21" y="connsiteY21"/>
-              </a:cxn>
-              <a:cxn ang="0">
-                <a:pos x="connsiteX22" y="connsiteY22"/>
-              </a:cxn>
-              <a:cxn ang="0">
-                <a:pos x="connsiteX23" y="connsiteY23"/>
-              </a:cxn>
-              <a:cxn ang="0">
-                <a:pos x="connsiteX24" y="connsiteY24"/>
-              </a:cxn>
-              <a:cxn ang="0">
-                <a:pos x="connsiteX25" y="connsiteY25"/>
-              </a:cxn>
-              <a:cxn ang="0">
-                <a:pos x="connsiteX26" y="connsiteY26"/>
-              </a:cxn>
-              <a:cxn ang="0">
-                <a:pos x="connsiteX27" y="connsiteY27"/>
-              </a:cxn>
-              <a:cxn ang="0">
-                <a:pos x="connsiteX28" y="connsiteY28"/>
-              </a:cxn>
-              <a:cxn ang="0">
-                <a:pos x="connsiteX29" y="connsiteY29"/>
-              </a:cxn>
-              <a:cxn ang="0">
-                <a:pos x="connsiteX30" y="connsiteY30"/>
-              </a:cxn>
-              <a:cxn ang="0">
-                <a:pos x="connsiteX31" y="connsiteY31"/>
-              </a:cxn>
-              <a:cxn ang="0">
-                <a:pos x="connsiteX32" y="connsiteY32"/>
-              </a:cxn>
-            </a:cxnLst>
-            <a:rect l="l" t="t" r="r" b="b"/>
-            <a:pathLst>
-              <a:path w="7721413" h="1106059" extrusionOk="0">
-                <a:moveTo>
-                  <a:pt x="0" y="0"/>
-                </a:moveTo>
-                <a:cubicBezTo>
-                  <a:pt x="280780" y="-51542"/>
-                  <a:pt x="470091" y="21772"/>
-                  <a:pt x="593955" y="0"/>
-                </a:cubicBezTo>
-                <a:cubicBezTo>
-                  <a:pt x="717820" y="-21772"/>
-                  <a:pt x="1035976" y="29757"/>
-                  <a:pt x="1342338" y="0"/>
-                </a:cubicBezTo>
-                <a:cubicBezTo>
-                  <a:pt x="1648700" y="-29757"/>
-                  <a:pt x="1666386" y="5526"/>
-                  <a:pt x="1859079" y="0"/>
-                </a:cubicBezTo>
-                <a:cubicBezTo>
-                  <a:pt x="2051772" y="-5526"/>
-                  <a:pt x="2270106" y="87377"/>
-                  <a:pt x="2607462" y="0"/>
-                </a:cubicBezTo>
-                <a:cubicBezTo>
-                  <a:pt x="2944818" y="-87377"/>
-                  <a:pt x="2840867" y="3172"/>
-                  <a:pt x="2969774" y="0"/>
-                </a:cubicBezTo>
-                <a:cubicBezTo>
-                  <a:pt x="3098681" y="-3172"/>
-                  <a:pt x="3290543" y="51776"/>
-                  <a:pt x="3409301" y="0"/>
-                </a:cubicBezTo>
-                <a:cubicBezTo>
-                  <a:pt x="3528059" y="-51776"/>
-                  <a:pt x="3814051" y="16893"/>
-                  <a:pt x="3926042" y="0"/>
-                </a:cubicBezTo>
-                <a:cubicBezTo>
-                  <a:pt x="4038033" y="-16893"/>
-                  <a:pt x="4205401" y="12276"/>
-                  <a:pt x="4288354" y="0"/>
-                </a:cubicBezTo>
-                <a:cubicBezTo>
-                  <a:pt x="4371307" y="-12276"/>
-                  <a:pt x="4511128" y="3836"/>
-                  <a:pt x="4650666" y="0"/>
-                </a:cubicBezTo>
-                <a:cubicBezTo>
-                  <a:pt x="4790204" y="-3836"/>
-                  <a:pt x="5156961" y="17611"/>
-                  <a:pt x="5321835" y="0"/>
-                </a:cubicBezTo>
-                <a:cubicBezTo>
-                  <a:pt x="5486709" y="-17611"/>
-                  <a:pt x="5534032" y="4876"/>
-                  <a:pt x="5684148" y="0"/>
-                </a:cubicBezTo>
-                <a:cubicBezTo>
-                  <a:pt x="5834264" y="-4876"/>
-                  <a:pt x="5920338" y="10713"/>
-                  <a:pt x="6046460" y="0"/>
-                </a:cubicBezTo>
-                <a:cubicBezTo>
-                  <a:pt x="6172582" y="-10713"/>
-                  <a:pt x="6420333" y="36740"/>
-                  <a:pt x="6563201" y="0"/>
-                </a:cubicBezTo>
-                <a:cubicBezTo>
-                  <a:pt x="6706069" y="-36740"/>
-                  <a:pt x="7037560" y="30623"/>
-                  <a:pt x="7157156" y="0"/>
-                </a:cubicBezTo>
-                <a:cubicBezTo>
-                  <a:pt x="7276753" y="-30623"/>
-                  <a:pt x="7487974" y="28917"/>
-                  <a:pt x="7721413" y="0"/>
-                </a:cubicBezTo>
-                <a:cubicBezTo>
-                  <a:pt x="7724599" y="113604"/>
-                  <a:pt x="7679519" y="443403"/>
-                  <a:pt x="7721413" y="564090"/>
-                </a:cubicBezTo>
-                <a:cubicBezTo>
-                  <a:pt x="7763307" y="684777"/>
-                  <a:pt x="7659468" y="861824"/>
-                  <a:pt x="7721413" y="1106059"/>
-                </a:cubicBezTo>
-                <a:cubicBezTo>
-                  <a:pt x="7511829" y="1121872"/>
-                  <a:pt x="7134681" y="1034960"/>
-                  <a:pt x="6973030" y="1106059"/>
-                </a:cubicBezTo>
-                <a:cubicBezTo>
-                  <a:pt x="6811379" y="1177158"/>
-                  <a:pt x="6644199" y="1047278"/>
-                  <a:pt x="6456289" y="1106059"/>
-                </a:cubicBezTo>
-                <a:cubicBezTo>
-                  <a:pt x="6268379" y="1164840"/>
-                  <a:pt x="6149263" y="1063763"/>
-                  <a:pt x="5939548" y="1106059"/>
-                </a:cubicBezTo>
-                <a:cubicBezTo>
-                  <a:pt x="5729833" y="1148355"/>
-                  <a:pt x="5584608" y="1080221"/>
-                  <a:pt x="5268379" y="1106059"/>
-                </a:cubicBezTo>
-                <a:cubicBezTo>
-                  <a:pt x="4952150" y="1131897"/>
-                  <a:pt x="4909254" y="1086840"/>
-                  <a:pt x="4674425" y="1106059"/>
-                </a:cubicBezTo>
-                <a:cubicBezTo>
-                  <a:pt x="4439596" y="1125278"/>
-                  <a:pt x="4440293" y="1081133"/>
-                  <a:pt x="4234898" y="1106059"/>
-                </a:cubicBezTo>
-                <a:cubicBezTo>
-                  <a:pt x="4029503" y="1130985"/>
-                  <a:pt x="3977548" y="1072882"/>
-                  <a:pt x="3872586" y="1106059"/>
-                </a:cubicBezTo>
-                <a:cubicBezTo>
-                  <a:pt x="3767624" y="1139236"/>
-                  <a:pt x="3583432" y="1083608"/>
-                  <a:pt x="3433059" y="1106059"/>
-                </a:cubicBezTo>
-                <a:cubicBezTo>
-                  <a:pt x="3282686" y="1128510"/>
-                  <a:pt x="3084258" y="1089765"/>
-                  <a:pt x="2993532" y="1106059"/>
-                </a:cubicBezTo>
-                <a:cubicBezTo>
-                  <a:pt x="2902806" y="1122353"/>
-                  <a:pt x="2486334" y="1090626"/>
-                  <a:pt x="2245149" y="1106059"/>
-                </a:cubicBezTo>
-                <a:cubicBezTo>
-                  <a:pt x="2003964" y="1121492"/>
-                  <a:pt x="1897308" y="1080918"/>
-                  <a:pt x="1651194" y="1106059"/>
-                </a:cubicBezTo>
-                <a:cubicBezTo>
-                  <a:pt x="1405080" y="1131200"/>
-                  <a:pt x="1407737" y="1093060"/>
-                  <a:pt x="1211668" y="1106059"/>
-                </a:cubicBezTo>
-                <a:cubicBezTo>
-                  <a:pt x="1015599" y="1119058"/>
-                  <a:pt x="408911" y="1098556"/>
-                  <a:pt x="0" y="1106059"/>
-                </a:cubicBezTo>
-                <a:cubicBezTo>
-                  <a:pt x="-19066" y="986062"/>
-                  <a:pt x="61323" y="819003"/>
-                  <a:pt x="0" y="586211"/>
-                </a:cubicBezTo>
-                <a:cubicBezTo>
-                  <a:pt x="-61323" y="353419"/>
-                  <a:pt x="44979" y="172569"/>
-                  <a:pt x="0" y="0"/>
-                </a:cubicBezTo>
-                <a:close/>
-              </a:path>
-            </a:pathLst>
-          </a:custGeom>
-          <a:noFill/>
-          <a:ln>
-            <a:extLst>
-              <a:ext uri="{C807C97D-BFC1-408E-A445-0C87EB9F89A2}">
-                <ask:lineSketchStyleProps xmlns:ask="http://schemas.microsoft.com/office/drawing/2018/sketchyshapes" sd="2998774104">
-                  <a:prstGeom prst="rect">
-                    <a:avLst/>
-                  </a:prstGeom>
-                  <ask:type>
-                    <ask:lineSketchScribble/>
-                  </ask:type>
-                </ask:lineSketchStyleProps>
-              </a:ext>
-            </a:extLst>
-          </a:ln>
-        </p:spPr>
-        <p:style>
-          <a:lnRef idx="2">
-            <a:schemeClr val="accent1">
-              <a:shade val="15000"/>
-            </a:schemeClr>
-          </a:lnRef>
-          <a:fillRef idx="1">
-            <a:schemeClr val="accent1"/>
-          </a:fillRef>
-          <a:effectRef idx="0">
-            <a:schemeClr val="accent1"/>
-          </a:effectRef>
-          <a:fontRef idx="minor">
-            <a:schemeClr val="lt1"/>
-          </a:fontRef>
-        </p:style>
-        <p:txBody>
-          <a:bodyPr rtlCol="0" anchor="ctr"/>
-          <a:lstStyle/>
-          <a:p>
-            <a:pPr algn="ctr"/>
-            <a:endParaRPr lang="fr-FR"/>
-          </a:p>
-        </p:txBody>
-      </p:sp>
-      <p:sp>
-        <p:nvSpPr>
-          <p:cNvPr id="10" name="ZoneTexte 9">
-            <a:extLst>
-              <a:ext uri="{FF2B5EF4-FFF2-40B4-BE49-F238E27FC236}">
-                <a16:creationId xmlns:a16="http://schemas.microsoft.com/office/drawing/2014/main" id="{AC6521F9-8880-ED40-2B93-8E5D86CC229A}"/>
-              </a:ext>
-            </a:extLst>
-          </p:cNvPr>
-          <p:cNvSpPr txBox="1"/>
-          <p:nvPr/>
-        </p:nvSpPr>
-        <p:spPr>
-          <a:xfrm rot="5400000">
-            <a:off x="8404247" y="4239925"/>
-            <a:ext cx="662361" cy="307777"/>
-          </a:xfrm>
-          <a:prstGeom prst="rect">
-            <a:avLst/>
-          </a:prstGeom>
-          <a:noFill/>
-        </p:spPr>
-        <p:txBody>
-          <a:bodyPr wrap="none" rtlCol="0">
-            <a:spAutoFit/>
-          </a:bodyPr>
-          <a:lstStyle/>
-          <a:p>
-            <a:r>
-              <a:rPr lang="fr-FR" dirty="0"/>
-              <a:t>Part II</a:t>
-            </a:r>
-          </a:p>
-        </p:txBody>
-      </p:sp>
     </p:spTree>
     <p:extLst>
       <p:ext uri="{BB962C8B-B14F-4D97-AF65-F5344CB8AC3E}">
-        <p14:creationId xmlns:p14="http://schemas.microsoft.com/office/powerpoint/2010/main" val="4281018982"/>
-      </p:ext>
-    </p:extLst>
-  </p:cSld>
-  <p:clrMapOvr>
-    <a:masterClrMapping/>
-  </p:clrMapOvr>
-</p:sld>
-</file>
-
-<file path=ppt/slides/slide5.xml><?xml version="1.0" encoding="utf-8"?>
-<p:sld xmlns:a="http://schemas.openxmlformats.org/drawingml/2006/main" xmlns:r="http://schemas.openxmlformats.org/officeDocument/2006/relationships" xmlns:p="http://schemas.openxmlformats.org/presentationml/2006/main">
-  <p:cSld>
-    <p:spTree>
-      <p:nvGrpSpPr>
-        <p:cNvPr id="1" name=""/>
-        <p:cNvGrpSpPr/>
-        <p:nvPr/>
-      </p:nvGrpSpPr>
-      <p:grpSpPr>
-        <a:xfrm>
-          <a:off x="0" y="0"/>
-          <a:ext cx="0" cy="0"/>
-          <a:chOff x="0" y="0"/>
-          <a:chExt cx="0" cy="0"/>
-        </a:xfrm>
-      </p:grpSpPr>
-      <p:pic>
-        <p:nvPicPr>
-          <p:cNvPr id="6" name="Image 5">
-            <a:extLst>
-              <a:ext uri="{FF2B5EF4-FFF2-40B4-BE49-F238E27FC236}">
-                <a16:creationId xmlns:a16="http://schemas.microsoft.com/office/drawing/2014/main" id="{A3431C71-1F88-E6BB-9336-766AC0C0B340}"/>
-              </a:ext>
-            </a:extLst>
-          </p:cNvPr>
-          <p:cNvPicPr>
-            <a:picLocks noChangeAspect="1"/>
-          </p:cNvPicPr>
-          <p:nvPr/>
-        </p:nvPicPr>
-        <p:blipFill>
-          <a:blip r:embed="rId2"/>
-          <a:stretch>
-            <a:fillRect/>
-          </a:stretch>
-        </p:blipFill>
-        <p:spPr>
-          <a:xfrm>
-            <a:off x="215153" y="2191639"/>
-            <a:ext cx="8857088" cy="2439947"/>
-          </a:xfrm>
-          <a:prstGeom prst="rect">
-            <a:avLst/>
-          </a:prstGeom>
-        </p:spPr>
-      </p:pic>
-      <p:sp>
-        <p:nvSpPr>
-          <p:cNvPr id="2" name="Titre 1">
-            <a:extLst>
-              <a:ext uri="{FF2B5EF4-FFF2-40B4-BE49-F238E27FC236}">
-                <a16:creationId xmlns:a16="http://schemas.microsoft.com/office/drawing/2014/main" id="{749610CD-6079-B85C-6D60-DC878DD62E6C}"/>
-              </a:ext>
-            </a:extLst>
-          </p:cNvPr>
-          <p:cNvSpPr>
-            <a:spLocks noGrp="1"/>
-          </p:cNvSpPr>
-          <p:nvPr>
-            <p:ph type="title"/>
-          </p:nvPr>
-        </p:nvSpPr>
-        <p:spPr/>
-        <p:txBody>
-          <a:bodyPr/>
-          <a:lstStyle/>
-          <a:p>
-            <a:r>
-              <a:rPr lang="fr-FR" dirty="0"/>
-              <a:t>Documents </a:t>
-            </a:r>
-            <a:r>
-              <a:rPr lang="fr-FR" dirty="0" err="1"/>
-              <a:t>Status</a:t>
-            </a:r>
-            <a:endParaRPr lang="fr-FR" dirty="0"/>
-          </a:p>
-        </p:txBody>
-      </p:sp>
-      <p:sp>
-        <p:nvSpPr>
-          <p:cNvPr id="4" name="Espace réservé du numéro de diapositive 3">
-            <a:extLst>
-              <a:ext uri="{FF2B5EF4-FFF2-40B4-BE49-F238E27FC236}">
-                <a16:creationId xmlns:a16="http://schemas.microsoft.com/office/drawing/2014/main" id="{CE6075EA-6F1E-FE68-0A52-8BEDA00B9120}"/>
-              </a:ext>
-            </a:extLst>
-          </p:cNvPr>
-          <p:cNvSpPr>
-            <a:spLocks noGrp="1"/>
-          </p:cNvSpPr>
-          <p:nvPr>
-            <p:ph type="sldNum" idx="12"/>
-          </p:nvPr>
-        </p:nvSpPr>
-        <p:spPr/>
-        <p:txBody>
-          <a:bodyPr/>
-          <a:lstStyle/>
-          <a:p>
-            <a:pPr marL="0" lvl="0" indent="0" algn="r" rtl="0">
-              <a:spcBef>
-                <a:spcPts val="0"/>
-              </a:spcBef>
-              <a:spcAft>
-                <a:spcPts val="0"/>
-              </a:spcAft>
-              <a:buNone/>
-            </a:pPr>
-            <a:fld id="{00000000-1234-1234-1234-123412341234}" type="slidenum">
-              <a:rPr lang="en-US" smtClean="0"/>
-              <a:t>5</a:t>
-            </a:fld>
-            <a:endParaRPr lang="en-US"/>
-          </a:p>
-        </p:txBody>
-      </p:sp>
-      <p:sp>
-        <p:nvSpPr>
-          <p:cNvPr id="9" name="Bulle narrative : ronde 8">
-            <a:extLst>
-              <a:ext uri="{FF2B5EF4-FFF2-40B4-BE49-F238E27FC236}">
-                <a16:creationId xmlns:a16="http://schemas.microsoft.com/office/drawing/2014/main" id="{2328023F-1C93-51F0-A761-742333E90631}"/>
-              </a:ext>
-            </a:extLst>
-          </p:cNvPr>
-          <p:cNvSpPr/>
-          <p:nvPr/>
-        </p:nvSpPr>
-        <p:spPr>
-          <a:xfrm>
-            <a:off x="5345205" y="1828924"/>
-            <a:ext cx="1122830" cy="921123"/>
-          </a:xfrm>
-          <a:prstGeom prst="wedgeEllipseCallout">
-            <a:avLst>
-              <a:gd name="adj1" fmla="val -224426"/>
-              <a:gd name="adj2" fmla="val 31113"/>
-            </a:avLst>
-          </a:prstGeom>
-          <a:solidFill>
-            <a:schemeClr val="tx1"/>
-          </a:solidFill>
-          <a:ln>
-            <a:solidFill>
-              <a:schemeClr val="tx1"/>
-            </a:solidFill>
-          </a:ln>
-        </p:spPr>
-        <p:style>
-          <a:lnRef idx="2">
-            <a:schemeClr val="accent1">
-              <a:shade val="15000"/>
-            </a:schemeClr>
-          </a:lnRef>
-          <a:fillRef idx="1">
-            <a:schemeClr val="accent1"/>
-          </a:fillRef>
-          <a:effectRef idx="0">
-            <a:schemeClr val="accent1"/>
-          </a:effectRef>
-          <a:fontRef idx="minor">
-            <a:schemeClr val="lt1"/>
-          </a:fontRef>
-        </p:style>
-        <p:txBody>
-          <a:bodyPr rtlCol="0" anchor="ctr"/>
-          <a:lstStyle/>
-          <a:p>
-            <a:pPr algn="ctr"/>
-            <a:r>
-              <a:rPr lang="fr-FR" dirty="0">
-                <a:solidFill>
-                  <a:schemeClr val="accent4"/>
-                </a:solidFill>
-              </a:rPr>
-              <a:t>On the agenda</a:t>
-            </a:r>
-          </a:p>
-        </p:txBody>
-      </p:sp>
-    </p:spTree>
-    <p:extLst>
-      <p:ext uri="{BB962C8B-B14F-4D97-AF65-F5344CB8AC3E}">
-        <p14:creationId xmlns:p14="http://schemas.microsoft.com/office/powerpoint/2010/main" val="513082138"/>
+        <p14:creationId xmlns:p14="http://schemas.microsoft.com/office/powerpoint/2010/main" val="753709249"/>
       </p:ext>
     </p:extLst>
   </p:cSld>
@@ -18540,238 +17956,6 @@
     <p:extLst>
       <p:ext uri="{BB962C8B-B14F-4D97-AF65-F5344CB8AC3E}">
         <p14:creationId xmlns:p14="http://schemas.microsoft.com/office/powerpoint/2010/main" val="4214570103"/>
-      </p:ext>
-    </p:extLst>
-  </p:cSld>
-  <p:clrMapOvr>
-    <a:masterClrMapping/>
-  </p:clrMapOvr>
-</p:sld>
-</file>
-
-<file path=ppt/slides/slide7.xml><?xml version="1.0" encoding="utf-8"?>
-<p:sld xmlns:a="http://schemas.openxmlformats.org/drawingml/2006/main" xmlns:r="http://schemas.openxmlformats.org/officeDocument/2006/relationships" xmlns:p="http://schemas.openxmlformats.org/presentationml/2006/main">
-  <p:cSld>
-    <p:spTree>
-      <p:nvGrpSpPr>
-        <p:cNvPr id="1" name=""/>
-        <p:cNvGrpSpPr/>
-        <p:nvPr/>
-      </p:nvGrpSpPr>
-      <p:grpSpPr>
-        <a:xfrm>
-          <a:off x="0" y="0"/>
-          <a:ext cx="0" cy="0"/>
-          <a:chOff x="0" y="0"/>
-          <a:chExt cx="0" cy="0"/>
-        </a:xfrm>
-      </p:grpSpPr>
-      <p:pic>
-        <p:nvPicPr>
-          <p:cNvPr id="7" name="Image 6">
-            <a:extLst>
-              <a:ext uri="{FF2B5EF4-FFF2-40B4-BE49-F238E27FC236}">
-                <a16:creationId xmlns:a16="http://schemas.microsoft.com/office/drawing/2014/main" id="{EA859CCD-8232-759D-E90E-97FD108333B5}"/>
-              </a:ext>
-            </a:extLst>
-          </p:cNvPr>
-          <p:cNvPicPr>
-            <a:picLocks noChangeAspect="1"/>
-          </p:cNvPicPr>
-          <p:nvPr/>
-        </p:nvPicPr>
-        <p:blipFill>
-          <a:blip r:embed="rId2"/>
-          <a:stretch>
-            <a:fillRect/>
-          </a:stretch>
-        </p:blipFill>
-        <p:spPr>
-          <a:xfrm>
-            <a:off x="252133" y="1840676"/>
-            <a:ext cx="7157197" cy="2884122"/>
-          </a:xfrm>
-          <a:prstGeom prst="rect">
-            <a:avLst/>
-          </a:prstGeom>
-        </p:spPr>
-      </p:pic>
-      <p:sp>
-        <p:nvSpPr>
-          <p:cNvPr id="2" name="Titre 1">
-            <a:extLst>
-              <a:ext uri="{FF2B5EF4-FFF2-40B4-BE49-F238E27FC236}">
-                <a16:creationId xmlns:a16="http://schemas.microsoft.com/office/drawing/2014/main" id="{8CA407AD-6D47-FD00-DB11-370AFCFFA6C2}"/>
-              </a:ext>
-            </a:extLst>
-          </p:cNvPr>
-          <p:cNvSpPr>
-            <a:spLocks noGrp="1"/>
-          </p:cNvSpPr>
-          <p:nvPr>
-            <p:ph type="title"/>
-          </p:nvPr>
-        </p:nvSpPr>
-        <p:spPr/>
-        <p:txBody>
-          <a:bodyPr/>
-          <a:lstStyle/>
-          <a:p>
-            <a:r>
-              <a:rPr lang="fr-FR" dirty="0"/>
-              <a:t>Future Meetings</a:t>
-            </a:r>
-          </a:p>
-        </p:txBody>
-      </p:sp>
-      <p:sp>
-        <p:nvSpPr>
-          <p:cNvPr id="4" name="Espace réservé du numéro de diapositive 3">
-            <a:extLst>
-              <a:ext uri="{FF2B5EF4-FFF2-40B4-BE49-F238E27FC236}">
-                <a16:creationId xmlns:a16="http://schemas.microsoft.com/office/drawing/2014/main" id="{624AA405-6699-8D1C-1A29-C407687855A1}"/>
-              </a:ext>
-            </a:extLst>
-          </p:cNvPr>
-          <p:cNvSpPr>
-            <a:spLocks noGrp="1"/>
-          </p:cNvSpPr>
-          <p:nvPr>
-            <p:ph type="sldNum" idx="12"/>
-          </p:nvPr>
-        </p:nvSpPr>
-        <p:spPr/>
-        <p:txBody>
-          <a:bodyPr/>
-          <a:lstStyle/>
-          <a:p>
-            <a:pPr marL="0" lvl="0" indent="0" algn="r" rtl="0">
-              <a:spcBef>
-                <a:spcPts val="0"/>
-              </a:spcBef>
-              <a:spcAft>
-                <a:spcPts val="0"/>
-              </a:spcAft>
-              <a:buNone/>
-            </a:pPr>
-            <a:fld id="{00000000-1234-1234-1234-123412341234}" type="slidenum">
-              <a:rPr lang="en-US" smtClean="0"/>
-              <a:t>7</a:t>
-            </a:fld>
-            <a:endParaRPr lang="en-US"/>
-          </a:p>
-        </p:txBody>
-      </p:sp>
-      <p:sp>
-        <p:nvSpPr>
-          <p:cNvPr id="10" name="Flèche : gauche 9">
-            <a:extLst>
-              <a:ext uri="{FF2B5EF4-FFF2-40B4-BE49-F238E27FC236}">
-                <a16:creationId xmlns:a16="http://schemas.microsoft.com/office/drawing/2014/main" id="{6753B80D-E21A-2B6E-F15B-C5F5C28745C1}"/>
-              </a:ext>
-            </a:extLst>
-          </p:cNvPr>
-          <p:cNvSpPr/>
-          <p:nvPr/>
-        </p:nvSpPr>
-        <p:spPr>
-          <a:xfrm>
-            <a:off x="6367178" y="4180603"/>
-            <a:ext cx="833718" cy="235324"/>
-          </a:xfrm>
-          <a:prstGeom prst="leftArrow">
-            <a:avLst/>
-          </a:prstGeom>
-          <a:solidFill>
-            <a:srgbClr val="00B0F0"/>
-          </a:solidFill>
-          <a:ln>
-            <a:solidFill>
-              <a:srgbClr val="00B0F0"/>
-            </a:solidFill>
-          </a:ln>
-        </p:spPr>
-        <p:style>
-          <a:lnRef idx="2">
-            <a:schemeClr val="accent1">
-              <a:shade val="15000"/>
-            </a:schemeClr>
-          </a:lnRef>
-          <a:fillRef idx="1">
-            <a:schemeClr val="accent1"/>
-          </a:fillRef>
-          <a:effectRef idx="0">
-            <a:schemeClr val="accent1"/>
-          </a:effectRef>
-          <a:fontRef idx="minor">
-            <a:schemeClr val="lt1"/>
-          </a:fontRef>
-        </p:style>
-        <p:txBody>
-          <a:bodyPr rtlCol="0" anchor="ctr"/>
-          <a:lstStyle/>
-          <a:p>
-            <a:pPr algn="ctr"/>
-            <a:endParaRPr lang="fr-FR"/>
-          </a:p>
-        </p:txBody>
-      </p:sp>
-      <p:sp>
-        <p:nvSpPr>
-          <p:cNvPr id="11" name="ZoneTexte 10">
-            <a:extLst>
-              <a:ext uri="{FF2B5EF4-FFF2-40B4-BE49-F238E27FC236}">
-                <a16:creationId xmlns:a16="http://schemas.microsoft.com/office/drawing/2014/main" id="{DC4BF35C-BFF9-5971-37E5-50C2228413AC}"/>
-              </a:ext>
-            </a:extLst>
-          </p:cNvPr>
-          <p:cNvSpPr txBox="1"/>
-          <p:nvPr/>
-        </p:nvSpPr>
-        <p:spPr>
-          <a:xfrm>
-            <a:off x="7295026" y="4144376"/>
-            <a:ext cx="1539690" cy="307777"/>
-          </a:xfrm>
-          <a:prstGeom prst="rect">
-            <a:avLst/>
-          </a:prstGeom>
-          <a:noFill/>
-        </p:spPr>
-        <p:txBody>
-          <a:bodyPr wrap="square" rtlCol="0">
-            <a:spAutoFit/>
-          </a:bodyPr>
-          <a:lstStyle/>
-          <a:p>
-            <a:r>
-              <a:rPr lang="fr-FR" dirty="0">
-                <a:solidFill>
-                  <a:srgbClr val="00B0F0"/>
-                </a:solidFill>
-              </a:rPr>
-              <a:t>Digital </a:t>
-            </a:r>
-            <a:r>
-              <a:rPr lang="fr-FR" dirty="0" err="1">
-                <a:solidFill>
-                  <a:srgbClr val="00B0F0"/>
-                </a:solidFill>
-              </a:rPr>
-              <a:t>Map</a:t>
-            </a:r>
-            <a:endParaRPr lang="fr-FR" dirty="0">
-              <a:solidFill>
-                <a:srgbClr val="00B0F0"/>
-              </a:solidFill>
-            </a:endParaRPr>
-          </a:p>
-        </p:txBody>
-      </p:sp>
-    </p:spTree>
-    <p:extLst>
-      <p:ext uri="{BB962C8B-B14F-4D97-AF65-F5344CB8AC3E}">
-        <p14:creationId xmlns:p14="http://schemas.microsoft.com/office/powerpoint/2010/main" val="2749868532"/>
       </p:ext>
     </p:extLst>
   </p:cSld>
